--- a/cactus_survey_poster.pptx
+++ b/cactus_survey_poster.pptx
@@ -217,7 +217,7 @@
           <a:p>
             <a:fld id="{F1C0B079-A316-4C9B-B165-DF9EA8325D2C}" type="datetimeFigureOut">
               <a:rPr lang="en-US" smtClean="0"/>
-              <a:t>3/25/2019</a:t>
+              <a:t>3/26/2019</a:t>
             </a:fld>
             <a:endParaRPr lang="en-US"/>
           </a:p>
@@ -382,7 +382,7 @@
           <a:p>
             <a:fld id="{38F28AB8-57D1-494F-9851-055AD867E790}" type="datetimeFigureOut">
               <a:rPr lang="en-US" smtClean="0"/>
-              <a:t>3/25/2019</a:t>
+              <a:t>3/26/2019</a:t>
             </a:fld>
             <a:endParaRPr lang="en-US"/>
           </a:p>
@@ -3671,7 +3671,7 @@
           <a:p>
             <a:fld id="{ECAA57DF-1C19-4726-AB84-014692BAD8F5}" type="datetimeFigureOut">
               <a:rPr lang="en-US" smtClean="0"/>
-              <a:t>3/25/2019</a:t>
+              <a:t>3/26/2019</a:t>
             </a:fld>
             <a:endParaRPr lang="en-US"/>
           </a:p>
@@ -4010,7 +4010,7 @@
             <a:fld id="{ECAA57DF-1C19-4726-AB84-014692BAD8F5}" type="datetimeFigureOut">
               <a:rPr lang="en-US" smtClean="0"/>
               <a:pPr/>
-              <a:t>3/25/2019</a:t>
+              <a:t>3/26/2019</a:t>
             </a:fld>
             <a:endParaRPr lang="en-US"/>
           </a:p>
@@ -5608,13 +5608,21 @@
         </p:spPr>
         <p:txBody>
           <a:bodyPr>
-            <a:normAutofit fontScale="77500" lnSpcReduction="20000"/>
+            <a:normAutofit fontScale="70000" lnSpcReduction="20000"/>
           </a:bodyPr>
           <a:lstStyle/>
           <a:p>
             <a:r>
               <a:rPr lang="en-US" sz="5400" dirty="0"/>
-              <a:t>Positive interactions drive ecosystem infrastructure </a:t>
+              <a:t>Positive interactions drive ecosystem infrastructure</a:t>
+            </a:r>
+            <a:r>
+              <a:rPr lang="en-US" sz="5400" baseline="30000" dirty="0"/>
+              <a:t>1</a:t>
+            </a:r>
+            <a:r>
+              <a:rPr lang="en-US" sz="5400" dirty="0"/>
+              <a:t> </a:t>
             </a:r>
           </a:p>
           <a:p>
@@ -5624,7 +5632,7 @@
             </a:r>
             <a:r>
               <a:rPr lang="en-US" sz="5400" baseline="30000" dirty="0"/>
-              <a:t>1</a:t>
+              <a:t>2, 3</a:t>
             </a:r>
           </a:p>
           <a:p>
@@ -5635,7 +5643,7 @@
             </a:r>
             <a:r>
               <a:rPr lang="en-US" sz="5000" baseline="30000" dirty="0"/>
-              <a:t>2</a:t>
+              <a:t>4</a:t>
             </a:r>
           </a:p>
           <a:p>
@@ -5646,7 +5654,7 @@
             </a:r>
             <a:r>
               <a:rPr lang="en-US" sz="5000" baseline="30000" dirty="0"/>
-              <a:t>3</a:t>
+              <a:t>5</a:t>
             </a:r>
           </a:p>
           <a:p>
@@ -5656,7 +5664,7 @@
             </a:r>
             <a:r>
               <a:rPr lang="en-US" sz="5400" baseline="30000" dirty="0"/>
-              <a:t>4</a:t>
+              <a:t>6</a:t>
             </a:r>
           </a:p>
           <a:p>
@@ -5775,7 +5783,7 @@
         </p:nvSpPr>
         <p:spPr>
           <a:xfrm>
-            <a:off x="15902941" y="11957547"/>
+            <a:off x="15902941" y="11304407"/>
             <a:ext cx="12801600" cy="1219200"/>
           </a:xfrm>
         </p:spPr>
@@ -5802,8 +5810,8 @@
         </p:nvSpPr>
         <p:spPr>
           <a:xfrm>
-            <a:off x="15953741" y="29624094"/>
-            <a:ext cx="12801600" cy="1950966"/>
+            <a:off x="15902941" y="29568745"/>
+            <a:ext cx="12801600" cy="2013329"/>
           </a:xfrm>
           <a:solidFill>
             <a:schemeClr val="accent1">
@@ -5819,9 +5827,38 @@
           <a:lstStyle/>
           <a:p>
             <a:r>
+              <a:rPr lang="en-US" sz="3600" i="1" dirty="0"/>
+              <a:t>C. acanthocarpa </a:t>
+            </a:r>
+            <a:r>
               <a:rPr lang="en-US" sz="3600" dirty="0"/>
-              <a:t>Fish recruitment was 40% lower in degraded soundscapes for all life stages (GLMM, P=0.002, P&lt;0.001), taxa, and trophic levels (LMM, P ≤ 0.001–0.035, P ≤ 0.001–0.029)</a:t>
-            </a:r>
+              <a:t>and </a:t>
+            </a:r>
+            <a:r>
+              <a:rPr lang="en-US" sz="3600" i="1" dirty="0"/>
+              <a:t>C. echinocarpa </a:t>
+            </a:r>
+            <a:r>
+              <a:rPr lang="en-US" sz="3600" dirty="0"/>
+              <a:t>are healthier than </a:t>
+            </a:r>
+            <a:r>
+              <a:rPr lang="en-US" sz="3600" i="1" dirty="0"/>
+              <a:t>O. basilaris (Pearson’s Chi-squared Test, </a:t>
+            </a:r>
+            <a:r>
+              <a:rPr lang="en-US" sz="3600" dirty="0"/>
+              <a:t>X-squared = 27.325, </a:t>
+            </a:r>
+            <a:r>
+              <a:rPr lang="en-US" sz="3600" i="1" dirty="0"/>
+              <a:t> </a:t>
+            </a:r>
+            <a:r>
+              <a:rPr lang="en-US" sz="3600" dirty="0"/>
+              <a:t>df = 8, p &gt; 0.001).</a:t>
+            </a:r>
+            <a:endParaRPr lang="en-US" sz="3600" i="1" dirty="0"/>
           </a:p>
         </p:txBody>
       </p:sp>
@@ -5837,7 +5874,7 @@
         </p:nvSpPr>
         <p:spPr>
           <a:xfrm>
-            <a:off x="29900880" y="12757196"/>
+            <a:off x="29900880" y="19716796"/>
             <a:ext cx="12801600" cy="1219200"/>
           </a:xfrm>
         </p:spPr>
@@ -5864,7 +5901,7 @@
         </p:nvSpPr>
         <p:spPr>
           <a:xfrm>
-            <a:off x="29900880" y="26984816"/>
+            <a:off x="29900880" y="26342793"/>
             <a:ext cx="12801600" cy="1219200"/>
           </a:xfrm>
         </p:spPr>
@@ -5892,8 +5929,8 @@
         </p:nvSpPr>
         <p:spPr>
           <a:xfrm>
-            <a:off x="29900880" y="28429568"/>
-            <a:ext cx="12801600" cy="2218501"/>
+            <a:off x="29900880" y="27785104"/>
+            <a:ext cx="12801600" cy="3796970"/>
           </a:xfrm>
           <a:solidFill>
             <a:schemeClr val="accent1">
@@ -5904,175 +5941,275 @@
         </p:spPr>
         <p:txBody>
           <a:bodyPr>
-            <a:normAutofit/>
+            <a:normAutofit fontScale="70000" lnSpcReduction="20000"/>
           </a:bodyPr>
           <a:lstStyle/>
           <a:p>
             <a:pPr marL="514350" indent="-514350">
+              <a:buFont typeface="Arial" panose="020B0604020202020204" pitchFamily="34" charset="0"/>
               <a:buAutoNum type="arabicPeriod"/>
             </a:pPr>
             <a:r>
-              <a:rPr lang="en-US" sz="1800" dirty="0"/>
-              <a:t>de Groot, R. </a:t>
-            </a:r>
-            <a:r>
-              <a:rPr lang="en-US" sz="1800" i="1" dirty="0"/>
-              <a:t>et al.</a:t>
-            </a:r>
-            <a:r>
-              <a:rPr lang="en-US" sz="1800" dirty="0"/>
-              <a:t> Global estimates of the value of ecosystems and their services in monetary units. </a:t>
-            </a:r>
-            <a:r>
-              <a:rPr lang="en-US" sz="1800" i="1" dirty="0" err="1"/>
-              <a:t>Ecosyst</a:t>
-            </a:r>
-            <a:r>
-              <a:rPr lang="en-US" sz="1800" i="1" dirty="0"/>
-              <a:t>. Serv.</a:t>
-            </a:r>
-            <a:r>
-              <a:rPr lang="en-US" sz="1800" dirty="0"/>
-              <a:t> </a:t>
-            </a:r>
-            <a:r>
-              <a:rPr lang="en-US" sz="1800" b="1" dirty="0"/>
-              <a:t>1,</a:t>
-            </a:r>
-            <a:r>
-              <a:rPr lang="en-US" sz="1800" dirty="0"/>
-              <a:t> 50–61 (2012)</a:t>
+              <a:rPr lang="en-US" sz="2200" dirty="0"/>
+              <a:t>Callaway, Ragan M. 1997. “Positive interactions in plant communities and the individualistic-continuum concept.” </a:t>
+            </a:r>
+            <a:r>
+              <a:rPr lang="en-US" sz="2200" i="1" dirty="0" err="1"/>
+              <a:t>Oecologia</a:t>
+            </a:r>
+            <a:r>
+              <a:rPr lang="en-US" sz="2200" dirty="0"/>
+              <a:t> 112: 143–49.</a:t>
             </a:r>
           </a:p>
           <a:p>
             <a:pPr marL="514350" indent="-514350">
+              <a:buFont typeface="Arial" panose="020B0604020202020204" pitchFamily="34" charset="0"/>
               <a:buAutoNum type="arabicPeriod"/>
             </a:pPr>
             <a:r>
-              <a:rPr lang="en-US" sz="1800" dirty="0"/>
-              <a:t>Baker, A. C., Glynn, P. W. &amp; </a:t>
-            </a:r>
-            <a:r>
-              <a:rPr lang="en-US" sz="1800" dirty="0" err="1"/>
-              <a:t>Riegl</a:t>
-            </a:r>
-            <a:r>
-              <a:rPr lang="en-US" sz="1800" dirty="0"/>
-              <a:t>, B. Climate change and coral reef bleaching: An ecological assessment of long-term impacts, recovery trends and future outlook. </a:t>
-            </a:r>
-            <a:r>
-              <a:rPr lang="en-US" sz="1800" i="1" dirty="0" err="1"/>
-              <a:t>Estuar</a:t>
-            </a:r>
-            <a:r>
-              <a:rPr lang="en-US" sz="1800" i="1" dirty="0"/>
-              <a:t>. Coast. Shelf Sci.</a:t>
-            </a:r>
-            <a:r>
-              <a:rPr lang="en-US" sz="1800" dirty="0"/>
-              <a:t> </a:t>
-            </a:r>
-            <a:r>
-              <a:rPr lang="en-US" sz="1800" b="1" dirty="0"/>
-              <a:t>80,</a:t>
-            </a:r>
-            <a:r>
-              <a:rPr lang="en-US" sz="1800" dirty="0"/>
-              <a:t> 435–471 (2008).</a:t>
+              <a:rPr lang="en-US" sz="2200" dirty="0"/>
+              <a:t>Montiel, Salvador, and Carlos Montaña. 2000. “Vertebrate Frugivory and Seed Dispersal of a </a:t>
+            </a:r>
+            <a:r>
+              <a:rPr lang="en-US" sz="2200" dirty="0" err="1"/>
+              <a:t>Chihuahuan</a:t>
+            </a:r>
+            <a:r>
+              <a:rPr lang="en-US" sz="2200" dirty="0"/>
+              <a:t> Desert Cactus” 146 (2): 221–29.</a:t>
             </a:r>
           </a:p>
           <a:p>
             <a:pPr marL="514350" indent="-514350">
+              <a:buFont typeface="Arial" panose="020B0604020202020204" pitchFamily="34" charset="0"/>
               <a:buAutoNum type="arabicPeriod"/>
             </a:pPr>
             <a:r>
-              <a:rPr lang="en-US" sz="1800" dirty="0"/>
-              <a:t>Hughes, T. P. </a:t>
-            </a:r>
-            <a:r>
-              <a:rPr lang="en-US" sz="1800" i="1" dirty="0"/>
-              <a:t>et al.</a:t>
-            </a:r>
-            <a:r>
-              <a:rPr lang="en-US" sz="1800" dirty="0"/>
-              <a:t> Phase Shifts, Herbivory, and the Resilience of Coral Reefs to Climate Change. </a:t>
-            </a:r>
-            <a:r>
-              <a:rPr lang="en-US" sz="1800" i="1" dirty="0" err="1"/>
-              <a:t>Curr</a:t>
-            </a:r>
-            <a:r>
-              <a:rPr lang="en-US" sz="1800" i="1" dirty="0"/>
-              <a:t>. Biol.</a:t>
-            </a:r>
-            <a:r>
-              <a:rPr lang="en-US" sz="1800" dirty="0"/>
+              <a:rPr lang="en-US" sz="2200" dirty="0" err="1"/>
+              <a:t>Gorostiague</a:t>
+            </a:r>
+            <a:r>
+              <a:rPr lang="en-US" sz="2200" dirty="0"/>
+              <a:t>, P., and P. Ortega-Baes. 2016. “How </a:t>
+            </a:r>
+            <a:r>
+              <a:rPr lang="en-US" sz="2200" dirty="0" err="1"/>
+              <a:t>specialised</a:t>
+            </a:r>
+            <a:r>
+              <a:rPr lang="en-US" sz="2200" dirty="0"/>
+              <a:t> is bird pollination in the Cactaceae?” </a:t>
+            </a:r>
+            <a:r>
+              <a:rPr lang="en-US" sz="2200" i="1" dirty="0"/>
+              <a:t>Plant Biology</a:t>
+            </a:r>
+            <a:r>
+              <a:rPr lang="en-US" sz="2200" dirty="0"/>
+              <a:t> 18 (1): 63–72. doi:</a:t>
+            </a:r>
+            <a:r>
+              <a:rPr lang="en-US" sz="2200" dirty="0">
+                <a:hlinkClick r:id="rId11"/>
+              </a:rPr>
+              <a:t>10.1111/plb.12297</a:t>
+            </a:r>
+            <a:r>
+              <a:rPr lang="en-US" sz="2200" dirty="0"/>
+              <a:t>.</a:t>
+            </a:r>
+          </a:p>
+          <a:p>
+            <a:pPr marL="514350" indent="-514350">
+              <a:buFont typeface="Arial" panose="020B0604020202020204" pitchFamily="34" charset="0"/>
+              <a:buAutoNum type="arabicPeriod"/>
+            </a:pPr>
+            <a:r>
+              <a:rPr lang="en-US" sz="2200" dirty="0"/>
+              <a:t>Kelly, Dave, Jenny J </a:t>
+            </a:r>
+            <a:r>
+              <a:rPr lang="en-US" sz="2200" dirty="0" err="1"/>
+              <a:t>Ladley</a:t>
+            </a:r>
+            <a:r>
+              <a:rPr lang="en-US" sz="2200" dirty="0"/>
+              <a:t>, Alastair W Robertson, and Jenny J </a:t>
+            </a:r>
+            <a:r>
+              <a:rPr lang="en-US" sz="2200" dirty="0" err="1"/>
+              <a:t>Ladley</a:t>
+            </a:r>
+            <a:r>
+              <a:rPr lang="en-US" sz="2200" dirty="0"/>
+              <a:t>. 2004. “Is dispersal easier than pollination ? Two tests in New Zealand </a:t>
+            </a:r>
+            <a:r>
+              <a:rPr lang="en-US" sz="2200" dirty="0" err="1"/>
+              <a:t>Loranthaceae</a:t>
+            </a:r>
+            <a:r>
+              <a:rPr lang="en-US" sz="2200" dirty="0"/>
+              <a:t>.” </a:t>
+            </a:r>
+            <a:r>
+              <a:rPr lang="en-US" sz="2200" i="1" dirty="0"/>
+              <a:t>New Zealand Journal of Botany</a:t>
+            </a:r>
+            <a:r>
+              <a:rPr lang="en-US" sz="2200" dirty="0"/>
+              <a:t> 42: 89–103. doi:</a:t>
+            </a:r>
+            <a:r>
+              <a:rPr lang="en-US" sz="2200" dirty="0">
+                <a:hlinkClick r:id="rId12"/>
+              </a:rPr>
+              <a:t>10.1080/0028825X.2004.9512892</a:t>
+            </a:r>
+            <a:r>
+              <a:rPr lang="en-US" sz="2200" dirty="0"/>
+              <a:t>.</a:t>
+            </a:r>
+          </a:p>
+          <a:p>
+            <a:pPr marL="514350" indent="-514350">
+              <a:buFont typeface="Arial" panose="020B0604020202020204" pitchFamily="34" charset="0"/>
+              <a:buAutoNum type="arabicPeriod"/>
+            </a:pPr>
+            <a:r>
+              <a:rPr lang="en-US" sz="2200" dirty="0"/>
+              <a:t>Garcia, Maria B., Xavier </a:t>
+            </a:r>
+            <a:r>
+              <a:rPr lang="en-US" sz="2200" dirty="0" err="1"/>
+              <a:t>Espadaler</a:t>
+            </a:r>
+            <a:r>
+              <a:rPr lang="en-US" sz="2200" dirty="0"/>
+              <a:t>, and Jens M. Olesen. 2012. “Extreme Reproduction and Survival of a True Cliffhanger : The Endangered Plant </a:t>
+            </a:r>
+            <a:r>
+              <a:rPr lang="en-US" sz="2200" dirty="0" err="1"/>
+              <a:t>Borderea</a:t>
+            </a:r>
+            <a:r>
+              <a:rPr lang="en-US" sz="2200" dirty="0"/>
               <a:t> </a:t>
             </a:r>
             <a:r>
-              <a:rPr lang="en-US" sz="1800" b="1" dirty="0"/>
-              <a:t>17,</a:t>
-            </a:r>
-            <a:r>
-              <a:rPr lang="en-US" sz="1800" dirty="0"/>
-              <a:t> 360–365 (2007).</a:t>
-            </a:r>
-          </a:p>
-          <a:p>
-            <a:pPr marL="0" indent="0">
-              <a:buNone/>
+              <a:rPr lang="en-US" sz="2200" dirty="0" err="1"/>
+              <a:t>chouardii</a:t>
+            </a:r>
+            <a:r>
+              <a:rPr lang="en-US" sz="2200" dirty="0"/>
+              <a:t>.” </a:t>
+            </a:r>
+            <a:r>
+              <a:rPr lang="en-US" sz="2200" i="1" dirty="0"/>
+              <a:t>PLOS One</a:t>
+            </a:r>
+            <a:r>
+              <a:rPr lang="en-US" sz="2200" dirty="0"/>
+              <a:t> 7 (9): 1–7. doi:</a:t>
+            </a:r>
+            <a:r>
+              <a:rPr lang="en-US" sz="2200" dirty="0">
+                <a:hlinkClick r:id="rId13"/>
+              </a:rPr>
+              <a:t>10.1371/journal.pone.0044657</a:t>
+            </a:r>
+            <a:r>
+              <a:rPr lang="en-US" sz="2200" dirty="0"/>
+              <a:t>.</a:t>
+            </a:r>
+          </a:p>
+          <a:p>
+            <a:pPr marL="514350" indent="-514350">
+              <a:buFont typeface="Arial" panose="020B0604020202020204" pitchFamily="34" charset="0"/>
+              <a:buAutoNum type="arabicPeriod"/>
+            </a:pPr>
+            <a:r>
+              <a:rPr lang="en-US" sz="2200" dirty="0" err="1"/>
+              <a:t>Filazzola</a:t>
+            </a:r>
+            <a:r>
+              <a:rPr lang="en-US" sz="2200" dirty="0"/>
+              <a:t>, A., </a:t>
+            </a:r>
+            <a:r>
+              <a:rPr lang="en-US" sz="2200" dirty="0" err="1"/>
+              <a:t>Lortie</a:t>
+            </a:r>
+            <a:r>
+              <a:rPr lang="en-US" sz="2200" dirty="0"/>
+              <a:t>, C. J. 2014. “A systematic review and conceptual framework for the mechanistic pathways of nurse plants.” </a:t>
+            </a:r>
+            <a:r>
+              <a:rPr lang="en-US" sz="2200" i="1" dirty="0"/>
+              <a:t>Global Ecology and Biogeography</a:t>
+            </a:r>
+            <a:r>
+              <a:rPr lang="en-US" sz="2200" dirty="0"/>
+              <a:t> 23 (12): 1335-1345.</a:t>
+            </a:r>
+          </a:p>
+          <a:p>
+            <a:pPr marL="514350" indent="-514350">
+              <a:buFont typeface="Arial" panose="020B0604020202020204" pitchFamily="34" charset="0"/>
+              <a:buAutoNum type="arabicPeriod"/>
+            </a:pPr>
+            <a:r>
+              <a:rPr lang="en-US" sz="2200" dirty="0"/>
+              <a:t>Wolf, L. L., and Hainsworth, A.R. 1990. “Non-Random Foraging by Hummingbirds : Patterns of Movement Between </a:t>
+            </a:r>
+            <a:r>
+              <a:rPr lang="en-US" sz="2200" dirty="0" err="1"/>
+              <a:t>Ipomopsis</a:t>
+            </a:r>
+            <a:r>
+              <a:rPr lang="en-US" sz="2200" dirty="0"/>
+              <a:t>.” </a:t>
+            </a:r>
+            <a:r>
+              <a:rPr lang="en-US" sz="2200" i="1" dirty="0"/>
+              <a:t>Functional Ecology</a:t>
+            </a:r>
+            <a:r>
+              <a:rPr lang="en-US" sz="2200" dirty="0"/>
+              <a:t> 4 (2): 149–57.</a:t>
+            </a:r>
+          </a:p>
+          <a:p>
+            <a:pPr marL="514350" indent="-514350">
+              <a:buFont typeface="Arial" panose="020B0604020202020204" pitchFamily="34" charset="0"/>
+              <a:buAutoNum type="arabicPeriod"/>
             </a:pPr>
             <a:endParaRPr lang="en-US" dirty="0"/>
           </a:p>
+          <a:p>
+            <a:pPr marL="514350" indent="-514350">
+              <a:buFont typeface="Arial" panose="020B0604020202020204" pitchFamily="34" charset="0"/>
+              <a:buAutoNum type="arabicPeriod"/>
+            </a:pPr>
+            <a:endParaRPr lang="en-US" dirty="0"/>
+          </a:p>
+          <a:p>
+            <a:pPr marL="514350" indent="-514350">
+              <a:buFont typeface="Arial" panose="020B0604020202020204" pitchFamily="34" charset="0"/>
+              <a:buAutoNum type="arabicPeriod"/>
+            </a:pPr>
+            <a:endParaRPr lang="en-US" dirty="0"/>
+          </a:p>
+          <a:p>
+            <a:pPr marL="514350" indent="-514350">
+              <a:buFont typeface="Arial" panose="020B0604020202020204" pitchFamily="34" charset="0"/>
+              <a:buAutoNum type="arabicPeriod"/>
+            </a:pPr>
+            <a:endParaRPr lang="en-US" dirty="0"/>
+          </a:p>
         </p:txBody>
       </p:sp>
-      <p:pic>
-        <p:nvPicPr>
-          <p:cNvPr id="1028" name="Picture 4" descr="Image result for york university logo">
-            <a:extLst>
-              <a:ext uri="{FF2B5EF4-FFF2-40B4-BE49-F238E27FC236}">
-                <a16:creationId xmlns:a16="http://schemas.microsoft.com/office/drawing/2014/main" id="{DA631DB6-4D6C-4171-A584-9340443F364E}"/>
-              </a:ext>
-            </a:extLst>
-          </p:cNvPr>
-          <p:cNvPicPr>
-            <a:picLocks noChangeAspect="1" noChangeArrowheads="1"/>
-          </p:cNvPicPr>
-          <p:nvPr/>
-        </p:nvPicPr>
-        <p:blipFill>
-          <a:blip r:embed="rId11">
-            <a:extLst>
-              <a:ext uri="{28A0092B-C50C-407E-A947-70E740481C1C}">
-                <a14:useLocalDpi xmlns:a14="http://schemas.microsoft.com/office/drawing/2010/main" val="0"/>
-              </a:ext>
-            </a:extLst>
-          </a:blip>
-          <a:srcRect/>
-          <a:stretch>
-            <a:fillRect/>
-          </a:stretch>
-        </p:blipFill>
-        <p:spPr bwMode="auto">
-          <a:xfrm>
-            <a:off x="41130670" y="30930827"/>
-            <a:ext cx="1381215" cy="1381215"/>
-          </a:xfrm>
-          <a:prstGeom prst="rect">
-            <a:avLst/>
-          </a:prstGeom>
-          <a:noFill/>
-          <a:extLst>
-            <a:ext uri="{909E8E84-426E-40DD-AFC4-6F175D3DCCD1}">
-              <a14:hiddenFill xmlns:a14="http://schemas.microsoft.com/office/drawing/2010/main">
-                <a:solidFill>
-                  <a:srgbClr val="FFFFFF"/>
-                </a:solidFill>
-              </a14:hiddenFill>
-            </a:ext>
-          </a:extLst>
-        </p:spPr>
-      </p:pic>
       <p:pic>
         <p:nvPicPr>
           <p:cNvPr id="27" name="Picture 26">
@@ -6088,7 +6225,7 @@
           <p:nvPr/>
         </p:nvPicPr>
         <p:blipFill>
-          <a:blip r:embed="rId12"/>
+          <a:blip r:embed="rId14"/>
           <a:stretch>
             <a:fillRect/>
           </a:stretch>
@@ -6097,36 +6234,6 @@
           <a:xfrm>
             <a:off x="37709060" y="10107596"/>
             <a:ext cx="4476750" cy="542925"/>
-          </a:xfrm>
-          <a:prstGeom prst="rect">
-            <a:avLst/>
-          </a:prstGeom>
-        </p:spPr>
-      </p:pic>
-      <p:pic>
-        <p:nvPicPr>
-          <p:cNvPr id="44" name="Picture 43">
-            <a:extLst>
-              <a:ext uri="{FF2B5EF4-FFF2-40B4-BE49-F238E27FC236}">
-                <a16:creationId xmlns:a16="http://schemas.microsoft.com/office/drawing/2014/main" id="{A023E398-358E-47BC-8798-75817B5A1A2F}"/>
-              </a:ext>
-            </a:extLst>
-          </p:cNvPr>
-          <p:cNvPicPr>
-            <a:picLocks noChangeAspect="1"/>
-          </p:cNvPicPr>
-          <p:nvPr/>
-        </p:nvPicPr>
-        <p:blipFill>
-          <a:blip r:embed="rId12"/>
-          <a:stretch>
-            <a:fillRect/>
-          </a:stretch>
-        </p:blipFill>
-        <p:spPr>
-          <a:xfrm>
-            <a:off x="32661351" y="7070401"/>
-            <a:ext cx="1167765" cy="500418"/>
           </a:xfrm>
           <a:prstGeom prst="rect">
             <a:avLst/>
@@ -6148,7 +6255,7 @@
           <p:nvPr/>
         </p:nvPicPr>
         <p:blipFill>
-          <a:blip r:embed="rId12"/>
+          <a:blip r:embed="rId14"/>
           <a:stretch>
             <a:fillRect/>
           </a:stretch>
@@ -6178,7 +6285,7 @@
           <p:nvPr/>
         </p:nvPicPr>
         <p:blipFill>
-          <a:blip r:embed="rId12"/>
+          <a:blip r:embed="rId14"/>
           <a:stretch>
             <a:fillRect/>
           </a:stretch>
@@ -6208,7 +6315,7 @@
           <p:nvPr/>
         </p:nvPicPr>
         <p:blipFill>
-          <a:blip r:embed="rId12"/>
+          <a:blip r:embed="rId14"/>
           <a:stretch>
             <a:fillRect/>
           </a:stretch>
@@ -6238,7 +6345,7 @@
           <p:nvPr/>
         </p:nvPicPr>
         <p:blipFill>
-          <a:blip r:embed="rId12"/>
+          <a:blip r:embed="rId14"/>
           <a:stretch>
             <a:fillRect/>
           </a:stretch>
@@ -6268,7 +6375,7 @@
           <p:nvPr/>
         </p:nvPicPr>
         <p:blipFill>
-          <a:blip r:embed="rId12"/>
+          <a:blip r:embed="rId14"/>
           <a:stretch>
             <a:fillRect/>
           </a:stretch>
@@ -6295,7 +6402,7 @@
         </p:nvSpPr>
         <p:spPr>
           <a:xfrm>
-            <a:off x="29928259" y="14257450"/>
+            <a:off x="29928259" y="21217050"/>
             <a:ext cx="12838826" cy="4748816"/>
           </a:xfrm>
           <a:solidFill>
@@ -6313,26 +6420,29 @@
           <a:p>
             <a:r>
               <a:rPr lang="en-US" sz="3600" dirty="0"/>
-              <a:t>Fish recruitment is influenced by degradation</a:t>
+              <a:t>Frequency, size, and health were all strongest in </a:t>
+            </a:r>
+            <a:r>
+              <a:rPr lang="en-US" sz="3600" i="1" dirty="0"/>
+              <a:t>C. acanthocarpa</a:t>
             </a:r>
           </a:p>
           <a:p>
             <a:r>
               <a:rPr lang="en-US" sz="3600" dirty="0"/>
-              <a:t>The positive-feedback loop, triggered by disturbance events and perpetuated by habitat degradation, acoustic change, and reduced recruitment, presents challenge for reef recovery</a:t>
+              <a:t>Health will determine reproductive output, so healthiest species will have most success blooming/fruiting</a:t>
             </a:r>
           </a:p>
           <a:p>
             <a:r>
               <a:rPr lang="en-US" sz="3600" dirty="0"/>
-              <a:t>But also a potential solution for restoration</a:t>
-            </a:r>
-          </a:p>
-          <a:p>
-            <a:pPr lvl="1"/>
+              <a:t>Larger, more distinct differences in height between individuals more likely to translate to bird behavior</a:t>
+            </a:r>
+          </a:p>
+          <a:p>
             <a:r>
               <a:rPr lang="en-US" sz="3600" dirty="0"/>
-              <a:t>Audio playbacks ethical for bringing fish back to reef?</a:t>
+              <a:t>C. acanthocarpa will be study species in further experiments</a:t>
             </a:r>
           </a:p>
         </p:txBody>
@@ -6942,8 +7052,8 @@
         </p:nvSpPr>
         <p:spPr>
           <a:xfrm>
-            <a:off x="15953742" y="18331509"/>
-            <a:ext cx="12801599" cy="1978334"/>
+            <a:off x="15949965" y="20117934"/>
+            <a:ext cx="12801599" cy="1323656"/>
           </a:xfrm>
           <a:prstGeom prst="rect">
             <a:avLst/>
@@ -7170,61 +7280,22 @@
           </a:lstStyle>
           <a:p>
             <a:r>
-              <a:rPr lang="en-US" sz="3600" dirty="0"/>
-              <a:t>Significantly quieter soundscape for all indices (Wilcoxon Signed-Rank, ACI, AC, SR, SPL, P=0.010, 0.002, 0.010, 0.002, PERMANOVA, P=0.005)</a:t>
-            </a:r>
-          </a:p>
-        </p:txBody>
-      </p:sp>
-      <p:sp>
-        <p:nvSpPr>
-          <p:cNvPr id="91" name="Rectangle 90">
-            <a:extLst>
-              <a:ext uri="{FF2B5EF4-FFF2-40B4-BE49-F238E27FC236}">
-                <a16:creationId xmlns:a16="http://schemas.microsoft.com/office/drawing/2014/main" id="{6012776E-E3FE-414C-A17A-20846402E537}"/>
-              </a:ext>
-            </a:extLst>
-          </p:cNvPr>
-          <p:cNvSpPr/>
-          <p:nvPr/>
-        </p:nvSpPr>
-        <p:spPr>
-          <a:xfrm>
-            <a:off x="36692899" y="26119683"/>
-            <a:ext cx="3321679" cy="681330"/>
-          </a:xfrm>
-          <a:prstGeom prst="rect">
-            <a:avLst/>
-          </a:prstGeom>
-          <a:solidFill>
-            <a:schemeClr val="bg1"/>
-          </a:solidFill>
-          <a:ln>
-            <a:noFill/>
-          </a:ln>
-        </p:spPr>
-        <p:style>
-          <a:lnRef idx="2">
-            <a:schemeClr val="accent1">
-              <a:shade val="50000"/>
-            </a:schemeClr>
-          </a:lnRef>
-          <a:fillRef idx="1">
-            <a:schemeClr val="accent1"/>
-          </a:fillRef>
-          <a:effectRef idx="0">
-            <a:schemeClr val="accent1"/>
-          </a:effectRef>
-          <a:fontRef idx="minor">
-            <a:schemeClr val="lt1"/>
-          </a:fontRef>
-        </p:style>
-        <p:txBody>
-          <a:bodyPr rtlCol="0" anchor="ctr"/>
-          <a:lstStyle/>
-          <a:p>
-            <a:pPr algn="ctr"/>
-            <a:endParaRPr lang="en-US" sz="6000" dirty="0" err="1"/>
+              <a:rPr lang="en-US" dirty="0"/>
+              <a:t>Each cactus species had significantly different mean heights </a:t>
+            </a:r>
+            <a:r>
+              <a:rPr lang="it-IT" dirty="0"/>
+              <a:t>(</a:t>
+            </a:r>
+            <a:r>
+              <a:rPr lang="it-IT" i="1" dirty="0"/>
+              <a:t>Kruskal-Wallis</a:t>
+            </a:r>
+            <a:r>
+              <a:rPr lang="it-IT" dirty="0"/>
+              <a:t>, Chi-square = 3.71, p &gt; 0.0001, df = 52). </a:t>
+            </a:r>
+            <a:endParaRPr lang="en-US" sz="3600" dirty="0"/>
           </a:p>
         </p:txBody>
       </p:sp>
@@ -7245,7 +7316,7 @@
           </p:nvPr>
         </p:nvPicPr>
         <p:blipFill>
-          <a:blip r:embed="rId13" cstate="print">
+          <a:blip r:embed="rId15" cstate="print">
             <a:extLst>
               <a:ext uri="{28A0092B-C50C-407E-A947-70E740481C1C}">
                 <a14:useLocalDpi xmlns:a14="http://schemas.microsoft.com/office/drawing/2010/main" val="0"/>
@@ -7526,7 +7597,7 @@
             <p:nvPr/>
           </p:nvPicPr>
           <p:blipFill>
-            <a:blip r:embed="rId14" cstate="print">
+            <a:blip r:embed="rId16" cstate="print">
               <a:extLst>
                 <a:ext uri="{28A0092B-C50C-407E-A947-70E740481C1C}">
                   <a14:useLocalDpi xmlns:a14="http://schemas.microsoft.com/office/drawing/2010/main" val="0"/>
@@ -7573,7 +7644,7 @@
             <p:nvPr/>
           </p:nvPicPr>
           <p:blipFill>
-            <a:blip r:embed="rId15" cstate="print">
+            <a:blip r:embed="rId17" cstate="print">
               <a:extLst>
                 <a:ext uri="{28A0092B-C50C-407E-A947-70E740481C1C}">
                   <a14:useLocalDpi xmlns:a14="http://schemas.microsoft.com/office/drawing/2010/main" val="0"/>
@@ -7620,7 +7691,7 @@
             <p:nvPr/>
           </p:nvPicPr>
           <p:blipFill rotWithShape="1">
-            <a:blip r:embed="rId16" cstate="print">
+            <a:blip r:embed="rId18" cstate="print">
               <a:extLst>
                 <a:ext uri="{28A0092B-C50C-407E-A947-70E740481C1C}">
                   <a14:useLocalDpi xmlns:a14="http://schemas.microsoft.com/office/drawing/2010/main" val="0"/>
@@ -7665,7 +7736,7 @@
             <p:nvPr/>
           </p:nvPicPr>
           <p:blipFill>
-            <a:blip r:embed="rId17" cstate="print">
+            <a:blip r:embed="rId19" cstate="print">
               <a:extLst>
                 <a:ext uri="{28A0092B-C50C-407E-A947-70E740481C1C}">
                   <a14:useLocalDpi xmlns:a14="http://schemas.microsoft.com/office/drawing/2010/main" val="0"/>
@@ -7828,7 +7899,7 @@
             <p:nvPr/>
           </p:nvPicPr>
           <p:blipFill>
-            <a:blip r:embed="rId18" cstate="print">
+            <a:blip r:embed="rId20" cstate="print">
               <a:extLst>
                 <a:ext uri="{28A0092B-C50C-407E-A947-70E740481C1C}">
                   <a14:useLocalDpi xmlns:a14="http://schemas.microsoft.com/office/drawing/2010/main" val="0"/>
@@ -8103,7 +8174,7 @@
             <p:nvPr/>
           </p:nvPicPr>
           <p:blipFill>
-            <a:blip r:embed="rId19" cstate="print">
+            <a:blip r:embed="rId21" cstate="print">
               <a:extLst>
                 <a:ext uri="{28A0092B-C50C-407E-A947-70E740481C1C}">
                   <a14:useLocalDpi xmlns:a14="http://schemas.microsoft.com/office/drawing/2010/main" val="0"/>
@@ -8337,11 +8408,1118 @@
             </a:r>
             <a:r>
               <a:rPr lang="en-US" sz="3600" baseline="30000" dirty="0"/>
-              <a:t>5</a:t>
+              <a:t>7</a:t>
             </a:r>
           </a:p>
         </p:txBody>
       </p:sp>
+      <p:pic>
+        <p:nvPicPr>
+          <p:cNvPr id="3" name="Picture 2">
+            <a:extLst>
+              <a:ext uri="{FF2B5EF4-FFF2-40B4-BE49-F238E27FC236}">
+                <a16:creationId xmlns:a16="http://schemas.microsoft.com/office/drawing/2014/main" id="{DB40B034-0A1C-4CA3-B7D8-E56B739C859D}"/>
+              </a:ext>
+            </a:extLst>
+          </p:cNvPr>
+          <p:cNvPicPr>
+            <a:picLocks noChangeAspect="1"/>
+          </p:cNvPicPr>
+          <p:nvPr/>
+        </p:nvPicPr>
+        <p:blipFill>
+          <a:blip r:embed="rId22"/>
+          <a:stretch>
+            <a:fillRect/>
+          </a:stretch>
+        </p:blipFill>
+        <p:spPr>
+          <a:xfrm>
+            <a:off x="16984920" y="12753804"/>
+            <a:ext cx="10118093" cy="5751088"/>
+          </a:xfrm>
+          <a:prstGeom prst="rect">
+            <a:avLst/>
+          </a:prstGeom>
+        </p:spPr>
+      </p:pic>
+      <p:sp>
+        <p:nvSpPr>
+          <p:cNvPr id="16" name="TextBox 15">
+            <a:extLst>
+              <a:ext uri="{FF2B5EF4-FFF2-40B4-BE49-F238E27FC236}">
+                <a16:creationId xmlns:a16="http://schemas.microsoft.com/office/drawing/2014/main" id="{A69A005C-5874-4ED6-9791-EE70810BEE73}"/>
+              </a:ext>
+            </a:extLst>
+          </p:cNvPr>
+          <p:cNvSpPr txBox="1"/>
+          <p:nvPr/>
+        </p:nvSpPr>
+        <p:spPr>
+          <a:xfrm>
+            <a:off x="16248989" y="18699739"/>
+            <a:ext cx="12801599" cy="1077218"/>
+          </a:xfrm>
+          <a:prstGeom prst="rect">
+            <a:avLst/>
+          </a:prstGeom>
+          <a:noFill/>
+        </p:spPr>
+        <p:txBody>
+          <a:bodyPr wrap="square" rtlCol="0">
+            <a:spAutoFit/>
+          </a:bodyPr>
+          <a:lstStyle/>
+          <a:p>
+            <a:r>
+              <a:rPr lang="en-US" sz="3200" dirty="0"/>
+              <a:t>Figure 4: </a:t>
+            </a:r>
+            <a:r>
+              <a:rPr lang="it-IT" sz="3200" i="1" dirty="0"/>
+              <a:t>C. acanthocarpa </a:t>
+            </a:r>
+            <a:r>
+              <a:rPr lang="it-IT" sz="3200" dirty="0"/>
+              <a:t>(</a:t>
+            </a:r>
+            <a:r>
+              <a:rPr lang="en-US" sz="3200" dirty="0">
+                <a:solidFill>
+                  <a:srgbClr val="333333"/>
+                </a:solidFill>
+                <a:latin typeface="+mj-lt"/>
+              </a:rPr>
+              <a:t>1.04 meters</a:t>
+            </a:r>
+            <a:r>
+              <a:rPr lang="it-IT" sz="3200" dirty="0"/>
+              <a:t>) &gt; </a:t>
+            </a:r>
+            <a:r>
+              <a:rPr lang="it-IT" sz="3200" i="1" dirty="0"/>
+              <a:t>C. echinocarpa</a:t>
+            </a:r>
+            <a:r>
+              <a:rPr lang="it-IT" sz="3200" dirty="0"/>
+              <a:t> (</a:t>
+            </a:r>
+            <a:r>
+              <a:rPr lang="en-US" sz="3200" dirty="0"/>
+              <a:t>0.55 meters</a:t>
+            </a:r>
+            <a:r>
+              <a:rPr lang="it-IT" sz="3200" dirty="0"/>
+              <a:t>) &gt; </a:t>
+            </a:r>
+            <a:r>
+              <a:rPr lang="it-IT" sz="3200" i="1" dirty="0"/>
+              <a:t>O. basilaris</a:t>
+            </a:r>
+            <a:r>
+              <a:rPr lang="it-IT" sz="3200" dirty="0"/>
+              <a:t> (</a:t>
+            </a:r>
+            <a:r>
+              <a:rPr lang="en-US" sz="3200" dirty="0"/>
+              <a:t>0.17 meters</a:t>
+            </a:r>
+            <a:r>
+              <a:rPr lang="it-IT" sz="3200" dirty="0"/>
+              <a:t>)</a:t>
+            </a:r>
+            <a:endParaRPr lang="en-US" sz="3200" dirty="0"/>
+          </a:p>
+        </p:txBody>
+      </p:sp>
+      <p:grpSp>
+        <p:nvGrpSpPr>
+          <p:cNvPr id="24" name="Group 23">
+            <a:extLst>
+              <a:ext uri="{FF2B5EF4-FFF2-40B4-BE49-F238E27FC236}">
+                <a16:creationId xmlns:a16="http://schemas.microsoft.com/office/drawing/2014/main" id="{3B3FD857-BE6B-4656-B40D-08933A061462}"/>
+              </a:ext>
+            </a:extLst>
+          </p:cNvPr>
+          <p:cNvGrpSpPr/>
+          <p:nvPr/>
+        </p:nvGrpSpPr>
+        <p:grpSpPr>
+          <a:xfrm>
+            <a:off x="29928259" y="5469706"/>
+            <a:ext cx="12583626" cy="7408093"/>
+            <a:chOff x="16004208" y="12581935"/>
+            <a:chExt cx="7776644" cy="5073872"/>
+          </a:xfrm>
+        </p:grpSpPr>
+        <p:grpSp>
+          <p:nvGrpSpPr>
+            <p:cNvPr id="10" name="Group 9">
+              <a:extLst>
+                <a:ext uri="{FF2B5EF4-FFF2-40B4-BE49-F238E27FC236}">
+                  <a16:creationId xmlns:a16="http://schemas.microsoft.com/office/drawing/2014/main" id="{D7B649AC-F92A-43FA-8F74-8AE1D94879D2}"/>
+                </a:ext>
+              </a:extLst>
+            </p:cNvPr>
+            <p:cNvGrpSpPr/>
+            <p:nvPr/>
+          </p:nvGrpSpPr>
+          <p:grpSpPr>
+            <a:xfrm>
+              <a:off x="16004208" y="12581935"/>
+              <a:ext cx="7776644" cy="5073872"/>
+              <a:chOff x="13873551" y="15081178"/>
+              <a:chExt cx="17745744" cy="11903638"/>
+            </a:xfrm>
+          </p:grpSpPr>
+          <p:pic>
+            <p:nvPicPr>
+              <p:cNvPr id="5" name="Picture 4">
+                <a:extLst>
+                  <a:ext uri="{FF2B5EF4-FFF2-40B4-BE49-F238E27FC236}">
+                    <a16:creationId xmlns:a16="http://schemas.microsoft.com/office/drawing/2014/main" id="{0516D3BE-D37B-4F49-828D-98EF559035D5}"/>
+                  </a:ext>
+                </a:extLst>
+              </p:cNvPr>
+              <p:cNvPicPr>
+                <a:picLocks noChangeAspect="1"/>
+              </p:cNvPicPr>
+              <p:nvPr/>
+            </p:nvPicPr>
+            <p:blipFill>
+              <a:blip r:embed="rId23"/>
+              <a:stretch>
+                <a:fillRect/>
+              </a:stretch>
+            </p:blipFill>
+            <p:spPr>
+              <a:xfrm>
+                <a:off x="13873551" y="15081178"/>
+                <a:ext cx="17745744" cy="11903638"/>
+              </a:xfrm>
+              <a:prstGeom prst="rect">
+                <a:avLst/>
+              </a:prstGeom>
+            </p:spPr>
+          </p:pic>
+          <p:sp>
+            <p:nvSpPr>
+              <p:cNvPr id="9" name="Rectangle: Rounded Corners 8">
+                <a:extLst>
+                  <a:ext uri="{FF2B5EF4-FFF2-40B4-BE49-F238E27FC236}">
+                    <a16:creationId xmlns:a16="http://schemas.microsoft.com/office/drawing/2014/main" id="{FE40A048-5198-4487-A1BE-C641E2D7C294}"/>
+                  </a:ext>
+                </a:extLst>
+              </p:cNvPr>
+              <p:cNvSpPr/>
+              <p:nvPr/>
+            </p:nvSpPr>
+            <p:spPr>
+              <a:xfrm>
+                <a:off x="25955490" y="21754638"/>
+                <a:ext cx="1969916" cy="1138319"/>
+              </a:xfrm>
+              <a:prstGeom prst="roundRect">
+                <a:avLst/>
+              </a:prstGeom>
+              <a:solidFill>
+                <a:schemeClr val="bg1"/>
+              </a:solidFill>
+              <a:ln>
+                <a:solidFill>
+                  <a:schemeClr val="bg1"/>
+                </a:solidFill>
+              </a:ln>
+            </p:spPr>
+            <p:style>
+              <a:lnRef idx="2">
+                <a:schemeClr val="accent1">
+                  <a:shade val="50000"/>
+                </a:schemeClr>
+              </a:lnRef>
+              <a:fillRef idx="1">
+                <a:schemeClr val="accent1"/>
+              </a:fillRef>
+              <a:effectRef idx="0">
+                <a:schemeClr val="accent1"/>
+              </a:effectRef>
+              <a:fontRef idx="minor">
+                <a:schemeClr val="lt1"/>
+              </a:fontRef>
+            </p:style>
+            <p:txBody>
+              <a:bodyPr rtlCol="0" anchor="ctr"/>
+              <a:lstStyle/>
+              <a:p>
+                <a:pPr algn="ctr"/>
+                <a:endParaRPr lang="en-US" sz="6000" dirty="0" err="1"/>
+              </a:p>
+            </p:txBody>
+          </p:sp>
+        </p:grpSp>
+        <p:sp>
+          <p:nvSpPr>
+            <p:cNvPr id="19" name="Rectangle: Rounded Corners 18">
+              <a:extLst>
+                <a:ext uri="{FF2B5EF4-FFF2-40B4-BE49-F238E27FC236}">
+                  <a16:creationId xmlns:a16="http://schemas.microsoft.com/office/drawing/2014/main" id="{F579F3D5-64E5-431F-9AED-E2ED824084B8}"/>
+                </a:ext>
+              </a:extLst>
+            </p:cNvPr>
+            <p:cNvSpPr/>
+            <p:nvPr/>
+          </p:nvSpPr>
+          <p:spPr>
+            <a:xfrm>
+              <a:off x="16852900" y="12640263"/>
+              <a:ext cx="393700" cy="262085"/>
+            </a:xfrm>
+            <a:prstGeom prst="roundRect">
+              <a:avLst/>
+            </a:prstGeom>
+            <a:solidFill>
+              <a:schemeClr val="bg1"/>
+            </a:solidFill>
+            <a:ln>
+              <a:solidFill>
+                <a:schemeClr val="bg1"/>
+              </a:solidFill>
+            </a:ln>
+          </p:spPr>
+          <p:style>
+            <a:lnRef idx="2">
+              <a:schemeClr val="accent1">
+                <a:shade val="50000"/>
+              </a:schemeClr>
+            </a:lnRef>
+            <a:fillRef idx="1">
+              <a:schemeClr val="accent1"/>
+            </a:fillRef>
+            <a:effectRef idx="0">
+              <a:schemeClr val="accent1"/>
+            </a:effectRef>
+            <a:fontRef idx="minor">
+              <a:schemeClr val="lt1"/>
+            </a:fontRef>
+          </p:style>
+          <p:txBody>
+            <a:bodyPr rtlCol="0" anchor="ctr"/>
+            <a:lstStyle/>
+            <a:p>
+              <a:pPr algn="ctr"/>
+              <a:endParaRPr lang="en-US" sz="6000" dirty="0" err="1"/>
+            </a:p>
+          </p:txBody>
+        </p:sp>
+      </p:grpSp>
+      <p:sp>
+        <p:nvSpPr>
+          <p:cNvPr id="14" name="TextBox 13">
+            <a:extLst>
+              <a:ext uri="{FF2B5EF4-FFF2-40B4-BE49-F238E27FC236}">
+                <a16:creationId xmlns:a16="http://schemas.microsoft.com/office/drawing/2014/main" id="{41BDB12D-F078-4BF6-B773-B63F07AD7399}"/>
+              </a:ext>
+            </a:extLst>
+          </p:cNvPr>
+          <p:cNvSpPr txBox="1"/>
+          <p:nvPr/>
+        </p:nvSpPr>
+        <p:spPr>
+          <a:xfrm>
+            <a:off x="29631697" y="12717243"/>
+            <a:ext cx="12990900" cy="1077218"/>
+          </a:xfrm>
+          <a:prstGeom prst="rect">
+            <a:avLst/>
+          </a:prstGeom>
+          <a:noFill/>
+        </p:spPr>
+        <p:txBody>
+          <a:bodyPr wrap="square" rtlCol="0">
+            <a:spAutoFit/>
+          </a:bodyPr>
+          <a:lstStyle/>
+          <a:p>
+            <a:r>
+              <a:rPr lang="en-US" sz="3200" dirty="0"/>
+              <a:t>Figure 3: </a:t>
+            </a:r>
+            <a:r>
+              <a:rPr lang="en-US" sz="3200" i="1" dirty="0"/>
+              <a:t>C. acanthocarpa </a:t>
+            </a:r>
+            <a:r>
+              <a:rPr lang="en-US" sz="3200" dirty="0"/>
+              <a:t>was the most abundant and </a:t>
+            </a:r>
+            <a:r>
+              <a:rPr lang="en-US" sz="3200" i="1" dirty="0"/>
+              <a:t>O. basilaris</a:t>
+            </a:r>
+            <a:r>
+              <a:rPr lang="en-US" sz="3200" dirty="0"/>
+              <a:t> was the least abundant</a:t>
+            </a:r>
+          </a:p>
+        </p:txBody>
+      </p:sp>
+      <p:sp>
+        <p:nvSpPr>
+          <p:cNvPr id="25" name="TextBox 24">
+            <a:extLst>
+              <a:ext uri="{FF2B5EF4-FFF2-40B4-BE49-F238E27FC236}">
+                <a16:creationId xmlns:a16="http://schemas.microsoft.com/office/drawing/2014/main" id="{E2D127C0-B261-434B-999C-42FC9F248A6D}"/>
+              </a:ext>
+            </a:extLst>
+          </p:cNvPr>
+          <p:cNvSpPr txBox="1"/>
+          <p:nvPr/>
+        </p:nvSpPr>
+        <p:spPr>
+          <a:xfrm>
+            <a:off x="15902941" y="27849250"/>
+            <a:ext cx="13138374" cy="1569660"/>
+          </a:xfrm>
+          <a:prstGeom prst="rect">
+            <a:avLst/>
+          </a:prstGeom>
+          <a:noFill/>
+        </p:spPr>
+        <p:txBody>
+          <a:bodyPr wrap="square" rtlCol="0">
+            <a:spAutoFit/>
+          </a:bodyPr>
+          <a:lstStyle/>
+          <a:p>
+            <a:r>
+              <a:rPr lang="en-US" sz="3200" dirty="0"/>
+              <a:t>Figure 5: </a:t>
+            </a:r>
+            <a:r>
+              <a:rPr lang="en-US" sz="3200" i="1" dirty="0"/>
+              <a:t>C. acanthocarpa </a:t>
+            </a:r>
+            <a:r>
+              <a:rPr lang="en-US" sz="3200" dirty="0"/>
+              <a:t>and </a:t>
+            </a:r>
+            <a:r>
+              <a:rPr lang="en-US" sz="3200" i="1" dirty="0"/>
+              <a:t>C. echinocarpa </a:t>
+            </a:r>
+            <a:r>
+              <a:rPr lang="en-US" sz="3200" dirty="0"/>
+              <a:t>had more individuals with health scores of 4 or 5, whereas </a:t>
+            </a:r>
+            <a:r>
+              <a:rPr lang="en-US" sz="3200" i="1" dirty="0"/>
+              <a:t>O. basilaris </a:t>
+            </a:r>
+            <a:r>
+              <a:rPr lang="en-US" sz="3200" dirty="0"/>
+              <a:t>had a even distribution of health scores.</a:t>
+            </a:r>
+          </a:p>
+        </p:txBody>
+      </p:sp>
+      <p:sp>
+        <p:nvSpPr>
+          <p:cNvPr id="26" name="Rectangle 1">
+            <a:extLst>
+              <a:ext uri="{FF2B5EF4-FFF2-40B4-BE49-F238E27FC236}">
+                <a16:creationId xmlns:a16="http://schemas.microsoft.com/office/drawing/2014/main" id="{018C70EA-9DDA-42B2-8710-FD08A909CEE9}"/>
+              </a:ext>
+            </a:extLst>
+          </p:cNvPr>
+          <p:cNvSpPr>
+            <a:spLocks noChangeArrowheads="1"/>
+          </p:cNvSpPr>
+          <p:nvPr/>
+        </p:nvSpPr>
+        <p:spPr bwMode="auto">
+          <a:xfrm>
+            <a:off x="0" y="90100"/>
+            <a:ext cx="65" cy="276999"/>
+          </a:xfrm>
+          <a:prstGeom prst="rect">
+            <a:avLst/>
+          </a:prstGeom>
+          <a:solidFill>
+            <a:srgbClr val="FFFFFF"/>
+          </a:solidFill>
+          <a:ln>
+            <a:noFill/>
+          </a:ln>
+          <a:effectLst/>
+          <a:extLst>
+            <a:ext uri="{91240B29-F687-4F45-9708-019B960494DF}">
+              <a14:hiddenLine xmlns:a14="http://schemas.microsoft.com/office/drawing/2010/main" w="9525">
+                <a:solidFill>
+                  <a:schemeClr val="tx1"/>
+                </a:solidFill>
+                <a:miter lim="800000"/>
+                <a:headEnd/>
+                <a:tailEnd/>
+              </a14:hiddenLine>
+            </a:ext>
+            <a:ext uri="{AF507438-7753-43E0-B8FC-AC1667EBCBE1}">
+              <a14:hiddenEffects xmlns:a14="http://schemas.microsoft.com/office/drawing/2010/main">
+                <a:effectLst>
+                  <a:outerShdw dist="35921" dir="2700000" algn="ctr" rotWithShape="0">
+                    <a:schemeClr val="bg2"/>
+                  </a:outerShdw>
+                </a:effectLst>
+              </a14:hiddenEffects>
+            </a:ext>
+          </a:extLst>
+        </p:spPr>
+        <p:txBody>
+          <a:bodyPr vert="horz" wrap="none" lIns="0" tIns="0" rIns="0" bIns="0" numCol="1" anchor="ctr" anchorCtr="0" compatLnSpc="1">
+            <a:prstTxWarp prst="textNoShape">
+              <a:avLst/>
+            </a:prstTxWarp>
+            <a:spAutoFit/>
+          </a:bodyPr>
+          <a:lstStyle/>
+          <a:p>
+            <a:pPr marL="0" marR="0" lvl="0" indent="0" algn="l" defTabSz="914400" rtl="0" eaLnBrk="0" fontAlgn="base" latinLnBrk="0" hangingPunct="0">
+              <a:lnSpc>
+                <a:spcPct val="100000"/>
+              </a:lnSpc>
+              <a:spcBef>
+                <a:spcPct val="0"/>
+              </a:spcBef>
+              <a:spcAft>
+                <a:spcPct val="0"/>
+              </a:spcAft>
+              <a:buClrTx/>
+              <a:buSzTx/>
+              <a:buFontTx/>
+              <a:buNone/>
+              <a:tabLst/>
+            </a:pPr>
+            <a:endParaRPr kumimoji="0" lang="en-US" altLang="en-US" sz="1800" b="0" i="0" u="none" strike="noStrike" cap="none" normalizeH="0" baseline="0" dirty="0">
+              <a:ln>
+                <a:noFill/>
+              </a:ln>
+              <a:solidFill>
+                <a:schemeClr val="tx1"/>
+              </a:solidFill>
+              <a:effectLst/>
+              <a:latin typeface="Arial" panose="020B0604020202020204" pitchFamily="34" charset="0"/>
+            </a:endParaRPr>
+          </a:p>
+        </p:txBody>
+      </p:sp>
+      <p:graphicFrame>
+        <p:nvGraphicFramePr>
+          <p:cNvPr id="29" name="Table 28">
+            <a:extLst>
+              <a:ext uri="{FF2B5EF4-FFF2-40B4-BE49-F238E27FC236}">
+                <a16:creationId xmlns:a16="http://schemas.microsoft.com/office/drawing/2014/main" id="{E9E2C38B-670D-453B-9E20-638B31B1C1E3}"/>
+              </a:ext>
+            </a:extLst>
+          </p:cNvPr>
+          <p:cNvGraphicFramePr>
+            <a:graphicFrameLocks noGrp="1"/>
+          </p:cNvGraphicFramePr>
+          <p:nvPr>
+            <p:extLst>
+              <p:ext uri="{D42A27DB-BD31-4B8C-83A1-F6EECF244321}">
+                <p14:modId xmlns:p14="http://schemas.microsoft.com/office/powerpoint/2010/main" val="2022899273"/>
+              </p:ext>
+            </p:extLst>
+          </p:nvPr>
+        </p:nvGraphicFramePr>
+        <p:xfrm>
+          <a:off x="29784097" y="14913396"/>
+          <a:ext cx="12838500" cy="3723019"/>
+        </p:xfrm>
+        <a:graphic>
+          <a:graphicData uri="http://schemas.openxmlformats.org/drawingml/2006/table">
+            <a:tbl>
+              <a:tblPr firstRow="1" bandRow="1">
+                <a:tableStyleId>{2D5ABB26-0587-4C30-8999-92F81FD0307C}</a:tableStyleId>
+              </a:tblPr>
+              <a:tblGrid>
+                <a:gridCol w="3209625">
+                  <a:extLst>
+                    <a:ext uri="{9D8B030D-6E8A-4147-A177-3AD203B41FA5}">
+                      <a16:colId xmlns:a16="http://schemas.microsoft.com/office/drawing/2014/main" val="1637586847"/>
+                    </a:ext>
+                  </a:extLst>
+                </a:gridCol>
+                <a:gridCol w="3209625">
+                  <a:extLst>
+                    <a:ext uri="{9D8B030D-6E8A-4147-A177-3AD203B41FA5}">
+                      <a16:colId xmlns:a16="http://schemas.microsoft.com/office/drawing/2014/main" val="3911495954"/>
+                    </a:ext>
+                  </a:extLst>
+                </a:gridCol>
+                <a:gridCol w="3209625">
+                  <a:extLst>
+                    <a:ext uri="{9D8B030D-6E8A-4147-A177-3AD203B41FA5}">
+                      <a16:colId xmlns:a16="http://schemas.microsoft.com/office/drawing/2014/main" val="1407702846"/>
+                    </a:ext>
+                  </a:extLst>
+                </a:gridCol>
+                <a:gridCol w="3209625">
+                  <a:extLst>
+                    <a:ext uri="{9D8B030D-6E8A-4147-A177-3AD203B41FA5}">
+                      <a16:colId xmlns:a16="http://schemas.microsoft.com/office/drawing/2014/main" val="3767225015"/>
+                    </a:ext>
+                  </a:extLst>
+                </a:gridCol>
+              </a:tblGrid>
+              <a:tr h="742173">
+                <a:tc>
+                  <a:txBody>
+                    <a:bodyPr/>
+                    <a:lstStyle/>
+                    <a:p>
+                      <a:pPr algn="ctr"/>
+                      <a:r>
+                        <a:rPr lang="en-US" sz="4000" dirty="0"/>
+                        <a:t>Species</a:t>
+                      </a:r>
+                    </a:p>
+                  </a:txBody>
+                  <a:tcPr>
+                    <a:lnT w="12700" cap="flat" cmpd="sng" algn="ctr">
+                      <a:solidFill>
+                        <a:schemeClr val="tx1"/>
+                      </a:solidFill>
+                      <a:prstDash val="solid"/>
+                      <a:round/>
+                      <a:headEnd type="none" w="med" len="med"/>
+                      <a:tailEnd type="none" w="med" len="med"/>
+                    </a:lnT>
+                    <a:lnB w="12700" cap="flat" cmpd="sng" algn="ctr">
+                      <a:solidFill>
+                        <a:schemeClr val="tx1"/>
+                      </a:solidFill>
+                      <a:prstDash val="solid"/>
+                      <a:round/>
+                      <a:headEnd type="none" w="med" len="med"/>
+                      <a:tailEnd type="none" w="med" len="med"/>
+                    </a:lnB>
+                  </a:tcPr>
+                </a:tc>
+                <a:tc>
+                  <a:txBody>
+                    <a:bodyPr/>
+                    <a:lstStyle/>
+                    <a:p>
+                      <a:pPr algn="ctr"/>
+                      <a:r>
+                        <a:rPr lang="en-US" sz="4000" dirty="0"/>
+                        <a:t>Small</a:t>
+                      </a:r>
+                    </a:p>
+                  </a:txBody>
+                  <a:tcPr>
+                    <a:lnT w="12700" cap="flat" cmpd="sng" algn="ctr">
+                      <a:solidFill>
+                        <a:schemeClr val="tx1"/>
+                      </a:solidFill>
+                      <a:prstDash val="solid"/>
+                      <a:round/>
+                      <a:headEnd type="none" w="med" len="med"/>
+                      <a:tailEnd type="none" w="med" len="med"/>
+                    </a:lnT>
+                    <a:lnB w="12700" cap="flat" cmpd="sng" algn="ctr">
+                      <a:solidFill>
+                        <a:schemeClr val="tx1"/>
+                      </a:solidFill>
+                      <a:prstDash val="solid"/>
+                      <a:round/>
+                      <a:headEnd type="none" w="med" len="med"/>
+                      <a:tailEnd type="none" w="med" len="med"/>
+                    </a:lnB>
+                  </a:tcPr>
+                </a:tc>
+                <a:tc>
+                  <a:txBody>
+                    <a:bodyPr/>
+                    <a:lstStyle/>
+                    <a:p>
+                      <a:pPr algn="ctr"/>
+                      <a:r>
+                        <a:rPr lang="en-US" sz="4000" dirty="0"/>
+                        <a:t>Medium</a:t>
+                      </a:r>
+                    </a:p>
+                  </a:txBody>
+                  <a:tcPr>
+                    <a:lnT w="12700" cap="flat" cmpd="sng" algn="ctr">
+                      <a:solidFill>
+                        <a:schemeClr val="tx1"/>
+                      </a:solidFill>
+                      <a:prstDash val="solid"/>
+                      <a:round/>
+                      <a:headEnd type="none" w="med" len="med"/>
+                      <a:tailEnd type="none" w="med" len="med"/>
+                    </a:lnT>
+                    <a:lnB w="12700" cap="flat" cmpd="sng" algn="ctr">
+                      <a:solidFill>
+                        <a:schemeClr val="tx1"/>
+                      </a:solidFill>
+                      <a:prstDash val="solid"/>
+                      <a:round/>
+                      <a:headEnd type="none" w="med" len="med"/>
+                      <a:tailEnd type="none" w="med" len="med"/>
+                    </a:lnB>
+                  </a:tcPr>
+                </a:tc>
+                <a:tc>
+                  <a:txBody>
+                    <a:bodyPr/>
+                    <a:lstStyle/>
+                    <a:p>
+                      <a:pPr algn="ctr"/>
+                      <a:r>
+                        <a:rPr lang="en-US" sz="4000" dirty="0"/>
+                        <a:t>Large</a:t>
+                      </a:r>
+                    </a:p>
+                  </a:txBody>
+                  <a:tcPr>
+                    <a:lnT w="12700" cap="flat" cmpd="sng" algn="ctr">
+                      <a:solidFill>
+                        <a:schemeClr val="tx1"/>
+                      </a:solidFill>
+                      <a:prstDash val="solid"/>
+                      <a:round/>
+                      <a:headEnd type="none" w="med" len="med"/>
+                      <a:tailEnd type="none" w="med" len="med"/>
+                    </a:lnT>
+                    <a:lnB w="12700" cap="flat" cmpd="sng" algn="ctr">
+                      <a:solidFill>
+                        <a:schemeClr val="tx1"/>
+                      </a:solidFill>
+                      <a:prstDash val="solid"/>
+                      <a:round/>
+                      <a:headEnd type="none" w="med" len="med"/>
+                      <a:tailEnd type="none" w="med" len="med"/>
+                    </a:lnB>
+                  </a:tcPr>
+                </a:tc>
+                <a:extLst>
+                  <a:ext uri="{0D108BD9-81ED-4DB2-BD59-A6C34878D82A}">
+                    <a16:rowId xmlns:a16="http://schemas.microsoft.com/office/drawing/2014/main" val="3390233116"/>
+                  </a:ext>
+                </a:extLst>
+              </a:tr>
+              <a:tr h="1129394">
+                <a:tc>
+                  <a:txBody>
+                    <a:bodyPr/>
+                    <a:lstStyle/>
+                    <a:p>
+                      <a:pPr algn="ctr"/>
+                      <a:r>
+                        <a:rPr lang="en-US" sz="3200" dirty="0"/>
+                        <a:t>Cylindropuntia acanthocarpa</a:t>
+                      </a:r>
+                      <a:endParaRPr lang="en-US" sz="3200" i="1" dirty="0"/>
+                    </a:p>
+                  </a:txBody>
+                  <a:tcPr>
+                    <a:lnT w="12700" cap="flat" cmpd="sng" algn="ctr">
+                      <a:solidFill>
+                        <a:schemeClr val="tx1"/>
+                      </a:solidFill>
+                      <a:prstDash val="solid"/>
+                      <a:round/>
+                      <a:headEnd type="none" w="med" len="med"/>
+                      <a:tailEnd type="none" w="med" len="med"/>
+                    </a:lnT>
+                  </a:tcPr>
+                </a:tc>
+                <a:tc>
+                  <a:txBody>
+                    <a:bodyPr/>
+                    <a:lstStyle/>
+                    <a:p>
+                      <a:pPr algn="ctr" fontAlgn="t"/>
+                      <a:r>
+                        <a:rPr lang="en-US" sz="3200" dirty="0">
+                          <a:effectLst/>
+                        </a:rPr>
+                        <a:t>&lt;85cm</a:t>
+                      </a:r>
+                    </a:p>
+                  </a:txBody>
+                  <a:tcPr marL="31750" marR="31750" marT="31750" marB="31750">
+                    <a:lnT w="12700" cap="flat" cmpd="sng" algn="ctr">
+                      <a:solidFill>
+                        <a:schemeClr val="tx1"/>
+                      </a:solidFill>
+                      <a:prstDash val="solid"/>
+                      <a:round/>
+                      <a:headEnd type="none" w="med" len="med"/>
+                      <a:tailEnd type="none" w="med" len="med"/>
+                    </a:lnT>
+                  </a:tcPr>
+                </a:tc>
+                <a:tc>
+                  <a:txBody>
+                    <a:bodyPr/>
+                    <a:lstStyle/>
+                    <a:p>
+                      <a:pPr algn="ctr" fontAlgn="t"/>
+                      <a:r>
+                        <a:rPr lang="en-US" sz="3200" dirty="0">
+                          <a:effectLst/>
+                        </a:rPr>
+                        <a:t>86cm - 152cm</a:t>
+                      </a:r>
+                    </a:p>
+                  </a:txBody>
+                  <a:tcPr marL="31750" marR="31750" marT="31750" marB="31750">
+                    <a:lnT w="12700" cap="flat" cmpd="sng" algn="ctr">
+                      <a:solidFill>
+                        <a:schemeClr val="tx1"/>
+                      </a:solidFill>
+                      <a:prstDash val="solid"/>
+                      <a:round/>
+                      <a:headEnd type="none" w="med" len="med"/>
+                      <a:tailEnd type="none" w="med" len="med"/>
+                    </a:lnT>
+                  </a:tcPr>
+                </a:tc>
+                <a:tc>
+                  <a:txBody>
+                    <a:bodyPr/>
+                    <a:lstStyle/>
+                    <a:p>
+                      <a:pPr algn="ctr" fontAlgn="t"/>
+                      <a:r>
+                        <a:rPr lang="en-US" sz="3200" dirty="0">
+                          <a:effectLst/>
+                        </a:rPr>
+                        <a:t>&gt;153cm</a:t>
+                      </a:r>
+                    </a:p>
+                  </a:txBody>
+                  <a:tcPr marL="31750" marR="31750" marT="31750" marB="31750">
+                    <a:lnT w="12700" cap="flat" cmpd="sng" algn="ctr">
+                      <a:solidFill>
+                        <a:schemeClr val="tx1"/>
+                      </a:solidFill>
+                      <a:prstDash val="solid"/>
+                      <a:round/>
+                      <a:headEnd type="none" w="med" len="med"/>
+                      <a:tailEnd type="none" w="med" len="med"/>
+                    </a:lnT>
+                  </a:tcPr>
+                </a:tc>
+                <a:extLst>
+                  <a:ext uri="{0D108BD9-81ED-4DB2-BD59-A6C34878D82A}">
+                    <a16:rowId xmlns:a16="http://schemas.microsoft.com/office/drawing/2014/main" val="1812481600"/>
+                  </a:ext>
+                </a:extLst>
+              </a:tr>
+              <a:tr h="1129394">
+                <a:tc>
+                  <a:txBody>
+                    <a:bodyPr/>
+                    <a:lstStyle/>
+                    <a:p>
+                      <a:pPr algn="ctr"/>
+                      <a:r>
+                        <a:rPr lang="en-US" sz="3200" dirty="0"/>
+                        <a:t>Cylindropuntia echinocarpa</a:t>
+                      </a:r>
+                      <a:endParaRPr lang="en-US" sz="3200" i="1" dirty="0"/>
+                    </a:p>
+                  </a:txBody>
+                  <a:tcPr/>
+                </a:tc>
+                <a:tc>
+                  <a:txBody>
+                    <a:bodyPr/>
+                    <a:lstStyle/>
+                    <a:p>
+                      <a:pPr algn="ctr" fontAlgn="t"/>
+                      <a:r>
+                        <a:rPr lang="en-US" sz="3200" dirty="0">
+                          <a:effectLst/>
+                        </a:rPr>
+                        <a:t>&lt;45cm</a:t>
+                      </a:r>
+                    </a:p>
+                  </a:txBody>
+                  <a:tcPr marL="31750" marR="31750" marT="31750" marB="31750"/>
+                </a:tc>
+                <a:tc>
+                  <a:txBody>
+                    <a:bodyPr/>
+                    <a:lstStyle/>
+                    <a:p>
+                      <a:pPr algn="ctr" fontAlgn="t"/>
+                      <a:r>
+                        <a:rPr lang="en-US" sz="3200">
+                          <a:effectLst/>
+                        </a:rPr>
+                        <a:t>46cm - 72cm</a:t>
+                      </a:r>
+                    </a:p>
+                  </a:txBody>
+                  <a:tcPr marL="31750" marR="31750" marT="31750" marB="31750"/>
+                </a:tc>
+                <a:tc>
+                  <a:txBody>
+                    <a:bodyPr/>
+                    <a:lstStyle/>
+                    <a:p>
+                      <a:pPr algn="ctr" fontAlgn="t"/>
+                      <a:r>
+                        <a:rPr lang="en-US" sz="3200" dirty="0">
+                          <a:effectLst/>
+                        </a:rPr>
+                        <a:t>&gt;73cm</a:t>
+                      </a:r>
+                    </a:p>
+                  </a:txBody>
+                  <a:tcPr marL="31750" marR="31750" marT="31750" marB="31750"/>
+                </a:tc>
+                <a:extLst>
+                  <a:ext uri="{0D108BD9-81ED-4DB2-BD59-A6C34878D82A}">
+                    <a16:rowId xmlns:a16="http://schemas.microsoft.com/office/drawing/2014/main" val="2690479127"/>
+                  </a:ext>
+                </a:extLst>
+              </a:tr>
+              <a:tr h="722058">
+                <a:tc>
+                  <a:txBody>
+                    <a:bodyPr/>
+                    <a:lstStyle/>
+                    <a:p>
+                      <a:pPr algn="ctr"/>
+                      <a:r>
+                        <a:rPr lang="en-US" sz="3200" dirty="0"/>
+                        <a:t>Opuntia basilaris</a:t>
+                      </a:r>
+                      <a:endParaRPr lang="en-US" sz="3200" i="1" dirty="0">
+                        <a:solidFill>
+                          <a:schemeClr val="tx1"/>
+                        </a:solidFill>
+                      </a:endParaRPr>
+                    </a:p>
+                  </a:txBody>
+                  <a:tcPr>
+                    <a:lnB w="12700" cap="flat" cmpd="sng" algn="ctr">
+                      <a:solidFill>
+                        <a:schemeClr val="tx1"/>
+                      </a:solidFill>
+                      <a:prstDash val="solid"/>
+                      <a:round/>
+                      <a:headEnd type="none" w="med" len="med"/>
+                      <a:tailEnd type="none" w="med" len="med"/>
+                    </a:lnB>
+                  </a:tcPr>
+                </a:tc>
+                <a:tc>
+                  <a:txBody>
+                    <a:bodyPr/>
+                    <a:lstStyle/>
+                    <a:p>
+                      <a:pPr algn="ctr" fontAlgn="t"/>
+                      <a:r>
+                        <a:rPr lang="en-US" sz="3200" dirty="0">
+                          <a:effectLst/>
+                        </a:rPr>
+                        <a:t>&lt;15cm</a:t>
+                      </a:r>
+                    </a:p>
+                  </a:txBody>
+                  <a:tcPr marL="31750" marR="31750" marT="31750" marB="31750">
+                    <a:lnB w="12700" cap="flat" cmpd="sng" algn="ctr">
+                      <a:solidFill>
+                        <a:schemeClr val="tx1"/>
+                      </a:solidFill>
+                      <a:prstDash val="solid"/>
+                      <a:round/>
+                      <a:headEnd type="none" w="med" len="med"/>
+                      <a:tailEnd type="none" w="med" len="med"/>
+                    </a:lnB>
+                  </a:tcPr>
+                </a:tc>
+                <a:tc>
+                  <a:txBody>
+                    <a:bodyPr/>
+                    <a:lstStyle/>
+                    <a:p>
+                      <a:pPr algn="ctr" fontAlgn="t"/>
+                      <a:r>
+                        <a:rPr lang="en-US" sz="3200" dirty="0">
+                          <a:effectLst/>
+                        </a:rPr>
+                        <a:t>16cm - 22cm</a:t>
+                      </a:r>
+                    </a:p>
+                  </a:txBody>
+                  <a:tcPr marL="31750" marR="31750" marT="31750" marB="31750">
+                    <a:lnB w="12700" cap="flat" cmpd="sng" algn="ctr">
+                      <a:solidFill>
+                        <a:schemeClr val="tx1"/>
+                      </a:solidFill>
+                      <a:prstDash val="solid"/>
+                      <a:round/>
+                      <a:headEnd type="none" w="med" len="med"/>
+                      <a:tailEnd type="none" w="med" len="med"/>
+                    </a:lnB>
+                  </a:tcPr>
+                </a:tc>
+                <a:tc>
+                  <a:txBody>
+                    <a:bodyPr/>
+                    <a:lstStyle/>
+                    <a:p>
+                      <a:pPr algn="ctr" fontAlgn="t"/>
+                      <a:r>
+                        <a:rPr lang="en-US" sz="3200" dirty="0">
+                          <a:effectLst/>
+                        </a:rPr>
+                        <a:t>&gt;23cm</a:t>
+                      </a:r>
+                    </a:p>
+                  </a:txBody>
+                  <a:tcPr marL="31750" marR="31750" marT="31750" marB="31750">
+                    <a:lnB w="12700" cap="flat" cmpd="sng" algn="ctr">
+                      <a:solidFill>
+                        <a:schemeClr val="tx1"/>
+                      </a:solidFill>
+                      <a:prstDash val="solid"/>
+                      <a:round/>
+                      <a:headEnd type="none" w="med" len="med"/>
+                      <a:tailEnd type="none" w="med" len="med"/>
+                    </a:lnB>
+                  </a:tcPr>
+                </a:tc>
+                <a:extLst>
+                  <a:ext uri="{0D108BD9-81ED-4DB2-BD59-A6C34878D82A}">
+                    <a16:rowId xmlns:a16="http://schemas.microsoft.com/office/drawing/2014/main" val="4107592249"/>
+                  </a:ext>
+                </a:extLst>
+              </a:tr>
+            </a:tbl>
+          </a:graphicData>
+        </a:graphic>
+      </p:graphicFrame>
+      <p:sp>
+        <p:nvSpPr>
+          <p:cNvPr id="30" name="TextBox 29">
+            <a:extLst>
+              <a:ext uri="{FF2B5EF4-FFF2-40B4-BE49-F238E27FC236}">
+                <a16:creationId xmlns:a16="http://schemas.microsoft.com/office/drawing/2014/main" id="{EC82DE2C-9B5E-47C3-A088-EE4F4292766B}"/>
+              </a:ext>
+            </a:extLst>
+          </p:cNvPr>
+          <p:cNvSpPr txBox="1"/>
+          <p:nvPr/>
+        </p:nvSpPr>
+        <p:spPr>
+          <a:xfrm>
+            <a:off x="29631697" y="14279880"/>
+            <a:ext cx="10797079" cy="584775"/>
+          </a:xfrm>
+          <a:prstGeom prst="rect">
+            <a:avLst/>
+          </a:prstGeom>
+          <a:noFill/>
+        </p:spPr>
+        <p:txBody>
+          <a:bodyPr wrap="square" rtlCol="0">
+            <a:spAutoFit/>
+          </a:bodyPr>
+          <a:lstStyle/>
+          <a:p>
+            <a:r>
+              <a:rPr lang="en-US" sz="3200" dirty="0"/>
+              <a:t>Table 1: C. acanthocarpa had the largest size class bins.</a:t>
+            </a:r>
+          </a:p>
+        </p:txBody>
+      </p:sp>
+      <p:pic>
+        <p:nvPicPr>
+          <p:cNvPr id="31" name="Picture 30">
+            <a:extLst>
+              <a:ext uri="{FF2B5EF4-FFF2-40B4-BE49-F238E27FC236}">
+                <a16:creationId xmlns:a16="http://schemas.microsoft.com/office/drawing/2014/main" id="{A520BE84-4A02-4CF5-9C1C-728C6F5A4F1D}"/>
+              </a:ext>
+            </a:extLst>
+          </p:cNvPr>
+          <p:cNvPicPr>
+            <a:picLocks noChangeAspect="1"/>
+          </p:cNvPicPr>
+          <p:nvPr/>
+        </p:nvPicPr>
+        <p:blipFill>
+          <a:blip r:embed="rId24"/>
+          <a:stretch>
+            <a:fillRect/>
+          </a:stretch>
+        </p:blipFill>
+        <p:spPr>
+          <a:xfrm>
+            <a:off x="17186849" y="21681564"/>
+            <a:ext cx="9193596" cy="6111592"/>
+          </a:xfrm>
+          <a:prstGeom prst="rect">
+            <a:avLst/>
+          </a:prstGeom>
+        </p:spPr>
+      </p:pic>
+      <p:pic>
+        <p:nvPicPr>
+          <p:cNvPr id="87" name="Picture 4" descr="Image result for york university logo">
+            <a:extLst>
+              <a:ext uri="{FF2B5EF4-FFF2-40B4-BE49-F238E27FC236}">
+                <a16:creationId xmlns:a16="http://schemas.microsoft.com/office/drawing/2014/main" id="{458A3FBB-D5B6-4255-B5FF-7A78A76D6877}"/>
+              </a:ext>
+            </a:extLst>
+          </p:cNvPr>
+          <p:cNvPicPr>
+            <a:picLocks noChangeAspect="1" noChangeArrowheads="1"/>
+          </p:cNvPicPr>
+          <p:nvPr/>
+        </p:nvPicPr>
+        <p:blipFill>
+          <a:blip r:embed="rId25">
+            <a:extLst>
+              <a:ext uri="{28A0092B-C50C-407E-A947-70E740481C1C}">
+                <a14:useLocalDpi xmlns:a14="http://schemas.microsoft.com/office/drawing/2010/main" val="0"/>
+              </a:ext>
+            </a:extLst>
+          </a:blip>
+          <a:srcRect/>
+          <a:stretch>
+            <a:fillRect/>
+          </a:stretch>
+        </p:blipFill>
+        <p:spPr bwMode="auto">
+          <a:xfrm>
+            <a:off x="42011872" y="5213289"/>
+            <a:ext cx="1381215" cy="1381215"/>
+          </a:xfrm>
+          <a:prstGeom prst="rect">
+            <a:avLst/>
+          </a:prstGeom>
+          <a:noFill/>
+          <a:extLst>
+            <a:ext uri="{909E8E84-426E-40DD-AFC4-6F175D3DCCD1}">
+              <a14:hiddenFill xmlns:a14="http://schemas.microsoft.com/office/drawing/2010/main">
+                <a:solidFill>
+                  <a:srgbClr val="FFFFFF"/>
+                </a:solidFill>
+              </a14:hiddenFill>
+            </a:ext>
+          </a:extLst>
+        </p:spPr>
+      </p:pic>
     </p:spTree>
     <p:extLst>
       <p:ext uri="{BB962C8B-B14F-4D97-AF65-F5344CB8AC3E}">

--- a/cactus_survey_poster.pptx
+++ b/cactus_survey_poster.pptx
@@ -5,15 +5,16 @@
     <p:sldMasterId id="2147483660" r:id="rId1"/>
   </p:sldMasterIdLst>
   <p:notesMasterIdLst>
-    <p:notesMasterId r:id="rId5"/>
+    <p:notesMasterId r:id="rId6"/>
   </p:notesMasterIdLst>
   <p:handoutMasterIdLst>
-    <p:handoutMasterId r:id="rId6"/>
+    <p:handoutMasterId r:id="rId7"/>
   </p:handoutMasterIdLst>
   <p:sldIdLst>
     <p:sldId id="256" r:id="rId2"/>
     <p:sldId id="257" r:id="rId3"/>
     <p:sldId id="258" r:id="rId4"/>
+    <p:sldId id="259" r:id="rId5"/>
   </p:sldIdLst>
   <p:sldSz cx="43891200" cy="32918400"/>
   <p:notesSz cx="6858000" cy="9144000"/>
@@ -217,7 +218,7 @@
           <a:p>
             <a:fld id="{F1C0B079-A316-4C9B-B165-DF9EA8325D2C}" type="datetimeFigureOut">
               <a:rPr lang="en-US" smtClean="0"/>
-              <a:t>3/26/2019</a:t>
+              <a:t>3/29/2019</a:t>
             </a:fld>
             <a:endParaRPr lang="en-US"/>
           </a:p>
@@ -382,7 +383,7 @@
           <a:p>
             <a:fld id="{38F28AB8-57D1-494F-9851-055AD867E790}" type="datetimeFigureOut">
               <a:rPr lang="en-US" smtClean="0"/>
-              <a:t>3/26/2019</a:t>
+              <a:t>3/29/2019</a:t>
             </a:fld>
             <a:endParaRPr lang="en-US"/>
           </a:p>
@@ -3671,7 +3672,7 @@
           <a:p>
             <a:fld id="{ECAA57DF-1C19-4726-AB84-014692BAD8F5}" type="datetimeFigureOut">
               <a:rPr lang="en-US" smtClean="0"/>
-              <a:t>3/26/2019</a:t>
+              <a:t>3/29/2019</a:t>
             </a:fld>
             <a:endParaRPr lang="en-US"/>
           </a:p>
@@ -4010,7 +4011,7 @@
             <a:fld id="{ECAA57DF-1C19-4726-AB84-014692BAD8F5}" type="datetimeFigureOut">
               <a:rPr lang="en-US" smtClean="0"/>
               <a:pPr/>
-              <a:t>3/26/2019</a:t>
+              <a:t>3/29/2019</a:t>
             </a:fld>
             <a:endParaRPr lang="en-US"/>
           </a:p>
@@ -5432,7 +5433,7 @@
         </p:nvSpPr>
         <p:spPr>
           <a:xfrm>
-            <a:off x="1158240" y="76260"/>
+            <a:off x="1158240" y="685860"/>
             <a:ext cx="31653360" cy="2971740"/>
           </a:xfrm>
         </p:spPr>
@@ -5443,20 +5444,10 @@
           <a:lstStyle/>
           <a:p>
             <a:r>
-              <a:rPr lang="en-US" sz="8500" dirty="0"/>
-              <a:t>Metrics for Avian Double Mutualistic Interactions with </a:t>
-            </a:r>
-            <a:r>
-              <a:rPr lang="en-US" sz="8500" i="1" dirty="0" err="1"/>
-              <a:t>Cactaceae</a:t>
-            </a:r>
-            <a:br>
-              <a:rPr lang="en-US" sz="8500" i="1" dirty="0"/>
-            </a:br>
-            <a:r>
-              <a:rPr lang="en-US" sz="6000" dirty="0"/>
-              <a:t>A Preliminary Analysis towards Network Interactions in a Desert Ecosystem</a:t>
-            </a:r>
+              <a:rPr lang="en-US" dirty="0"/>
+              <a:t>A Prickly Situation: Contrasting frequency and morphological measures in three cactus species</a:t>
+            </a:r>
+            <a:endParaRPr lang="en-US" sz="6000" dirty="0"/>
           </a:p>
         </p:txBody>
       </p:sp>
@@ -5497,9 +5488,16 @@
             </a:r>
             <a:r>
               <a:rPr lang="en-US" baseline="30000" dirty="0"/>
-              <a:t>1 </a:t>
-            </a:r>
-            <a:endParaRPr lang="en-US" dirty="0"/>
+              <a:t>1  </a:t>
+            </a:r>
+            <a:r>
+              <a:rPr lang="en-US" dirty="0"/>
+              <a:t>| www.ecoblender.org</a:t>
+            </a:r>
+            <a:r>
+              <a:rPr lang="en-US" baseline="30000" dirty="0"/>
+              <a:t>1</a:t>
+            </a:r>
           </a:p>
         </p:txBody>
       </p:sp>
@@ -5549,7 +5547,7 @@
           <a:p>
             <a:r>
               <a:rPr lang="en-US" b="1" dirty="0"/>
-              <a:t>What species of cacti are most likely to facilitate double mutualistic interactions with birds? </a:t>
+              <a:t>What measurable characteristics determine ecologically functional differences in three species of cacti?</a:t>
             </a:r>
           </a:p>
         </p:txBody>
@@ -5703,16 +5701,23 @@
           </a:bodyPr>
           <a:lstStyle/>
           <a:p>
+            <a:pPr marL="0" indent="0">
+              <a:buNone/>
+            </a:pPr>
             <a:r>
               <a:rPr lang="en-US" b="1" dirty="0"/>
-              <a:t>Some cactus species are more attractive to pollinating and frugivorous birds than other</a:t>
-            </a:r>
-          </a:p>
-          <a:p>
-            <a:pPr lvl="1"/>
+              <a:t>Different species of cacti occupy different ecological and facilitating niches. </a:t>
+            </a:r>
+          </a:p>
+          <a:p>
+            <a:pPr lvl="1">
+              <a:buClr>
+                <a:schemeClr val="tx1"/>
+              </a:buClr>
+            </a:pPr>
             <a:r>
               <a:rPr lang="en-US" i="1" dirty="0"/>
-              <a:t>Different cactuses will have different sizes and health which may impact bird visitation</a:t>
+              <a:t>Different cactuses will have different sizes and health which impacts interactor visitation.</a:t>
             </a:r>
           </a:p>
         </p:txBody>
@@ -5826,6 +5831,9 @@
           </a:bodyPr>
           <a:lstStyle/>
           <a:p>
+            <a:pPr marL="0" indent="0">
+              <a:buNone/>
+            </a:pPr>
             <a:r>
               <a:rPr lang="en-US" sz="3600" i="1" dirty="0"/>
               <a:t>C. acanthocarpa </a:t>
@@ -5874,7 +5882,7 @@
         </p:nvSpPr>
         <p:spPr>
           <a:xfrm>
-            <a:off x="29900880" y="19716796"/>
+            <a:off x="29900880" y="19030996"/>
             <a:ext cx="12801600" cy="1219200"/>
           </a:xfrm>
         </p:spPr>
@@ -5884,7 +5892,7 @@
           <a:p>
             <a:r>
               <a:rPr lang="en-US" dirty="0"/>
-              <a:t>Conclusion</a:t>
+              <a:t>Conclusions/Future Research</a:t>
             </a:r>
           </a:p>
         </p:txBody>
@@ -6402,8 +6410,8 @@
         </p:nvSpPr>
         <p:spPr>
           <a:xfrm>
-            <a:off x="29928259" y="21217050"/>
-            <a:ext cx="12838826" cy="4748816"/>
+            <a:off x="29928259" y="20404249"/>
+            <a:ext cx="12838826" cy="5627164"/>
           </a:xfrm>
           <a:solidFill>
             <a:schemeClr val="accent1">
@@ -6418,31 +6426,12 @@
           </a:bodyPr>
           <a:lstStyle/>
           <a:p>
-            <a:r>
-              <a:rPr lang="en-US" sz="3600" dirty="0"/>
-              <a:t>Frequency, size, and health were all strongest in </a:t>
-            </a:r>
-            <a:r>
-              <a:rPr lang="en-US" sz="3600" i="1" dirty="0"/>
-              <a:t>C. acanthocarpa</a:t>
-            </a:r>
-          </a:p>
-          <a:p>
-            <a:r>
-              <a:rPr lang="en-US" sz="3600" dirty="0"/>
-              <a:t>Health will determine reproductive output, so healthiest species will have most success blooming/fruiting</a:t>
-            </a:r>
-          </a:p>
-          <a:p>
-            <a:r>
-              <a:rPr lang="en-US" sz="3600" dirty="0"/>
-              <a:t>Larger, more distinct differences in height between individuals more likely to translate to bird behavior</a:t>
-            </a:r>
-          </a:p>
-          <a:p>
-            <a:r>
-              <a:rPr lang="en-US" sz="3600" dirty="0"/>
-              <a:t>C. acanthocarpa will be study species in further experiments</a:t>
+            <a:pPr marL="0" indent="0">
+              <a:buNone/>
+            </a:pPr>
+            <a:r>
+              <a:rPr lang="en-US" sz="3800" dirty="0"/>
+              <a:t>Because health and size may be strong predictors of reproductive output, all three cactus species will likely fulfill different ecological interaction niches. Additional studies surveying reproductive outputs against these traits will provide further insight into the way phenotypical differences impact positive interactions, mutualism, and eventual facilitation. These easily reproducible studies can be expanded upon by monitoring nectarivorous and frugivorous interactors at different phenological stages. </a:t>
             </a:r>
           </a:p>
         </p:txBody>
@@ -6478,7 +6467,7 @@
         </p:spPr>
         <p:txBody>
           <a:bodyPr vert="horz" lIns="91440" tIns="182880" rIns="91440" bIns="45720" rtlCol="0">
-            <a:normAutofit fontScale="92500" lnSpcReduction="20000"/>
+            <a:normAutofit lnSpcReduction="10000"/>
           </a:bodyPr>
           <a:lstStyle>
             <a:lvl1pPr marL="457200" indent="-457200" algn="l" defTabSz="4389120" rtl="0" eaLnBrk="1" latinLnBrk="0" hangingPunct="1">
@@ -6690,97 +6679,52 @@
             </a:lvl9pPr>
           </a:lstStyle>
           <a:p>
-            <a:r>
-              <a:rPr lang="en-US" sz="3600" i="1" dirty="0" err="1"/>
-              <a:t>Cylindropuntia</a:t>
-            </a:r>
-            <a:r>
-              <a:rPr lang="en-US" sz="3600" i="1" dirty="0"/>
-              <a:t> </a:t>
-            </a:r>
-            <a:r>
-              <a:rPr lang="en-US" sz="3600" i="1" dirty="0" err="1"/>
-              <a:t>acanthocarpa</a:t>
-            </a:r>
-            <a:r>
-              <a:rPr lang="en-US" sz="3600" i="1" dirty="0"/>
-              <a:t> </a:t>
-            </a:r>
-            <a:r>
-              <a:rPr lang="en-US" sz="3600" dirty="0"/>
-              <a:t>&amp; </a:t>
-            </a:r>
-            <a:r>
-              <a:rPr lang="en-US" sz="3600" i="1" dirty="0" err="1"/>
-              <a:t>Cylindropuntia</a:t>
-            </a:r>
-            <a:r>
-              <a:rPr lang="en-US" sz="3600" i="1" dirty="0"/>
-              <a:t> </a:t>
-            </a:r>
-            <a:r>
-              <a:rPr lang="en-US" sz="3600" i="1" dirty="0" err="1"/>
-              <a:t>enchinocarpa</a:t>
-            </a:r>
-            <a:r>
-              <a:rPr lang="en-US" sz="3600" dirty="0"/>
-              <a:t>: walk 6 and 9 transects, respectively</a:t>
-            </a:r>
-          </a:p>
-          <a:p>
-            <a:r>
-              <a:rPr lang="en-US" sz="3600" i="1" dirty="0"/>
-              <a:t>Opuntia </a:t>
-            </a:r>
-            <a:r>
-              <a:rPr lang="en-US" sz="3600" i="1" dirty="0" err="1"/>
-              <a:t>basilaris</a:t>
-            </a:r>
-            <a:r>
-              <a:rPr lang="en-US" sz="3600" dirty="0"/>
-              <a:t>: haphazard</a:t>
-            </a:r>
-          </a:p>
-          <a:p>
-            <a:r>
-              <a:rPr lang="en-US" sz="3600" dirty="0"/>
+            <a:pPr>
+              <a:buClr>
+                <a:schemeClr val="tx1"/>
+              </a:buClr>
+            </a:pPr>
+            <a:r>
+              <a:rPr lang="en-US" sz="5400" dirty="0"/>
+              <a:t>Transects or haphazard sampling</a:t>
+            </a:r>
+          </a:p>
+          <a:p>
+            <a:pPr>
+              <a:buClr>
+                <a:schemeClr val="tx1"/>
+              </a:buClr>
+            </a:pPr>
+            <a:r>
+              <a:rPr lang="en-US" sz="5400" dirty="0"/>
               <a:t>Major axis, minor axis, vertical axis</a:t>
             </a:r>
           </a:p>
           <a:p>
-            <a:r>
-              <a:rPr lang="en-US" sz="3600" dirty="0"/>
+            <a:pPr>
+              <a:buClr>
+                <a:schemeClr val="tx1"/>
+              </a:buClr>
+            </a:pPr>
+            <a:r>
+              <a:rPr lang="en-US" sz="5400" dirty="0"/>
               <a:t>Health index 1-5</a:t>
             </a:r>
           </a:p>
           <a:p>
-            <a:pPr lvl="1"/>
-            <a:r>
-              <a:rPr lang="en-US" sz="3200" dirty="0"/>
-              <a:t>Scarification, rot, branch death</a:t>
-            </a:r>
-          </a:p>
-          <a:p>
-            <a:r>
-              <a:rPr lang="en-US" sz="3600" dirty="0"/>
-              <a:t>Geotag</a:t>
-            </a:r>
-          </a:p>
-          <a:p>
-            <a:pPr lvl="1"/>
-            <a:endParaRPr lang="en-US" dirty="0"/>
-          </a:p>
-          <a:p>
-            <a:pPr lvl="1"/>
-            <a:endParaRPr lang="en-US" dirty="0"/>
-          </a:p>
-          <a:p>
-            <a:pPr lvl="1"/>
-            <a:endParaRPr lang="en-US" dirty="0"/>
-          </a:p>
-          <a:p>
-            <a:pPr lvl="1"/>
-            <a:endParaRPr lang="en-US" dirty="0"/>
+            <a:pPr lvl="1">
+              <a:buClr>
+                <a:schemeClr val="tx1"/>
+              </a:buClr>
+            </a:pPr>
+            <a:r>
+              <a:rPr lang="en-US" sz="4400" dirty="0"/>
+              <a:t>Scarification</a:t>
+            </a:r>
+            <a:r>
+              <a:rPr lang="en-US" sz="5400" dirty="0"/>
+              <a:t>, rot, branch death</a:t>
+            </a:r>
           </a:p>
           <a:p>
             <a:pPr lvl="1"/>
@@ -7279,6 +7223,9 @@
             </a:lvl9pPr>
           </a:lstStyle>
           <a:p>
+            <a:pPr marL="0" indent="0">
+              <a:buNone/>
+            </a:pPr>
             <a:r>
               <a:rPr lang="en-US" dirty="0"/>
               <a:t>Each cactus species had significantly different mean heights </a:t>
@@ -8413,36 +8360,6 @@
           </a:p>
         </p:txBody>
       </p:sp>
-      <p:pic>
-        <p:nvPicPr>
-          <p:cNvPr id="3" name="Picture 2">
-            <a:extLst>
-              <a:ext uri="{FF2B5EF4-FFF2-40B4-BE49-F238E27FC236}">
-                <a16:creationId xmlns:a16="http://schemas.microsoft.com/office/drawing/2014/main" id="{DB40B034-0A1C-4CA3-B7D8-E56B739C859D}"/>
-              </a:ext>
-            </a:extLst>
-          </p:cNvPr>
-          <p:cNvPicPr>
-            <a:picLocks noChangeAspect="1"/>
-          </p:cNvPicPr>
-          <p:nvPr/>
-        </p:nvPicPr>
-        <p:blipFill>
-          <a:blip r:embed="rId22"/>
-          <a:stretch>
-            <a:fillRect/>
-          </a:stretch>
-        </p:blipFill>
-        <p:spPr>
-          <a:xfrm>
-            <a:off x="16984920" y="12753804"/>
-            <a:ext cx="10118093" cy="5751088"/>
-          </a:xfrm>
-          <a:prstGeom prst="rect">
-            <a:avLst/>
-          </a:prstGeom>
-        </p:spPr>
-      </p:pic>
       <p:sp>
         <p:nvSpPr>
           <p:cNvPr id="16" name="TextBox 15">
@@ -8457,8 +8374,8 @@
         </p:nvSpPr>
         <p:spPr>
           <a:xfrm>
-            <a:off x="16248989" y="18699739"/>
-            <a:ext cx="12801599" cy="1077218"/>
+            <a:off x="25089284" y="12717243"/>
+            <a:ext cx="3919046" cy="3539430"/>
           </a:xfrm>
           <a:prstGeom prst="rect">
             <a:avLst/>
@@ -8475,6 +8392,8 @@
               <a:rPr lang="en-US" sz="3200" dirty="0"/>
               <a:t>Figure 4: </a:t>
             </a:r>
+          </a:p>
+          <a:p>
             <a:r>
               <a:rPr lang="it-IT" sz="3200" i="1" dirty="0"/>
               <a:t>C. acanthocarpa </a:t>
@@ -8496,6 +8415,8 @@
               <a:rPr lang="it-IT" sz="3200" dirty="0"/>
               <a:t>) &gt; </a:t>
             </a:r>
+          </a:p>
+          <a:p>
             <a:r>
               <a:rPr lang="it-IT" sz="3200" i="1" dirty="0"/>
               <a:t>C. echinocarpa</a:t>
@@ -8512,6 +8433,8 @@
               <a:rPr lang="it-IT" sz="3200" dirty="0"/>
               <a:t>) &gt; </a:t>
             </a:r>
+          </a:p>
+          <a:p>
             <a:r>
               <a:rPr lang="it-IT" sz="3200" i="1" dirty="0"/>
               <a:t>O. basilaris</a:t>
@@ -8587,7 +8510,7 @@
               <p:nvPr/>
             </p:nvPicPr>
             <p:blipFill>
-              <a:blip r:embed="rId23"/>
+              <a:blip r:embed="rId22"/>
               <a:stretch>
                 <a:fillRect/>
               </a:stretch>
@@ -9445,10 +9368,57 @@
       </p:sp>
       <p:pic>
         <p:nvPicPr>
-          <p:cNvPr id="31" name="Picture 30">
+          <p:cNvPr id="87" name="Picture 4" descr="Image result for york university logo">
             <a:extLst>
               <a:ext uri="{FF2B5EF4-FFF2-40B4-BE49-F238E27FC236}">
-                <a16:creationId xmlns:a16="http://schemas.microsoft.com/office/drawing/2014/main" id="{A520BE84-4A02-4CF5-9C1C-728C6F5A4F1D}"/>
+                <a16:creationId xmlns:a16="http://schemas.microsoft.com/office/drawing/2014/main" id="{458A3FBB-D5B6-4255-B5FF-7A78A76D6877}"/>
+              </a:ext>
+            </a:extLst>
+          </p:cNvPr>
+          <p:cNvPicPr>
+            <a:picLocks noChangeAspect="1" noChangeArrowheads="1"/>
+          </p:cNvPicPr>
+          <p:nvPr/>
+        </p:nvPicPr>
+        <p:blipFill>
+          <a:blip r:embed="rId23">
+            <a:extLst>
+              <a:ext uri="{28A0092B-C50C-407E-A947-70E740481C1C}">
+                <a14:useLocalDpi xmlns:a14="http://schemas.microsoft.com/office/drawing/2010/main" val="0"/>
+              </a:ext>
+            </a:extLst>
+          </a:blip>
+          <a:srcRect/>
+          <a:stretch>
+            <a:fillRect/>
+          </a:stretch>
+        </p:blipFill>
+        <p:spPr bwMode="auto">
+          <a:xfrm>
+            <a:off x="41719390" y="5213289"/>
+            <a:ext cx="1673698" cy="1673698"/>
+          </a:xfrm>
+          <a:prstGeom prst="rect">
+            <a:avLst/>
+          </a:prstGeom>
+          <a:noFill/>
+          <a:extLst>
+            <a:ext uri="{909E8E84-426E-40DD-AFC4-6F175D3DCCD1}">
+              <a14:hiddenFill xmlns:a14="http://schemas.microsoft.com/office/drawing/2010/main">
+                <a:solidFill>
+                  <a:srgbClr val="FFFFFF"/>
+                </a:solidFill>
+              </a14:hiddenFill>
+            </a:ext>
+          </a:extLst>
+        </p:spPr>
+      </p:pic>
+      <p:pic>
+        <p:nvPicPr>
+          <p:cNvPr id="13" name="Picture 12">
+            <a:extLst>
+              <a:ext uri="{FF2B5EF4-FFF2-40B4-BE49-F238E27FC236}">
+                <a16:creationId xmlns:a16="http://schemas.microsoft.com/office/drawing/2014/main" id="{293E4051-3FAA-46D5-BEAD-F0F46F13C5D8}"/>
               </a:ext>
             </a:extLst>
           </p:cNvPr>
@@ -9465,59 +9435,191 @@
         </p:blipFill>
         <p:spPr>
           <a:xfrm>
-            <a:off x="17186849" y="21681564"/>
-            <a:ext cx="9193596" cy="6111592"/>
+            <a:off x="15902941" y="12620823"/>
+            <a:ext cx="8715375" cy="5981700"/>
           </a:xfrm>
           <a:prstGeom prst="rect">
             <a:avLst/>
           </a:prstGeom>
         </p:spPr>
       </p:pic>
+      <p:sp>
+        <p:nvSpPr>
+          <p:cNvPr id="17" name="TextBox 16">
+            <a:extLst>
+              <a:ext uri="{FF2B5EF4-FFF2-40B4-BE49-F238E27FC236}">
+                <a16:creationId xmlns:a16="http://schemas.microsoft.com/office/drawing/2014/main" id="{655CC684-9E36-4BA5-A2DC-F55E4DC51AFC}"/>
+              </a:ext>
+            </a:extLst>
+          </p:cNvPr>
+          <p:cNvSpPr txBox="1"/>
+          <p:nvPr/>
+        </p:nvSpPr>
+        <p:spPr>
+          <a:xfrm>
+            <a:off x="16984920" y="18595052"/>
+            <a:ext cx="6955409" cy="830997"/>
+          </a:xfrm>
+          <a:prstGeom prst="rect">
+            <a:avLst/>
+          </a:prstGeom>
+          <a:noFill/>
+        </p:spPr>
+        <p:txBody>
+          <a:bodyPr wrap="square" rtlCol="0">
+            <a:spAutoFit/>
+          </a:bodyPr>
+          <a:lstStyle/>
+          <a:p>
+            <a:r>
+              <a:rPr lang="en-US" sz="2400" i="1" dirty="0"/>
+              <a:t>Cylindropuntia      Cylindropuntia         Opuntia</a:t>
+            </a:r>
+          </a:p>
+          <a:p>
+            <a:r>
+              <a:rPr lang="en-US" sz="2400" i="1" dirty="0"/>
+              <a:t> acanthocarpa        echinocarpa           basilaris</a:t>
+            </a:r>
+          </a:p>
+        </p:txBody>
+      </p:sp>
       <p:pic>
         <p:nvPicPr>
-          <p:cNvPr id="87" name="Picture 4" descr="Image result for york university logo">
+          <p:cNvPr id="28" name="Picture 27">
             <a:extLst>
               <a:ext uri="{FF2B5EF4-FFF2-40B4-BE49-F238E27FC236}">
-                <a16:creationId xmlns:a16="http://schemas.microsoft.com/office/drawing/2014/main" id="{458A3FBB-D5B6-4255-B5FF-7A78A76D6877}"/>
+                <a16:creationId xmlns:a16="http://schemas.microsoft.com/office/drawing/2014/main" id="{919038E4-AEEE-477D-BE35-AE69480DC68B}"/>
               </a:ext>
             </a:extLst>
           </p:cNvPr>
           <p:cNvPicPr>
-            <a:picLocks noChangeAspect="1" noChangeArrowheads="1"/>
+            <a:picLocks noChangeAspect="1"/>
+          </p:cNvPicPr>
+          <p:nvPr/>
+        </p:nvPicPr>
+        <p:blipFill rotWithShape="1">
+          <a:blip r:embed="rId25"/>
+          <a:srcRect l="1121" t="20620"/>
+          <a:stretch/>
+        </p:blipFill>
+        <p:spPr>
+          <a:xfrm>
+            <a:off x="17405942" y="21577695"/>
+            <a:ext cx="9699589" cy="5627164"/>
+          </a:xfrm>
+          <a:prstGeom prst="rect">
+            <a:avLst/>
+          </a:prstGeom>
+        </p:spPr>
+      </p:pic>
+      <p:sp>
+        <p:nvSpPr>
+          <p:cNvPr id="44" name="TextBox 43">
+            <a:extLst>
+              <a:ext uri="{FF2B5EF4-FFF2-40B4-BE49-F238E27FC236}">
+                <a16:creationId xmlns:a16="http://schemas.microsoft.com/office/drawing/2014/main" id="{A50C17AF-329F-4160-9CB2-B8B0A98CF44F}"/>
+              </a:ext>
+            </a:extLst>
+          </p:cNvPr>
+          <p:cNvSpPr txBox="1"/>
+          <p:nvPr/>
+        </p:nvSpPr>
+        <p:spPr>
+          <a:xfrm>
+            <a:off x="20777200" y="27180155"/>
+            <a:ext cx="4089400" cy="584775"/>
+          </a:xfrm>
+          <a:prstGeom prst="rect">
+            <a:avLst/>
+          </a:prstGeom>
+          <a:noFill/>
+        </p:spPr>
+        <p:txBody>
+          <a:bodyPr wrap="square" rtlCol="0">
+            <a:spAutoFit/>
+          </a:bodyPr>
+          <a:lstStyle/>
+          <a:p>
+            <a:r>
+              <a:rPr lang="en-US" sz="3200" dirty="0"/>
+              <a:t>Health Class</a:t>
+            </a:r>
+          </a:p>
+        </p:txBody>
+      </p:sp>
+      <p:sp>
+        <p:nvSpPr>
+          <p:cNvPr id="84" name="TextBox 83">
+            <a:extLst>
+              <a:ext uri="{FF2B5EF4-FFF2-40B4-BE49-F238E27FC236}">
+                <a16:creationId xmlns:a16="http://schemas.microsoft.com/office/drawing/2014/main" id="{6BFB4B3F-1A61-41CD-861F-14EAB451E689}"/>
+              </a:ext>
+            </a:extLst>
+          </p:cNvPr>
+          <p:cNvSpPr txBox="1"/>
+          <p:nvPr/>
+        </p:nvSpPr>
+        <p:spPr>
+          <a:xfrm rot="16200000">
+            <a:off x="14966843" y="23703538"/>
+            <a:ext cx="4898463" cy="1077218"/>
+          </a:xfrm>
+          <a:prstGeom prst="rect">
+            <a:avLst/>
+          </a:prstGeom>
+          <a:solidFill>
+            <a:schemeClr val="bg1"/>
+          </a:solidFill>
+        </p:spPr>
+        <p:txBody>
+          <a:bodyPr wrap="square" rtlCol="0">
+            <a:spAutoFit/>
+          </a:bodyPr>
+          <a:lstStyle/>
+          <a:p>
+            <a:pPr algn="ctr"/>
+            <a:r>
+              <a:rPr lang="en-US" sz="3200" dirty="0"/>
+              <a:t>Number of individuals in each health class </a:t>
+            </a:r>
+          </a:p>
+        </p:txBody>
+      </p:sp>
+      <p:pic>
+        <p:nvPicPr>
+          <p:cNvPr id="90" name="Picture 89">
+            <a:extLst>
+              <a:ext uri="{FF2B5EF4-FFF2-40B4-BE49-F238E27FC236}">
+                <a16:creationId xmlns:a16="http://schemas.microsoft.com/office/drawing/2014/main" id="{BFFA3DD1-7DCD-458B-AD52-D527A9717118}"/>
+              </a:ext>
+            </a:extLst>
+          </p:cNvPr>
+          <p:cNvPicPr>
+            <a:picLocks noChangeAspect="1"/>
           </p:cNvPicPr>
           <p:nvPr/>
         </p:nvPicPr>
         <p:blipFill>
-          <a:blip r:embed="rId25">
+          <a:blip r:embed="rId26" cstate="print">
             <a:extLst>
               <a:ext uri="{28A0092B-C50C-407E-A947-70E740481C1C}">
                 <a14:useLocalDpi xmlns:a14="http://schemas.microsoft.com/office/drawing/2010/main" val="0"/>
               </a:ext>
             </a:extLst>
           </a:blip>
-          <a:srcRect/>
           <a:stretch>
             <a:fillRect/>
           </a:stretch>
         </p:blipFill>
-        <p:spPr bwMode="auto">
+        <p:spPr>
           <a:xfrm>
-            <a:off x="42011872" y="5213289"/>
-            <a:ext cx="1381215" cy="1381215"/>
+            <a:off x="39573448" y="5080091"/>
+            <a:ext cx="2033941" cy="2033941"/>
           </a:xfrm>
           <a:prstGeom prst="rect">
             <a:avLst/>
           </a:prstGeom>
-          <a:noFill/>
-          <a:extLst>
-            <a:ext uri="{909E8E84-426E-40DD-AFC4-6F175D3DCCD1}">
-              <a14:hiddenFill xmlns:a14="http://schemas.microsoft.com/office/drawing/2010/main">
-                <a:solidFill>
-                  <a:srgbClr val="FFFFFF"/>
-                </a:solidFill>
-              </a14:hiddenFill>
-            </a:ext>
-          </a:extLst>
         </p:spPr>
       </p:pic>
     </p:spTree>
@@ -11438,6 +11540,81 @@
 </p:sld>
 </file>
 
+<file path=ppt/slides/slide4.xml><?xml version="1.0" encoding="utf-8"?>
+<p:sld xmlns:a="http://schemas.openxmlformats.org/drawingml/2006/main" xmlns:r="http://schemas.openxmlformats.org/officeDocument/2006/relationships" xmlns:p="http://schemas.openxmlformats.org/presentationml/2006/main">
+  <p:cSld>
+    <p:spTree>
+      <p:nvGrpSpPr>
+        <p:cNvPr id="1" name=""/>
+        <p:cNvGrpSpPr/>
+        <p:nvPr/>
+      </p:nvGrpSpPr>
+      <p:grpSpPr>
+        <a:xfrm>
+          <a:off x="0" y="0"/>
+          <a:ext cx="0" cy="0"/>
+          <a:chOff x="0" y="0"/>
+          <a:chExt cx="0" cy="0"/>
+        </a:xfrm>
+      </p:grpSpPr>
+      <p:pic>
+        <p:nvPicPr>
+          <p:cNvPr id="1026" name="Picture 2" descr="Image result for joshua tree silhouette">
+            <a:extLst>
+              <a:ext uri="{FF2B5EF4-FFF2-40B4-BE49-F238E27FC236}">
+                <a16:creationId xmlns:a16="http://schemas.microsoft.com/office/drawing/2014/main" id="{87495721-D5A3-4E32-9B77-AA634D3F3068}"/>
+              </a:ext>
+            </a:extLst>
+          </p:cNvPr>
+          <p:cNvPicPr>
+            <a:picLocks noChangeAspect="1" noChangeArrowheads="1"/>
+          </p:cNvPicPr>
+          <p:nvPr/>
+        </p:nvPicPr>
+        <p:blipFill rotWithShape="1">
+          <a:blip r:embed="rId2">
+            <a:extLst>
+              <a:ext uri="{28A0092B-C50C-407E-A947-70E740481C1C}">
+                <a14:useLocalDpi xmlns:a14="http://schemas.microsoft.com/office/drawing/2010/main" val="0"/>
+              </a:ext>
+            </a:extLst>
+          </a:blip>
+          <a:srcRect l="45263" t="34843" r="38737" b="28955"/>
+          <a:stretch/>
+        </p:blipFill>
+        <p:spPr bwMode="auto">
+          <a:xfrm>
+            <a:off x="14280682" y="12718582"/>
+            <a:ext cx="9981398" cy="11229074"/>
+          </a:xfrm>
+          <a:prstGeom prst="rect">
+            <a:avLst/>
+          </a:prstGeom>
+          <a:noFill/>
+          <a:extLst>
+            <a:ext uri="{909E8E84-426E-40DD-AFC4-6F175D3DCCD1}">
+              <a14:hiddenFill xmlns:a14="http://schemas.microsoft.com/office/drawing/2010/main">
+                <a:solidFill>
+                  <a:srgbClr val="FFFFFF"/>
+                </a:solidFill>
+              </a14:hiddenFill>
+            </a:ext>
+          </a:extLst>
+        </p:spPr>
+      </p:pic>
+    </p:spTree>
+    <p:extLst>
+      <p:ext uri="{BB962C8B-B14F-4D97-AF65-F5344CB8AC3E}">
+        <p14:creationId xmlns:p14="http://schemas.microsoft.com/office/powerpoint/2010/main" val="3298638915"/>
+      </p:ext>
+    </p:extLst>
+  </p:cSld>
+  <p:clrMapOvr>
+    <a:masterClrMapping/>
+  </p:clrMapOvr>
+</p:sld>
+</file>
+
 <file path=ppt/theme/theme1.xml><?xml version="1.0" encoding="utf-8"?>
 <a:theme xmlns:a="http://schemas.openxmlformats.org/drawingml/2006/main" name="Science Poster">
   <a:themeElements>

--- a/cactus_survey_poster.pptx
+++ b/cactus_survey_poster.pptx
@@ -218,7 +218,7 @@
           <a:p>
             <a:fld id="{F1C0B079-A316-4C9B-B165-DF9EA8325D2C}" type="datetimeFigureOut">
               <a:rPr lang="en-US" smtClean="0"/>
-              <a:t>3/29/2019</a:t>
+              <a:t>4/2/2019</a:t>
             </a:fld>
             <a:endParaRPr lang="en-US"/>
           </a:p>
@@ -383,7 +383,7 @@
           <a:p>
             <a:fld id="{38F28AB8-57D1-494F-9851-055AD867E790}" type="datetimeFigureOut">
               <a:rPr lang="en-US" smtClean="0"/>
-              <a:t>3/29/2019</a:t>
+              <a:t>4/2/2019</a:t>
             </a:fld>
             <a:endParaRPr lang="en-US"/>
           </a:p>
@@ -3672,7 +3672,7 @@
           <a:p>
             <a:fld id="{ECAA57DF-1C19-4726-AB84-014692BAD8F5}" type="datetimeFigureOut">
               <a:rPr lang="en-US" smtClean="0"/>
-              <a:t>3/29/2019</a:t>
+              <a:t>4/2/2019</a:t>
             </a:fld>
             <a:endParaRPr lang="en-US"/>
           </a:p>
@@ -4011,7 +4011,7 @@
             <a:fld id="{ECAA57DF-1C19-4726-AB84-014692BAD8F5}" type="datetimeFigureOut">
               <a:rPr lang="en-US" smtClean="0"/>
               <a:pPr/>
-              <a:t>3/29/2019</a:t>
+              <a:t>4/2/2019</a:t>
             </a:fld>
             <a:endParaRPr lang="en-US"/>
           </a:p>
@@ -4560,867 +4560,6 @@
           <a:chExt cx="0" cy="0"/>
         </a:xfrm>
       </p:grpSpPr>
-      <p:grpSp>
-        <p:nvGrpSpPr>
-          <p:cNvPr id="58" name="Group 57">
-            <a:extLst>
-              <a:ext uri="{FF2B5EF4-FFF2-40B4-BE49-F238E27FC236}">
-                <a16:creationId xmlns:a16="http://schemas.microsoft.com/office/drawing/2014/main" id="{1E42E7AA-587A-439E-9913-EA6A9C6E6913}"/>
-              </a:ext>
-            </a:extLst>
-          </p:cNvPr>
-          <p:cNvGrpSpPr/>
-          <p:nvPr/>
-        </p:nvGrpSpPr>
-        <p:grpSpPr>
-          <a:xfrm>
-            <a:off x="1204381" y="21347676"/>
-            <a:ext cx="12157254" cy="4871718"/>
-            <a:chOff x="5821394" y="8994270"/>
-            <a:chExt cx="36344149" cy="16639759"/>
-          </a:xfrm>
-        </p:grpSpPr>
-        <p:pic>
-          <p:nvPicPr>
-            <p:cNvPr id="59" name="Picture 4" descr="Image result for cactus silhouette">
-              <a:extLst>
-                <a:ext uri="{FF2B5EF4-FFF2-40B4-BE49-F238E27FC236}">
-                  <a16:creationId xmlns:a16="http://schemas.microsoft.com/office/drawing/2014/main" id="{75A655A4-4F99-4118-AC24-06751CDF9EA0}"/>
-                </a:ext>
-              </a:extLst>
-            </p:cNvPr>
-            <p:cNvPicPr>
-              <a:picLocks noChangeAspect="1" noChangeArrowheads="1"/>
-            </p:cNvPicPr>
-            <p:nvPr/>
-          </p:nvPicPr>
-          <p:blipFill rotWithShape="1">
-            <a:blip r:embed="rId3">
-              <a:extLst>
-                <a:ext uri="{28A0092B-C50C-407E-A947-70E740481C1C}">
-                  <a14:useLocalDpi xmlns:a14="http://schemas.microsoft.com/office/drawing/2010/main" val="0"/>
-                </a:ext>
-              </a:extLst>
-            </a:blip>
-            <a:srcRect l="30084" r="26093"/>
-            <a:stretch/>
-          </p:blipFill>
-          <p:spPr bwMode="auto">
-            <a:xfrm>
-              <a:off x="35241326" y="18038680"/>
-              <a:ext cx="5078423" cy="7038747"/>
-            </a:xfrm>
-            <a:prstGeom prst="rect">
-              <a:avLst/>
-            </a:prstGeom>
-            <a:noFill/>
-            <a:extLst>
-              <a:ext uri="{909E8E84-426E-40DD-AFC4-6F175D3DCCD1}">
-                <a14:hiddenFill xmlns:a14="http://schemas.microsoft.com/office/drawing/2010/main">
-                  <a:solidFill>
-                    <a:srgbClr val="FFFFFF"/>
-                  </a:solidFill>
-                </a14:hiddenFill>
-              </a:ext>
-            </a:extLst>
-          </p:spPr>
-        </p:pic>
-        <p:pic>
-          <p:nvPicPr>
-            <p:cNvPr id="60" name="Picture 4" descr="Image result for cactus silhouette">
-              <a:extLst>
-                <a:ext uri="{FF2B5EF4-FFF2-40B4-BE49-F238E27FC236}">
-                  <a16:creationId xmlns:a16="http://schemas.microsoft.com/office/drawing/2014/main" id="{CAD5A05A-E345-4A98-9BAA-E7C89F48170B}"/>
-                </a:ext>
-              </a:extLst>
-            </p:cNvPr>
-            <p:cNvPicPr>
-              <a:picLocks noChangeAspect="1" noChangeArrowheads="1"/>
-            </p:cNvPicPr>
-            <p:nvPr/>
-          </p:nvPicPr>
-          <p:blipFill rotWithShape="1">
-            <a:blip r:embed="rId3">
-              <a:extLst>
-                <a:ext uri="{28A0092B-C50C-407E-A947-70E740481C1C}">
-                  <a14:useLocalDpi xmlns:a14="http://schemas.microsoft.com/office/drawing/2010/main" val="0"/>
-                </a:ext>
-              </a:extLst>
-            </a:blip>
-            <a:srcRect l="30084" r="26093"/>
-            <a:stretch/>
-          </p:blipFill>
-          <p:spPr bwMode="auto">
-            <a:xfrm flipH="1">
-              <a:off x="8481182" y="17236466"/>
-              <a:ext cx="5280431" cy="8019226"/>
-            </a:xfrm>
-            <a:prstGeom prst="rect">
-              <a:avLst/>
-            </a:prstGeom>
-            <a:noFill/>
-            <a:extLst>
-              <a:ext uri="{909E8E84-426E-40DD-AFC4-6F175D3DCCD1}">
-                <a14:hiddenFill xmlns:a14="http://schemas.microsoft.com/office/drawing/2010/main">
-                  <a:solidFill>
-                    <a:srgbClr val="FFFFFF"/>
-                  </a:solidFill>
-                </a14:hiddenFill>
-              </a:ext>
-            </a:extLst>
-          </p:spPr>
-        </p:pic>
-        <p:pic>
-          <p:nvPicPr>
-            <p:cNvPr id="61" name="Picture 4" descr="Image result for cactus silhouette">
-              <a:extLst>
-                <a:ext uri="{FF2B5EF4-FFF2-40B4-BE49-F238E27FC236}">
-                  <a16:creationId xmlns:a16="http://schemas.microsoft.com/office/drawing/2014/main" id="{BE6CCFB9-BF1D-4CA5-9364-D5C91DCB3990}"/>
-                </a:ext>
-              </a:extLst>
-            </p:cNvPr>
-            <p:cNvPicPr>
-              <a:picLocks noChangeAspect="1" noChangeArrowheads="1"/>
-            </p:cNvPicPr>
-            <p:nvPr/>
-          </p:nvPicPr>
-          <p:blipFill rotWithShape="1">
-            <a:blip r:embed="rId3">
-              <a:extLst>
-                <a:ext uri="{28A0092B-C50C-407E-A947-70E740481C1C}">
-                  <a14:useLocalDpi xmlns:a14="http://schemas.microsoft.com/office/drawing/2010/main" val="0"/>
-                </a:ext>
-              </a:extLst>
-            </a:blip>
-            <a:srcRect l="30084" r="26093"/>
-            <a:stretch/>
-          </p:blipFill>
-          <p:spPr bwMode="auto">
-            <a:xfrm>
-              <a:off x="20992291" y="10791412"/>
-              <a:ext cx="7100109" cy="14842617"/>
-            </a:xfrm>
-            <a:prstGeom prst="rect">
-              <a:avLst/>
-            </a:prstGeom>
-            <a:noFill/>
-            <a:extLst>
-              <a:ext uri="{909E8E84-426E-40DD-AFC4-6F175D3DCCD1}">
-                <a14:hiddenFill xmlns:a14="http://schemas.microsoft.com/office/drawing/2010/main">
-                  <a:solidFill>
-                    <a:srgbClr val="FFFFFF"/>
-                  </a:solidFill>
-                </a14:hiddenFill>
-              </a:ext>
-            </a:extLst>
-          </p:spPr>
-        </p:pic>
-        <p:pic>
-          <p:nvPicPr>
-            <p:cNvPr id="62" name="Picture 12" descr="Image result for flower clipart">
-              <a:extLst>
-                <a:ext uri="{FF2B5EF4-FFF2-40B4-BE49-F238E27FC236}">
-                  <a16:creationId xmlns:a16="http://schemas.microsoft.com/office/drawing/2014/main" id="{6CD2D87F-C90B-42D2-B5D6-21EF7CE4204B}"/>
-                </a:ext>
-              </a:extLst>
-            </p:cNvPr>
-            <p:cNvPicPr>
-              <a:picLocks noChangeAspect="1" noChangeArrowheads="1"/>
-            </p:cNvPicPr>
-            <p:nvPr/>
-          </p:nvPicPr>
-          <p:blipFill>
-            <a:blip r:embed="rId4" cstate="print">
-              <a:extLst>
-                <a:ext uri="{28A0092B-C50C-407E-A947-70E740481C1C}">
-                  <a14:useLocalDpi xmlns:a14="http://schemas.microsoft.com/office/drawing/2010/main" val="0"/>
-                </a:ext>
-              </a:extLst>
-            </a:blip>
-            <a:srcRect/>
-            <a:stretch>
-              <a:fillRect/>
-            </a:stretch>
-          </p:blipFill>
-          <p:spPr bwMode="auto">
-            <a:xfrm rot="1996164">
-              <a:off x="10864393" y="16748024"/>
-              <a:ext cx="2309058" cy="2288240"/>
-            </a:xfrm>
-            <a:prstGeom prst="rect">
-              <a:avLst/>
-            </a:prstGeom>
-            <a:noFill/>
-            <a:extLst>
-              <a:ext uri="{909E8E84-426E-40DD-AFC4-6F175D3DCCD1}">
-                <a14:hiddenFill xmlns:a14="http://schemas.microsoft.com/office/drawing/2010/main">
-                  <a:solidFill>
-                    <a:srgbClr val="FFFFFF"/>
-                  </a:solidFill>
-                </a14:hiddenFill>
-              </a:ext>
-            </a:extLst>
-          </p:spPr>
-        </p:pic>
-        <p:pic>
-          <p:nvPicPr>
-            <p:cNvPr id="63" name="Picture 12" descr="Image result for flower clipart">
-              <a:extLst>
-                <a:ext uri="{FF2B5EF4-FFF2-40B4-BE49-F238E27FC236}">
-                  <a16:creationId xmlns:a16="http://schemas.microsoft.com/office/drawing/2014/main" id="{D59B8A41-4E02-46B9-8997-4B197DBEC0B6}"/>
-                </a:ext>
-              </a:extLst>
-            </p:cNvPr>
-            <p:cNvPicPr>
-              <a:picLocks noChangeAspect="1" noChangeArrowheads="1"/>
-            </p:cNvPicPr>
-            <p:nvPr/>
-          </p:nvPicPr>
-          <p:blipFill>
-            <a:blip r:embed="rId4" cstate="print">
-              <a:extLst>
-                <a:ext uri="{28A0092B-C50C-407E-A947-70E740481C1C}">
-                  <a14:useLocalDpi xmlns:a14="http://schemas.microsoft.com/office/drawing/2010/main" val="0"/>
-                </a:ext>
-              </a:extLst>
-            </a:blip>
-            <a:srcRect/>
-            <a:stretch>
-              <a:fillRect/>
-            </a:stretch>
-          </p:blipFill>
-          <p:spPr bwMode="auto">
-            <a:xfrm rot="2688639">
-              <a:off x="36764403" y="18957840"/>
-              <a:ext cx="2309057" cy="2288239"/>
-            </a:xfrm>
-            <a:prstGeom prst="rect">
-              <a:avLst/>
-            </a:prstGeom>
-            <a:noFill/>
-            <a:extLst>
-              <a:ext uri="{909E8E84-426E-40DD-AFC4-6F175D3DCCD1}">
-                <a14:hiddenFill xmlns:a14="http://schemas.microsoft.com/office/drawing/2010/main">
-                  <a:solidFill>
-                    <a:srgbClr val="FFFFFF"/>
-                  </a:solidFill>
-                </a14:hiddenFill>
-              </a:ext>
-            </a:extLst>
-          </p:spPr>
-        </p:pic>
-        <p:pic>
-          <p:nvPicPr>
-            <p:cNvPr id="64" name="Picture 12" descr="Image result for flower clipart">
-              <a:extLst>
-                <a:ext uri="{FF2B5EF4-FFF2-40B4-BE49-F238E27FC236}">
-                  <a16:creationId xmlns:a16="http://schemas.microsoft.com/office/drawing/2014/main" id="{F8C8F102-BFC9-4284-8D86-A5832EC4D72C}"/>
-                </a:ext>
-              </a:extLst>
-            </p:cNvPr>
-            <p:cNvPicPr>
-              <a:picLocks noChangeAspect="1" noChangeArrowheads="1"/>
-            </p:cNvPicPr>
-            <p:nvPr/>
-          </p:nvPicPr>
-          <p:blipFill>
-            <a:blip r:embed="rId4" cstate="print">
-              <a:extLst>
-                <a:ext uri="{28A0092B-C50C-407E-A947-70E740481C1C}">
-                  <a14:useLocalDpi xmlns:a14="http://schemas.microsoft.com/office/drawing/2010/main" val="0"/>
-                </a:ext>
-              </a:extLst>
-            </a:blip>
-            <a:srcRect/>
-            <a:stretch>
-              <a:fillRect/>
-            </a:stretch>
-          </p:blipFill>
-          <p:spPr bwMode="auto">
-            <a:xfrm rot="1996164">
-              <a:off x="21430701" y="10425562"/>
-              <a:ext cx="2309058" cy="2288240"/>
-            </a:xfrm>
-            <a:prstGeom prst="rect">
-              <a:avLst/>
-            </a:prstGeom>
-            <a:noFill/>
-            <a:extLst>
-              <a:ext uri="{909E8E84-426E-40DD-AFC4-6F175D3DCCD1}">
-                <a14:hiddenFill xmlns:a14="http://schemas.microsoft.com/office/drawing/2010/main">
-                  <a:solidFill>
-                    <a:srgbClr val="FFFFFF"/>
-                  </a:solidFill>
-                </a14:hiddenFill>
-              </a:ext>
-            </a:extLst>
-          </p:spPr>
-        </p:pic>
-        <p:pic>
-          <p:nvPicPr>
-            <p:cNvPr id="65" name="Picture 12" descr="Image result for flower clipart">
-              <a:extLst>
-                <a:ext uri="{FF2B5EF4-FFF2-40B4-BE49-F238E27FC236}">
-                  <a16:creationId xmlns:a16="http://schemas.microsoft.com/office/drawing/2014/main" id="{4F04AB48-2DBC-47E2-80CF-B04C53777B8D}"/>
-                </a:ext>
-              </a:extLst>
-            </p:cNvPr>
-            <p:cNvPicPr>
-              <a:picLocks noChangeAspect="1" noChangeArrowheads="1"/>
-            </p:cNvPicPr>
-            <p:nvPr/>
-          </p:nvPicPr>
-          <p:blipFill>
-            <a:blip r:embed="rId5" cstate="print">
-              <a:extLst>
-                <a:ext uri="{28A0092B-C50C-407E-A947-70E740481C1C}">
-                  <a14:useLocalDpi xmlns:a14="http://schemas.microsoft.com/office/drawing/2010/main" val="0"/>
-                </a:ext>
-              </a:extLst>
-            </a:blip>
-            <a:srcRect/>
-            <a:stretch>
-              <a:fillRect/>
-            </a:stretch>
-          </p:blipFill>
-          <p:spPr bwMode="auto">
-            <a:xfrm rot="16973761">
-              <a:off x="36034342" y="17367892"/>
-              <a:ext cx="2309058" cy="2288240"/>
-            </a:xfrm>
-            <a:prstGeom prst="rect">
-              <a:avLst/>
-            </a:prstGeom>
-            <a:noFill/>
-            <a:extLst>
-              <a:ext uri="{909E8E84-426E-40DD-AFC4-6F175D3DCCD1}">
-                <a14:hiddenFill xmlns:a14="http://schemas.microsoft.com/office/drawing/2010/main">
-                  <a:solidFill>
-                    <a:srgbClr val="FFFFFF"/>
-                  </a:solidFill>
-                </a14:hiddenFill>
-              </a:ext>
-            </a:extLst>
-          </p:spPr>
-        </p:pic>
-        <p:pic>
-          <p:nvPicPr>
-            <p:cNvPr id="66" name="Picture 12" descr="Image result for flower clipart">
-              <a:extLst>
-                <a:ext uri="{FF2B5EF4-FFF2-40B4-BE49-F238E27FC236}">
-                  <a16:creationId xmlns:a16="http://schemas.microsoft.com/office/drawing/2014/main" id="{B1BD477D-7142-4F5C-8FDD-96984877EDFF}"/>
-                </a:ext>
-              </a:extLst>
-            </p:cNvPr>
-            <p:cNvPicPr>
-              <a:picLocks noChangeAspect="1" noChangeArrowheads="1"/>
-            </p:cNvPicPr>
-            <p:nvPr/>
-          </p:nvPicPr>
-          <p:blipFill>
-            <a:blip r:embed="rId4" cstate="print">
-              <a:extLst>
-                <a:ext uri="{28A0092B-C50C-407E-A947-70E740481C1C}">
-                  <a14:useLocalDpi xmlns:a14="http://schemas.microsoft.com/office/drawing/2010/main" val="0"/>
-                </a:ext>
-              </a:extLst>
-            </a:blip>
-            <a:srcRect/>
-            <a:stretch>
-              <a:fillRect/>
-            </a:stretch>
-          </p:blipFill>
-          <p:spPr bwMode="auto">
-            <a:xfrm rot="1320354">
-              <a:off x="34363585" y="19380253"/>
-              <a:ext cx="2309058" cy="2288240"/>
-            </a:xfrm>
-            <a:prstGeom prst="rect">
-              <a:avLst/>
-            </a:prstGeom>
-            <a:noFill/>
-            <a:extLst>
-              <a:ext uri="{909E8E84-426E-40DD-AFC4-6F175D3DCCD1}">
-                <a14:hiddenFill xmlns:a14="http://schemas.microsoft.com/office/drawing/2010/main">
-                  <a:solidFill>
-                    <a:srgbClr val="FFFFFF"/>
-                  </a:solidFill>
-                </a14:hiddenFill>
-              </a:ext>
-            </a:extLst>
-          </p:spPr>
-        </p:pic>
-        <p:pic>
-          <p:nvPicPr>
-            <p:cNvPr id="72" name="Picture 12" descr="Image result for flower clipart">
-              <a:extLst>
-                <a:ext uri="{FF2B5EF4-FFF2-40B4-BE49-F238E27FC236}">
-                  <a16:creationId xmlns:a16="http://schemas.microsoft.com/office/drawing/2014/main" id="{9EA6C931-FA2A-4746-855E-9D594FA963C0}"/>
-                </a:ext>
-              </a:extLst>
-            </p:cNvPr>
-            <p:cNvPicPr>
-              <a:picLocks noChangeAspect="1" noChangeArrowheads="1"/>
-            </p:cNvPicPr>
-            <p:nvPr/>
-          </p:nvPicPr>
-          <p:blipFill>
-            <a:blip r:embed="rId4" cstate="print">
-              <a:extLst>
-                <a:ext uri="{28A0092B-C50C-407E-A947-70E740481C1C}">
-                  <a14:useLocalDpi xmlns:a14="http://schemas.microsoft.com/office/drawing/2010/main" val="0"/>
-                </a:ext>
-              </a:extLst>
-            </a:blip>
-            <a:srcRect/>
-            <a:stretch>
-              <a:fillRect/>
-            </a:stretch>
-          </p:blipFill>
-          <p:spPr bwMode="auto">
-            <a:xfrm rot="388776">
-              <a:off x="34496403" y="17423373"/>
-              <a:ext cx="2309058" cy="2288240"/>
-            </a:xfrm>
-            <a:prstGeom prst="rect">
-              <a:avLst/>
-            </a:prstGeom>
-            <a:noFill/>
-            <a:extLst>
-              <a:ext uri="{909E8E84-426E-40DD-AFC4-6F175D3DCCD1}">
-                <a14:hiddenFill xmlns:a14="http://schemas.microsoft.com/office/drawing/2010/main">
-                  <a:solidFill>
-                    <a:srgbClr val="FFFFFF"/>
-                  </a:solidFill>
-                </a14:hiddenFill>
-              </a:ext>
-            </a:extLst>
-          </p:spPr>
-        </p:pic>
-        <p:pic>
-          <p:nvPicPr>
-            <p:cNvPr id="74" name="Picture 12" descr="Image result for flower clipart">
-              <a:extLst>
-                <a:ext uri="{FF2B5EF4-FFF2-40B4-BE49-F238E27FC236}">
-                  <a16:creationId xmlns:a16="http://schemas.microsoft.com/office/drawing/2014/main" id="{0BC266BE-964B-47E5-8314-3865E988DF93}"/>
-                </a:ext>
-              </a:extLst>
-            </p:cNvPr>
-            <p:cNvPicPr>
-              <a:picLocks noChangeAspect="1" noChangeArrowheads="1"/>
-            </p:cNvPicPr>
-            <p:nvPr/>
-          </p:nvPicPr>
-          <p:blipFill>
-            <a:blip r:embed="rId5" cstate="print">
-              <a:extLst>
-                <a:ext uri="{28A0092B-C50C-407E-A947-70E740481C1C}">
-                  <a14:useLocalDpi xmlns:a14="http://schemas.microsoft.com/office/drawing/2010/main" val="0"/>
-                </a:ext>
-              </a:extLst>
-            </a:blip>
-            <a:srcRect/>
-            <a:stretch>
-              <a:fillRect/>
-            </a:stretch>
-          </p:blipFill>
-          <p:spPr bwMode="auto">
-            <a:xfrm rot="2824274">
-              <a:off x="25344932" y="15478654"/>
-              <a:ext cx="2309058" cy="2288240"/>
-            </a:xfrm>
-            <a:prstGeom prst="rect">
-              <a:avLst/>
-            </a:prstGeom>
-            <a:noFill/>
-            <a:extLst>
-              <a:ext uri="{909E8E84-426E-40DD-AFC4-6F175D3DCCD1}">
-                <a14:hiddenFill xmlns:a14="http://schemas.microsoft.com/office/drawing/2010/main">
-                  <a:solidFill>
-                    <a:srgbClr val="FFFFFF"/>
-                  </a:solidFill>
-                </a14:hiddenFill>
-              </a:ext>
-            </a:extLst>
-          </p:spPr>
-        </p:pic>
-        <p:pic>
-          <p:nvPicPr>
-            <p:cNvPr id="75" name="Picture 12" descr="Image result for flower clipart">
-              <a:extLst>
-                <a:ext uri="{FF2B5EF4-FFF2-40B4-BE49-F238E27FC236}">
-                  <a16:creationId xmlns:a16="http://schemas.microsoft.com/office/drawing/2014/main" id="{BAD288EE-48CE-444E-9F8C-1EA7500843B4}"/>
-                </a:ext>
-              </a:extLst>
-            </p:cNvPr>
-            <p:cNvPicPr>
-              <a:picLocks noChangeAspect="1" noChangeArrowheads="1"/>
-            </p:cNvPicPr>
-            <p:nvPr/>
-          </p:nvPicPr>
-          <p:blipFill>
-            <a:blip r:embed="rId4" cstate="print">
-              <a:extLst>
-                <a:ext uri="{28A0092B-C50C-407E-A947-70E740481C1C}">
-                  <a14:useLocalDpi xmlns:a14="http://schemas.microsoft.com/office/drawing/2010/main" val="0"/>
-                </a:ext>
-              </a:extLst>
-            </a:blip>
-            <a:srcRect/>
-            <a:stretch>
-              <a:fillRect/>
-            </a:stretch>
-          </p:blipFill>
-          <p:spPr bwMode="auto">
-            <a:xfrm rot="21203234">
-              <a:off x="38218947" y="19927917"/>
-              <a:ext cx="2309058" cy="2288240"/>
-            </a:xfrm>
-            <a:prstGeom prst="rect">
-              <a:avLst/>
-            </a:prstGeom>
-            <a:noFill/>
-            <a:extLst>
-              <a:ext uri="{909E8E84-426E-40DD-AFC4-6F175D3DCCD1}">
-                <a14:hiddenFill xmlns:a14="http://schemas.microsoft.com/office/drawing/2010/main">
-                  <a:solidFill>
-                    <a:srgbClr val="FFFFFF"/>
-                  </a:solidFill>
-                </a14:hiddenFill>
-              </a:ext>
-            </a:extLst>
-          </p:spPr>
-        </p:pic>
-        <p:pic>
-          <p:nvPicPr>
-            <p:cNvPr id="77" name="Picture 2" descr="Image result for hummingbird silhouette">
-              <a:extLst>
-                <a:ext uri="{FF2B5EF4-FFF2-40B4-BE49-F238E27FC236}">
-                  <a16:creationId xmlns:a16="http://schemas.microsoft.com/office/drawing/2014/main" id="{5D59A5DF-FDDE-4A27-9EDB-CB6E3011DF38}"/>
-                </a:ext>
-              </a:extLst>
-            </p:cNvPr>
-            <p:cNvPicPr>
-              <a:picLocks noChangeAspect="1" noChangeArrowheads="1"/>
-            </p:cNvPicPr>
-            <p:nvPr/>
-          </p:nvPicPr>
-          <p:blipFill>
-            <a:blip r:embed="rId6" cstate="print">
-              <a:extLst>
-                <a:ext uri="{28A0092B-C50C-407E-A947-70E740481C1C}">
-                  <a14:useLocalDpi xmlns:a14="http://schemas.microsoft.com/office/drawing/2010/main" val="0"/>
-                </a:ext>
-              </a:extLst>
-            </a:blip>
-            <a:srcRect/>
-            <a:stretch>
-              <a:fillRect/>
-            </a:stretch>
-          </p:blipFill>
-          <p:spPr bwMode="auto">
-            <a:xfrm rot="2792186" flipH="1">
-              <a:off x="17656426" y="9903826"/>
-              <a:ext cx="3878302" cy="2245095"/>
-            </a:xfrm>
-            <a:prstGeom prst="rect">
-              <a:avLst/>
-            </a:prstGeom>
-            <a:noFill/>
-            <a:extLst>
-              <a:ext uri="{909E8E84-426E-40DD-AFC4-6F175D3DCCD1}">
-                <a14:hiddenFill xmlns:a14="http://schemas.microsoft.com/office/drawing/2010/main">
-                  <a:solidFill>
-                    <a:srgbClr val="FFFFFF"/>
-                  </a:solidFill>
-                </a14:hiddenFill>
-              </a:ext>
-            </a:extLst>
-          </p:spPr>
-        </p:pic>
-        <p:pic>
-          <p:nvPicPr>
-            <p:cNvPr id="78" name="Picture 2" descr="Image result for hummingbird silhouette">
-              <a:extLst>
-                <a:ext uri="{FF2B5EF4-FFF2-40B4-BE49-F238E27FC236}">
-                  <a16:creationId xmlns:a16="http://schemas.microsoft.com/office/drawing/2014/main" id="{FB0ADC6C-ED86-4344-A35D-0696CCBE6CA5}"/>
-                </a:ext>
-              </a:extLst>
-            </p:cNvPr>
-            <p:cNvPicPr>
-              <a:picLocks noChangeAspect="1" noChangeArrowheads="1"/>
-            </p:cNvPicPr>
-            <p:nvPr/>
-          </p:nvPicPr>
-          <p:blipFill>
-            <a:blip r:embed="rId7" cstate="print">
-              <a:extLst>
-                <a:ext uri="{28A0092B-C50C-407E-A947-70E740481C1C}">
-                  <a14:useLocalDpi xmlns:a14="http://schemas.microsoft.com/office/drawing/2010/main" val="0"/>
-                </a:ext>
-              </a:extLst>
-            </a:blip>
-            <a:srcRect/>
-            <a:stretch>
-              <a:fillRect/>
-            </a:stretch>
-          </p:blipFill>
-          <p:spPr bwMode="auto">
-            <a:xfrm>
-              <a:off x="23126746" y="8994270"/>
-              <a:ext cx="3776007" cy="2245095"/>
-            </a:xfrm>
-            <a:prstGeom prst="rect">
-              <a:avLst/>
-            </a:prstGeom>
-            <a:noFill/>
-            <a:extLst>
-              <a:ext uri="{909E8E84-426E-40DD-AFC4-6F175D3DCCD1}">
-                <a14:hiddenFill xmlns:a14="http://schemas.microsoft.com/office/drawing/2010/main">
-                  <a:solidFill>
-                    <a:srgbClr val="FFFFFF"/>
-                  </a:solidFill>
-                </a14:hiddenFill>
-              </a:ext>
-            </a:extLst>
-          </p:spPr>
-        </p:pic>
-        <p:pic>
-          <p:nvPicPr>
-            <p:cNvPr id="79" name="Picture 2" descr="Image result for hummingbird silhouette">
-              <a:extLst>
-                <a:ext uri="{FF2B5EF4-FFF2-40B4-BE49-F238E27FC236}">
-                  <a16:creationId xmlns:a16="http://schemas.microsoft.com/office/drawing/2014/main" id="{511F6452-572A-4300-A941-EE20ABCF10B8}"/>
-                </a:ext>
-              </a:extLst>
-            </p:cNvPr>
-            <p:cNvPicPr>
-              <a:picLocks noChangeAspect="1" noChangeArrowheads="1"/>
-            </p:cNvPicPr>
-            <p:nvPr/>
-          </p:nvPicPr>
-          <p:blipFill>
-            <a:blip r:embed="rId8" cstate="print">
-              <a:extLst>
-                <a:ext uri="{28A0092B-C50C-407E-A947-70E740481C1C}">
-                  <a14:useLocalDpi xmlns:a14="http://schemas.microsoft.com/office/drawing/2010/main" val="0"/>
-                </a:ext>
-              </a:extLst>
-            </a:blip>
-            <a:srcRect/>
-            <a:stretch>
-              <a:fillRect/>
-            </a:stretch>
-          </p:blipFill>
-          <p:spPr bwMode="auto">
-            <a:xfrm rot="20942693" flipH="1">
-              <a:off x="24912455" y="12753084"/>
-              <a:ext cx="3878302" cy="2245095"/>
-            </a:xfrm>
-            <a:prstGeom prst="rect">
-              <a:avLst/>
-            </a:prstGeom>
-            <a:noFill/>
-            <a:extLst>
-              <a:ext uri="{909E8E84-426E-40DD-AFC4-6F175D3DCCD1}">
-                <a14:hiddenFill xmlns:a14="http://schemas.microsoft.com/office/drawing/2010/main">
-                  <a:solidFill>
-                    <a:srgbClr val="FFFFFF"/>
-                  </a:solidFill>
-                </a14:hiddenFill>
-              </a:ext>
-            </a:extLst>
-          </p:spPr>
-        </p:pic>
-        <p:pic>
-          <p:nvPicPr>
-            <p:cNvPr id="80" name="Picture 2" descr="Image result for hummingbird silhouette">
-              <a:extLst>
-                <a:ext uri="{FF2B5EF4-FFF2-40B4-BE49-F238E27FC236}">
-                  <a16:creationId xmlns:a16="http://schemas.microsoft.com/office/drawing/2014/main" id="{F95424EE-BF9A-47B0-A8B3-9BA376D4A9BB}"/>
-                </a:ext>
-              </a:extLst>
-            </p:cNvPr>
-            <p:cNvPicPr>
-              <a:picLocks noChangeAspect="1" noChangeArrowheads="1"/>
-            </p:cNvPicPr>
-            <p:nvPr/>
-          </p:nvPicPr>
-          <p:blipFill>
-            <a:blip r:embed="rId9" cstate="print">
-              <a:extLst>
-                <a:ext uri="{28A0092B-C50C-407E-A947-70E740481C1C}">
-                  <a14:useLocalDpi xmlns:a14="http://schemas.microsoft.com/office/drawing/2010/main" val="0"/>
-                </a:ext>
-              </a:extLst>
-            </a:blip>
-            <a:srcRect/>
-            <a:stretch>
-              <a:fillRect/>
-            </a:stretch>
-          </p:blipFill>
-          <p:spPr bwMode="auto">
-            <a:xfrm rot="20985050">
-              <a:off x="38107277" y="17387396"/>
-              <a:ext cx="4058266" cy="2245095"/>
-            </a:xfrm>
-            <a:prstGeom prst="rect">
-              <a:avLst/>
-            </a:prstGeom>
-            <a:noFill/>
-            <a:extLst>
-              <a:ext uri="{909E8E84-426E-40DD-AFC4-6F175D3DCCD1}">
-                <a14:hiddenFill xmlns:a14="http://schemas.microsoft.com/office/drawing/2010/main">
-                  <a:solidFill>
-                    <a:srgbClr val="FFFFFF"/>
-                  </a:solidFill>
-                </a14:hiddenFill>
-              </a:ext>
-            </a:extLst>
-          </p:spPr>
-        </p:pic>
-        <p:pic>
-          <p:nvPicPr>
-            <p:cNvPr id="81" name="Picture 2" descr="Image result for hummingbird silhouette">
-              <a:extLst>
-                <a:ext uri="{FF2B5EF4-FFF2-40B4-BE49-F238E27FC236}">
-                  <a16:creationId xmlns:a16="http://schemas.microsoft.com/office/drawing/2014/main" id="{6B898C74-7611-4224-8CA4-08FFAE0863C5}"/>
-                </a:ext>
-              </a:extLst>
-            </p:cNvPr>
-            <p:cNvPicPr>
-              <a:picLocks noChangeAspect="1" noChangeArrowheads="1"/>
-            </p:cNvPicPr>
-            <p:nvPr/>
-          </p:nvPicPr>
-          <p:blipFill>
-            <a:blip r:embed="rId8" cstate="print">
-              <a:extLst>
-                <a:ext uri="{28A0092B-C50C-407E-A947-70E740481C1C}">
-                  <a14:useLocalDpi xmlns:a14="http://schemas.microsoft.com/office/drawing/2010/main" val="0"/>
-                </a:ext>
-              </a:extLst>
-            </a:blip>
-            <a:srcRect/>
-            <a:stretch>
-              <a:fillRect/>
-            </a:stretch>
-          </p:blipFill>
-          <p:spPr bwMode="auto">
-            <a:xfrm rot="873617" flipH="1">
-              <a:off x="32435513" y="18247369"/>
-              <a:ext cx="3878302" cy="2245095"/>
-            </a:xfrm>
-            <a:prstGeom prst="rect">
-              <a:avLst/>
-            </a:prstGeom>
-            <a:noFill/>
-            <a:extLst>
-              <a:ext uri="{909E8E84-426E-40DD-AFC4-6F175D3DCCD1}">
-                <a14:hiddenFill xmlns:a14="http://schemas.microsoft.com/office/drawing/2010/main">
-                  <a:solidFill>
-                    <a:srgbClr val="FFFFFF"/>
-                  </a:solidFill>
-                </a14:hiddenFill>
-              </a:ext>
-            </a:extLst>
-          </p:spPr>
-        </p:pic>
-        <p:pic>
-          <p:nvPicPr>
-            <p:cNvPr id="82" name="Picture 2" descr="Image result for hummingbird silhouette">
-              <a:extLst>
-                <a:ext uri="{FF2B5EF4-FFF2-40B4-BE49-F238E27FC236}">
-                  <a16:creationId xmlns:a16="http://schemas.microsoft.com/office/drawing/2014/main" id="{FF7CA620-5249-4576-9E6C-C5886309B5CB}"/>
-                </a:ext>
-              </a:extLst>
-            </p:cNvPr>
-            <p:cNvPicPr>
-              <a:picLocks noChangeAspect="1" noChangeArrowheads="1"/>
-            </p:cNvPicPr>
-            <p:nvPr/>
-          </p:nvPicPr>
-          <p:blipFill>
-            <a:blip r:embed="rId10" cstate="print">
-              <a:extLst>
-                <a:ext uri="{28A0092B-C50C-407E-A947-70E740481C1C}">
-                  <a14:useLocalDpi xmlns:a14="http://schemas.microsoft.com/office/drawing/2010/main" val="0"/>
-                </a:ext>
-              </a:extLst>
-            </a:blip>
-            <a:srcRect/>
-            <a:stretch>
-              <a:fillRect/>
-            </a:stretch>
-          </p:blipFill>
-          <p:spPr bwMode="auto">
-            <a:xfrm rot="19119069">
-              <a:off x="34905347" y="14574152"/>
-              <a:ext cx="3738524" cy="2245095"/>
-            </a:xfrm>
-            <a:prstGeom prst="rect">
-              <a:avLst/>
-            </a:prstGeom>
-            <a:noFill/>
-            <a:extLst>
-              <a:ext uri="{909E8E84-426E-40DD-AFC4-6F175D3DCCD1}">
-                <a14:hiddenFill xmlns:a14="http://schemas.microsoft.com/office/drawing/2010/main">
-                  <a:solidFill>
-                    <a:srgbClr val="FFFFFF"/>
-                  </a:solidFill>
-                </a14:hiddenFill>
-              </a:ext>
-            </a:extLst>
-          </p:spPr>
-        </p:pic>
-        <p:pic>
-          <p:nvPicPr>
-            <p:cNvPr id="83" name="Picture 2" descr="Image result for hummingbird silhouette">
-              <a:extLst>
-                <a:ext uri="{FF2B5EF4-FFF2-40B4-BE49-F238E27FC236}">
-                  <a16:creationId xmlns:a16="http://schemas.microsoft.com/office/drawing/2014/main" id="{EA7BA93A-BF87-403A-8319-6021BD41FA91}"/>
-                </a:ext>
-              </a:extLst>
-            </p:cNvPr>
-            <p:cNvPicPr>
-              <a:picLocks noChangeAspect="1" noChangeArrowheads="1"/>
-            </p:cNvPicPr>
-            <p:nvPr/>
-          </p:nvPicPr>
-          <p:blipFill>
-            <a:blip r:embed="rId8" cstate="print">
-              <a:extLst>
-                <a:ext uri="{28A0092B-C50C-407E-A947-70E740481C1C}">
-                  <a14:useLocalDpi xmlns:a14="http://schemas.microsoft.com/office/drawing/2010/main" val="0"/>
-                </a:ext>
-              </a:extLst>
-            </a:blip>
-            <a:srcRect/>
-            <a:stretch>
-              <a:fillRect/>
-            </a:stretch>
-          </p:blipFill>
-          <p:spPr bwMode="auto">
-            <a:xfrm rot="1143832" flipH="1">
-              <a:off x="5821394" y="17758037"/>
-              <a:ext cx="3878302" cy="2245095"/>
-            </a:xfrm>
-            <a:prstGeom prst="rect">
-              <a:avLst/>
-            </a:prstGeom>
-            <a:noFill/>
-            <a:extLst>
-              <a:ext uri="{909E8E84-426E-40DD-AFC4-6F175D3DCCD1}">
-                <a14:hiddenFill xmlns:a14="http://schemas.microsoft.com/office/drawing/2010/main">
-                  <a:solidFill>
-                    <a:srgbClr val="FFFFFF"/>
-                  </a:solidFill>
-                </a14:hiddenFill>
-              </a:ext>
-            </a:extLst>
-          </p:spPr>
-        </p:pic>
-      </p:grpSp>
       <p:sp>
         <p:nvSpPr>
           <p:cNvPr id="4" name="Title 3"/>
@@ -5547,7 +4686,7 @@
           <a:p>
             <a:r>
               <a:rPr lang="en-US" b="1" dirty="0"/>
-              <a:t>What measurable characteristics determine ecologically functional differences in three species of cacti?</a:t>
+              <a:t>What physiological characteristics determine ecologically functional differences in three species of cacti?</a:t>
             </a:r>
           </a:p>
         </p:txBody>
@@ -5685,7 +4824,7 @@
         </p:nvSpPr>
         <p:spPr>
           <a:xfrm>
-            <a:off x="1193470" y="29231234"/>
+            <a:off x="1193470" y="22326062"/>
             <a:ext cx="12801600" cy="2497147"/>
           </a:xfrm>
           <a:solidFill>
@@ -5717,7 +4856,15 @@
             </a:pPr>
             <a:r>
               <a:rPr lang="en-US" i="1" dirty="0"/>
-              <a:t>Different cactuses will have different sizes and health which impacts interactor visitation.</a:t>
+              <a:t>Different cactuses will have different sizes and health which will impact interactor visitation at different phenological </a:t>
+            </a:r>
+            <a:r>
+              <a:rPr lang="en-US" i="1" dirty="0" err="1"/>
+              <a:t>lifestages</a:t>
+            </a:r>
+            <a:r>
+              <a:rPr lang="en-US" i="1" dirty="0"/>
+              <a:t>.</a:t>
             </a:r>
           </a:p>
         </p:txBody>
@@ -5734,7 +4881,7 @@
         </p:nvSpPr>
         <p:spPr>
           <a:xfrm>
-            <a:off x="1193470" y="27805462"/>
+            <a:off x="1193470" y="20900290"/>
             <a:ext cx="12801600" cy="1219200"/>
           </a:xfrm>
         </p:spPr>
@@ -5892,7 +5039,7 @@
           <a:p>
             <a:r>
               <a:rPr lang="en-US" dirty="0"/>
-              <a:t>Conclusions/Future Research</a:t>
+              <a:t>Conclusions &amp; Future Research</a:t>
             </a:r>
           </a:p>
         </p:txBody>
@@ -6019,7 +5166,7 @@
             </a:r>
             <a:r>
               <a:rPr lang="en-US" sz="2200" dirty="0">
-                <a:hlinkClick r:id="rId11"/>
+                <a:hlinkClick r:id="rId3"/>
               </a:rPr>
               <a:t>10.1111/plb.12297</a:t>
             </a:r>
@@ -6071,7 +5218,7 @@
             </a:r>
             <a:r>
               <a:rPr lang="en-US" sz="2200" dirty="0">
-                <a:hlinkClick r:id="rId12"/>
+                <a:hlinkClick r:id="rId4"/>
               </a:rPr>
               <a:t>10.1080/0028825X.2004.9512892</a:t>
             </a:r>
@@ -6123,7 +5270,7 @@
             </a:r>
             <a:r>
               <a:rPr lang="en-US" sz="2200" dirty="0">
-                <a:hlinkClick r:id="rId13"/>
+                <a:hlinkClick r:id="rId5"/>
               </a:rPr>
               <a:t>10.1371/journal.pone.0044657</a:t>
             </a:r>
@@ -6233,7 +5380,7 @@
           <p:nvPr/>
         </p:nvPicPr>
         <p:blipFill>
-          <a:blip r:embed="rId14"/>
+          <a:blip r:embed="rId6"/>
           <a:stretch>
             <a:fillRect/>
           </a:stretch>
@@ -6263,7 +5410,7 @@
           <p:nvPr/>
         </p:nvPicPr>
         <p:blipFill>
-          <a:blip r:embed="rId14"/>
+          <a:blip r:embed="rId6"/>
           <a:stretch>
             <a:fillRect/>
           </a:stretch>
@@ -6293,7 +5440,7 @@
           <p:nvPr/>
         </p:nvPicPr>
         <p:blipFill>
-          <a:blip r:embed="rId14"/>
+          <a:blip r:embed="rId6"/>
           <a:stretch>
             <a:fillRect/>
           </a:stretch>
@@ -6323,7 +5470,7 @@
           <p:nvPr/>
         </p:nvPicPr>
         <p:blipFill>
-          <a:blip r:embed="rId14"/>
+          <a:blip r:embed="rId6"/>
           <a:stretch>
             <a:fillRect/>
           </a:stretch>
@@ -6353,7 +5500,7 @@
           <p:nvPr/>
         </p:nvPicPr>
         <p:blipFill>
-          <a:blip r:embed="rId14"/>
+          <a:blip r:embed="rId6"/>
           <a:stretch>
             <a:fillRect/>
           </a:stretch>
@@ -6383,7 +5530,7 @@
           <p:nvPr/>
         </p:nvPicPr>
         <p:blipFill>
-          <a:blip r:embed="rId14"/>
+          <a:blip r:embed="rId6"/>
           <a:stretch>
             <a:fillRect/>
           </a:stretch>
@@ -7263,7 +6410,7 @@
           </p:nvPr>
         </p:nvPicPr>
         <p:blipFill>
-          <a:blip r:embed="rId15" cstate="print">
+          <a:blip r:embed="rId7" cstate="print">
             <a:extLst>
               <a:ext uri="{28A0092B-C50C-407E-A947-70E740481C1C}">
                 <a14:useLocalDpi xmlns:a14="http://schemas.microsoft.com/office/drawing/2010/main" val="0"/>
@@ -7296,7 +6443,7 @@
         </p:nvSpPr>
         <p:spPr>
           <a:xfrm>
-            <a:off x="1309109" y="20179598"/>
+            <a:off x="1309109" y="19620798"/>
             <a:ext cx="14073738" cy="1200329"/>
           </a:xfrm>
           <a:prstGeom prst="rect">
@@ -7331,7 +6478,7 @@
         </p:nvGrpSpPr>
         <p:grpSpPr>
           <a:xfrm>
-            <a:off x="914983" y="15942433"/>
+            <a:off x="914983" y="15586833"/>
             <a:ext cx="13029617" cy="3954774"/>
             <a:chOff x="636797" y="13997983"/>
             <a:chExt cx="40777096" cy="12376742"/>
@@ -7352,7 +6499,7 @@
             <p:nvPr/>
           </p:nvPicPr>
           <p:blipFill rotWithShape="1">
-            <a:blip r:embed="rId3">
+            <a:blip r:embed="rId8">
               <a:extLst>
                 <a:ext uri="{28A0092B-C50C-407E-A947-70E740481C1C}">
                   <a14:useLocalDpi xmlns:a14="http://schemas.microsoft.com/office/drawing/2010/main" val="0"/>
@@ -7397,7 +6544,7 @@
             <p:nvPr/>
           </p:nvPicPr>
           <p:blipFill rotWithShape="1">
-            <a:blip r:embed="rId3">
+            <a:blip r:embed="rId8">
               <a:extLst>
                 <a:ext uri="{28A0092B-C50C-407E-A947-70E740481C1C}">
                   <a14:useLocalDpi xmlns:a14="http://schemas.microsoft.com/office/drawing/2010/main" val="0"/>
@@ -7442,7 +6589,7 @@
             <p:nvPr/>
           </p:nvPicPr>
           <p:blipFill rotWithShape="1">
-            <a:blip r:embed="rId3">
+            <a:blip r:embed="rId8">
               <a:extLst>
                 <a:ext uri="{28A0092B-C50C-407E-A947-70E740481C1C}">
                   <a14:useLocalDpi xmlns:a14="http://schemas.microsoft.com/office/drawing/2010/main" val="0"/>
@@ -7544,7 +6691,7 @@
             <p:nvPr/>
           </p:nvPicPr>
           <p:blipFill>
-            <a:blip r:embed="rId16" cstate="print">
+            <a:blip r:embed="rId9" cstate="print">
               <a:extLst>
                 <a:ext uri="{28A0092B-C50C-407E-A947-70E740481C1C}">
                   <a14:useLocalDpi xmlns:a14="http://schemas.microsoft.com/office/drawing/2010/main" val="0"/>
@@ -7591,7 +6738,7 @@
             <p:nvPr/>
           </p:nvPicPr>
           <p:blipFill>
-            <a:blip r:embed="rId17" cstate="print">
+            <a:blip r:embed="rId10" cstate="print">
               <a:extLst>
                 <a:ext uri="{28A0092B-C50C-407E-A947-70E740481C1C}">
                   <a14:useLocalDpi xmlns:a14="http://schemas.microsoft.com/office/drawing/2010/main" val="0"/>
@@ -7638,7 +6785,7 @@
             <p:nvPr/>
           </p:nvPicPr>
           <p:blipFill rotWithShape="1">
-            <a:blip r:embed="rId18" cstate="print">
+            <a:blip r:embed="rId11" cstate="print">
               <a:extLst>
                 <a:ext uri="{28A0092B-C50C-407E-A947-70E740481C1C}">
                   <a14:useLocalDpi xmlns:a14="http://schemas.microsoft.com/office/drawing/2010/main" val="0"/>
@@ -7683,7 +6830,7 @@
             <p:nvPr/>
           </p:nvPicPr>
           <p:blipFill>
-            <a:blip r:embed="rId19" cstate="print">
+            <a:blip r:embed="rId12" cstate="print">
               <a:extLst>
                 <a:ext uri="{28A0092B-C50C-407E-A947-70E740481C1C}">
                   <a14:useLocalDpi xmlns:a14="http://schemas.microsoft.com/office/drawing/2010/main" val="0"/>
@@ -7846,7 +6993,7 @@
             <p:nvPr/>
           </p:nvPicPr>
           <p:blipFill>
-            <a:blip r:embed="rId20" cstate="print">
+            <a:blip r:embed="rId13" cstate="print">
               <a:extLst>
                 <a:ext uri="{28A0092B-C50C-407E-A947-70E740481C1C}">
                   <a14:useLocalDpi xmlns:a14="http://schemas.microsoft.com/office/drawing/2010/main" val="0"/>
@@ -8121,7 +7268,7 @@
             <p:nvPr/>
           </p:nvPicPr>
           <p:blipFill>
-            <a:blip r:embed="rId21" cstate="print">
+            <a:blip r:embed="rId14" cstate="print">
               <a:extLst>
                 <a:ext uri="{28A0092B-C50C-407E-A947-70E740481C1C}">
                   <a14:useLocalDpi xmlns:a14="http://schemas.microsoft.com/office/drawing/2010/main" val="0"/>
@@ -8336,27 +7483,38 @@
         </p:nvSpPr>
         <p:spPr>
           <a:xfrm>
-            <a:off x="1102781" y="26723852"/>
-            <a:ext cx="12898083" cy="646331"/>
+            <a:off x="1097457" y="30742639"/>
+            <a:ext cx="13609145" cy="1200329"/>
           </a:xfrm>
           <a:prstGeom prst="rect">
             <a:avLst/>
           </a:prstGeom>
         </p:spPr>
         <p:txBody>
-          <a:bodyPr wrap="none">
+          <a:bodyPr wrap="square">
             <a:spAutoFit/>
           </a:bodyPr>
           <a:lstStyle/>
           <a:p>
             <a:r>
               <a:rPr lang="en-US" sz="3600" dirty="0"/>
-              <a:t>Figure 2: Nectarivores visit higher and showier floral displays.</a:t>
+              <a:t>Figure 2: Avian interactors visit higher and showier reproductive</a:t>
+            </a:r>
+          </a:p>
+          <a:p>
+            <a:r>
+              <a:rPr lang="en-US" sz="3600" dirty="0"/>
+              <a:t>displays.</a:t>
             </a:r>
             <a:r>
               <a:rPr lang="en-US" sz="3600" baseline="30000" dirty="0"/>
-              <a:t>7</a:t>
-            </a:r>
+              <a:t>7 </a:t>
+            </a:r>
+            <a:r>
+              <a:rPr lang="en-US" sz="3600" dirty="0"/>
+              <a:t>Do these characteristics differ between cactus species?</a:t>
+            </a:r>
+            <a:endParaRPr lang="en-US" sz="3600" baseline="30000" dirty="0"/>
           </a:p>
         </p:txBody>
       </p:sp>
@@ -8510,7 +7668,7 @@
               <p:nvPr/>
             </p:nvPicPr>
             <p:blipFill>
-              <a:blip r:embed="rId22"/>
+              <a:blip r:embed="rId15"/>
               <a:stretch>
                 <a:fillRect/>
               </a:stretch>
@@ -9381,7 +8539,7 @@
           <p:nvPr/>
         </p:nvPicPr>
         <p:blipFill>
-          <a:blip r:embed="rId23">
+          <a:blip r:embed="rId16">
             <a:extLst>
               <a:ext uri="{28A0092B-C50C-407E-A947-70E740481C1C}">
                 <a14:useLocalDpi xmlns:a14="http://schemas.microsoft.com/office/drawing/2010/main" val="0"/>
@@ -9428,7 +8586,7 @@
           <p:nvPr/>
         </p:nvPicPr>
         <p:blipFill>
-          <a:blip r:embed="rId24"/>
+          <a:blip r:embed="rId17"/>
           <a:stretch>
             <a:fillRect/>
           </a:stretch>
@@ -9499,7 +8657,7 @@
           <p:nvPr/>
         </p:nvPicPr>
         <p:blipFill rotWithShape="1">
-          <a:blip r:embed="rId25"/>
+          <a:blip r:embed="rId18"/>
           <a:srcRect l="1121" t="20620"/>
           <a:stretch/>
         </p:blipFill>
@@ -9601,7 +8759,7 @@
           <p:nvPr/>
         </p:nvPicPr>
         <p:blipFill>
-          <a:blip r:embed="rId26" cstate="print">
+          <a:blip r:embed="rId19" cstate="print">
             <a:extLst>
               <a:ext uri="{28A0092B-C50C-407E-A947-70E740481C1C}">
                 <a14:useLocalDpi xmlns:a14="http://schemas.microsoft.com/office/drawing/2010/main" val="0"/>
@@ -9622,6 +8780,1354 @@
           </a:prstGeom>
         </p:spPr>
       </p:pic>
+      <p:sp>
+        <p:nvSpPr>
+          <p:cNvPr id="3" name="TextBox 2">
+            <a:extLst>
+              <a:ext uri="{FF2B5EF4-FFF2-40B4-BE49-F238E27FC236}">
+                <a16:creationId xmlns:a16="http://schemas.microsoft.com/office/drawing/2014/main" id="{507C98D6-4E6E-4402-8BB9-51E6FA89B2FE}"/>
+              </a:ext>
+            </a:extLst>
+          </p:cNvPr>
+          <p:cNvSpPr txBox="1"/>
+          <p:nvPr/>
+        </p:nvSpPr>
+        <p:spPr>
+          <a:xfrm>
+            <a:off x="39573448" y="6936232"/>
+            <a:ext cx="3987552" cy="584775"/>
+          </a:xfrm>
+          <a:prstGeom prst="rect">
+            <a:avLst/>
+          </a:prstGeom>
+          <a:noFill/>
+        </p:spPr>
+        <p:txBody>
+          <a:bodyPr wrap="square" rtlCol="0">
+            <a:spAutoFit/>
+          </a:bodyPr>
+          <a:lstStyle/>
+          <a:p>
+            <a:r>
+              <a:rPr lang="en-US" sz="3200" dirty="0"/>
+              <a:t>www.ecoblender.org</a:t>
+            </a:r>
+          </a:p>
+        </p:txBody>
+      </p:sp>
+      <p:grpSp>
+        <p:nvGrpSpPr>
+          <p:cNvPr id="88" name="Group 87">
+            <a:extLst>
+              <a:ext uri="{FF2B5EF4-FFF2-40B4-BE49-F238E27FC236}">
+                <a16:creationId xmlns:a16="http://schemas.microsoft.com/office/drawing/2014/main" id="{7511E25C-C71C-42A8-B826-356B071A3C70}"/>
+              </a:ext>
+            </a:extLst>
+          </p:cNvPr>
+          <p:cNvGrpSpPr/>
+          <p:nvPr/>
+        </p:nvGrpSpPr>
+        <p:grpSpPr>
+          <a:xfrm>
+            <a:off x="1857896" y="24938033"/>
+            <a:ext cx="11254537" cy="5618923"/>
+            <a:chOff x="5822739" y="8345114"/>
+            <a:chExt cx="34920189" cy="17381258"/>
+          </a:xfrm>
+        </p:grpSpPr>
+        <p:grpSp>
+          <p:nvGrpSpPr>
+            <p:cNvPr id="89" name="Group 88">
+              <a:extLst>
+                <a:ext uri="{FF2B5EF4-FFF2-40B4-BE49-F238E27FC236}">
+                  <a16:creationId xmlns:a16="http://schemas.microsoft.com/office/drawing/2014/main" id="{247B5CA3-C4C4-4C44-9DFB-C540B077C4DE}"/>
+                </a:ext>
+              </a:extLst>
+            </p:cNvPr>
+            <p:cNvGrpSpPr/>
+            <p:nvPr/>
+          </p:nvGrpSpPr>
+          <p:grpSpPr>
+            <a:xfrm>
+              <a:off x="8598014" y="8345114"/>
+              <a:ext cx="32046824" cy="17136516"/>
+              <a:chOff x="8481181" y="8497514"/>
+              <a:chExt cx="32046824" cy="17136516"/>
+            </a:xfrm>
+          </p:grpSpPr>
+          <p:pic>
+            <p:nvPicPr>
+              <p:cNvPr id="99" name="Picture 4" descr="Image result for cactus silhouette">
+                <a:extLst>
+                  <a:ext uri="{FF2B5EF4-FFF2-40B4-BE49-F238E27FC236}">
+                    <a16:creationId xmlns:a16="http://schemas.microsoft.com/office/drawing/2014/main" id="{A0A204CE-5917-4D24-A4BB-2514DDA16A83}"/>
+                  </a:ext>
+                </a:extLst>
+              </p:cNvPr>
+              <p:cNvPicPr>
+                <a:picLocks noChangeAspect="1" noChangeArrowheads="1"/>
+              </p:cNvPicPr>
+              <p:nvPr/>
+            </p:nvPicPr>
+            <p:blipFill rotWithShape="1">
+              <a:blip r:embed="rId8">
+                <a:extLst>
+                  <a:ext uri="{28A0092B-C50C-407E-A947-70E740481C1C}">
+                    <a14:useLocalDpi xmlns:a14="http://schemas.microsoft.com/office/drawing/2010/main" val="0"/>
+                  </a:ext>
+                </a:extLst>
+              </a:blip>
+              <a:srcRect l="30084" r="26093"/>
+              <a:stretch/>
+            </p:blipFill>
+            <p:spPr bwMode="auto">
+              <a:xfrm flipH="1">
+                <a:off x="8481181" y="14472981"/>
+                <a:ext cx="7100107" cy="10782711"/>
+              </a:xfrm>
+              <a:prstGeom prst="rect">
+                <a:avLst/>
+              </a:prstGeom>
+              <a:noFill/>
+              <a:extLst>
+                <a:ext uri="{909E8E84-426E-40DD-AFC4-6F175D3DCCD1}">
+                  <a14:hiddenFill xmlns:a14="http://schemas.microsoft.com/office/drawing/2010/main">
+                    <a:solidFill>
+                      <a:srgbClr val="FFFFFF"/>
+                    </a:solidFill>
+                  </a14:hiddenFill>
+                </a:ext>
+              </a:extLst>
+            </p:spPr>
+          </p:pic>
+          <p:pic>
+            <p:nvPicPr>
+              <p:cNvPr id="100" name="Picture 4" descr="Image result for cactus silhouette">
+                <a:extLst>
+                  <a:ext uri="{FF2B5EF4-FFF2-40B4-BE49-F238E27FC236}">
+                    <a16:creationId xmlns:a16="http://schemas.microsoft.com/office/drawing/2014/main" id="{8F9A9DED-706E-4D8F-8ED6-928226E8EC17}"/>
+                  </a:ext>
+                </a:extLst>
+              </p:cNvPr>
+              <p:cNvPicPr>
+                <a:picLocks noChangeAspect="1" noChangeArrowheads="1"/>
+              </p:cNvPicPr>
+              <p:nvPr/>
+            </p:nvPicPr>
+            <p:blipFill rotWithShape="1">
+              <a:blip r:embed="rId8">
+                <a:extLst>
+                  <a:ext uri="{28A0092B-C50C-407E-A947-70E740481C1C}">
+                    <a14:useLocalDpi xmlns:a14="http://schemas.microsoft.com/office/drawing/2010/main" val="0"/>
+                  </a:ext>
+                </a:extLst>
+              </a:blip>
+              <a:srcRect l="30084" r="26093"/>
+              <a:stretch/>
+            </p:blipFill>
+            <p:spPr bwMode="auto">
+              <a:xfrm>
+                <a:off x="35241327" y="18476602"/>
+                <a:ext cx="4603688" cy="6600825"/>
+              </a:xfrm>
+              <a:prstGeom prst="rect">
+                <a:avLst/>
+              </a:prstGeom>
+              <a:noFill/>
+              <a:extLst>
+                <a:ext uri="{909E8E84-426E-40DD-AFC4-6F175D3DCCD1}">
+                  <a14:hiddenFill xmlns:a14="http://schemas.microsoft.com/office/drawing/2010/main">
+                    <a:solidFill>
+                      <a:srgbClr val="FFFFFF"/>
+                    </a:solidFill>
+                  </a14:hiddenFill>
+                </a:ext>
+              </a:extLst>
+            </p:spPr>
+          </p:pic>
+          <p:pic>
+            <p:nvPicPr>
+              <p:cNvPr id="101" name="Picture 4" descr="Image result for cactus silhouette">
+                <a:extLst>
+                  <a:ext uri="{FF2B5EF4-FFF2-40B4-BE49-F238E27FC236}">
+                    <a16:creationId xmlns:a16="http://schemas.microsoft.com/office/drawing/2014/main" id="{CB7DC79F-580F-45E0-87D3-7F29EBA6E434}"/>
+                  </a:ext>
+                </a:extLst>
+              </p:cNvPr>
+              <p:cNvPicPr>
+                <a:picLocks noChangeAspect="1" noChangeArrowheads="1"/>
+              </p:cNvPicPr>
+              <p:nvPr/>
+            </p:nvPicPr>
+            <p:blipFill rotWithShape="1">
+              <a:blip r:embed="rId8">
+                <a:extLst>
+                  <a:ext uri="{28A0092B-C50C-407E-A947-70E740481C1C}">
+                    <a14:useLocalDpi xmlns:a14="http://schemas.microsoft.com/office/drawing/2010/main" val="0"/>
+                  </a:ext>
+                </a:extLst>
+              </a:blip>
+              <a:srcRect l="30084" r="26093"/>
+              <a:stretch/>
+            </p:blipFill>
+            <p:spPr bwMode="auto">
+              <a:xfrm>
+                <a:off x="20992292" y="8846722"/>
+                <a:ext cx="8925729" cy="16787308"/>
+              </a:xfrm>
+              <a:prstGeom prst="rect">
+                <a:avLst/>
+              </a:prstGeom>
+              <a:noFill/>
+              <a:extLst>
+                <a:ext uri="{909E8E84-426E-40DD-AFC4-6F175D3DCCD1}">
+                  <a14:hiddenFill xmlns:a14="http://schemas.microsoft.com/office/drawing/2010/main">
+                    <a:solidFill>
+                      <a:srgbClr val="FFFFFF"/>
+                    </a:solidFill>
+                  </a14:hiddenFill>
+                </a:ext>
+              </a:extLst>
+            </p:spPr>
+          </p:pic>
+          <p:pic>
+            <p:nvPicPr>
+              <p:cNvPr id="102" name="Picture 12" descr="Image result for flower clipart">
+                <a:extLst>
+                  <a:ext uri="{FF2B5EF4-FFF2-40B4-BE49-F238E27FC236}">
+                    <a16:creationId xmlns:a16="http://schemas.microsoft.com/office/drawing/2014/main" id="{9290041F-D125-48B9-8BF0-9EC7B9594CC8}"/>
+                  </a:ext>
+                </a:extLst>
+              </p:cNvPr>
+              <p:cNvPicPr>
+                <a:picLocks noChangeAspect="1" noChangeArrowheads="1"/>
+              </p:cNvPicPr>
+              <p:nvPr/>
+            </p:nvPicPr>
+            <p:blipFill>
+              <a:blip r:embed="rId20" cstate="print">
+                <a:extLst>
+                  <a:ext uri="{28A0092B-C50C-407E-A947-70E740481C1C}">
+                    <a14:useLocalDpi xmlns:a14="http://schemas.microsoft.com/office/drawing/2010/main" val="0"/>
+                  </a:ext>
+                </a:extLst>
+              </a:blip>
+              <a:srcRect/>
+              <a:stretch>
+                <a:fillRect/>
+              </a:stretch>
+            </p:blipFill>
+            <p:spPr bwMode="auto">
+              <a:xfrm rot="1996164">
+                <a:off x="11786305" y="13769512"/>
+                <a:ext cx="2309058" cy="2288240"/>
+              </a:xfrm>
+              <a:prstGeom prst="rect">
+                <a:avLst/>
+              </a:prstGeom>
+              <a:noFill/>
+              <a:extLst>
+                <a:ext uri="{909E8E84-426E-40DD-AFC4-6F175D3DCCD1}">
+                  <a14:hiddenFill xmlns:a14="http://schemas.microsoft.com/office/drawing/2010/main">
+                    <a:solidFill>
+                      <a:srgbClr val="FFFFFF"/>
+                    </a:solidFill>
+                  </a14:hiddenFill>
+                </a:ext>
+              </a:extLst>
+            </p:spPr>
+          </p:pic>
+          <p:pic>
+            <p:nvPicPr>
+              <p:cNvPr id="103" name="Picture 12" descr="Image result for flower clipart">
+                <a:extLst>
+                  <a:ext uri="{FF2B5EF4-FFF2-40B4-BE49-F238E27FC236}">
+                    <a16:creationId xmlns:a16="http://schemas.microsoft.com/office/drawing/2014/main" id="{12349301-FA1C-4297-86D5-F59BBE4890F2}"/>
+                  </a:ext>
+                </a:extLst>
+              </p:cNvPr>
+              <p:cNvPicPr>
+                <a:picLocks noChangeAspect="1" noChangeArrowheads="1"/>
+              </p:cNvPicPr>
+              <p:nvPr/>
+            </p:nvPicPr>
+            <p:blipFill>
+              <a:blip r:embed="rId20" cstate="print">
+                <a:extLst>
+                  <a:ext uri="{28A0092B-C50C-407E-A947-70E740481C1C}">
+                    <a14:useLocalDpi xmlns:a14="http://schemas.microsoft.com/office/drawing/2010/main" val="0"/>
+                  </a:ext>
+                </a:extLst>
+              </a:blip>
+              <a:srcRect/>
+              <a:stretch>
+                <a:fillRect/>
+              </a:stretch>
+            </p:blipFill>
+            <p:spPr bwMode="auto">
+              <a:xfrm rot="2688639">
+                <a:off x="36764403" y="18957840"/>
+                <a:ext cx="2309057" cy="2288239"/>
+              </a:xfrm>
+              <a:prstGeom prst="rect">
+                <a:avLst/>
+              </a:prstGeom>
+              <a:noFill/>
+              <a:extLst>
+                <a:ext uri="{909E8E84-426E-40DD-AFC4-6F175D3DCCD1}">
+                  <a14:hiddenFill xmlns:a14="http://schemas.microsoft.com/office/drawing/2010/main">
+                    <a:solidFill>
+                      <a:srgbClr val="FFFFFF"/>
+                    </a:solidFill>
+                  </a14:hiddenFill>
+                </a:ext>
+              </a:extLst>
+            </p:spPr>
+          </p:pic>
+          <p:pic>
+            <p:nvPicPr>
+              <p:cNvPr id="104" name="Picture 12" descr="Image result for flower clipart">
+                <a:extLst>
+                  <a:ext uri="{FF2B5EF4-FFF2-40B4-BE49-F238E27FC236}">
+                    <a16:creationId xmlns:a16="http://schemas.microsoft.com/office/drawing/2014/main" id="{451E6C47-591E-4023-BB23-82B98D0FB081}"/>
+                  </a:ext>
+                </a:extLst>
+              </p:cNvPr>
+              <p:cNvPicPr>
+                <a:picLocks noChangeAspect="1" noChangeArrowheads="1"/>
+              </p:cNvPicPr>
+              <p:nvPr/>
+            </p:nvPicPr>
+            <p:blipFill>
+              <a:blip r:embed="rId20" cstate="print">
+                <a:extLst>
+                  <a:ext uri="{28A0092B-C50C-407E-A947-70E740481C1C}">
+                    <a14:useLocalDpi xmlns:a14="http://schemas.microsoft.com/office/drawing/2010/main" val="0"/>
+                  </a:ext>
+                </a:extLst>
+              </a:blip>
+              <a:srcRect/>
+              <a:stretch>
+                <a:fillRect/>
+              </a:stretch>
+            </p:blipFill>
+            <p:spPr bwMode="auto">
+              <a:xfrm rot="1996164">
+                <a:off x="22106129" y="9292546"/>
+                <a:ext cx="2309058" cy="2288240"/>
+              </a:xfrm>
+              <a:prstGeom prst="rect">
+                <a:avLst/>
+              </a:prstGeom>
+              <a:noFill/>
+              <a:extLst>
+                <a:ext uri="{909E8E84-426E-40DD-AFC4-6F175D3DCCD1}">
+                  <a14:hiddenFill xmlns:a14="http://schemas.microsoft.com/office/drawing/2010/main">
+                    <a:solidFill>
+                      <a:srgbClr val="FFFFFF"/>
+                    </a:solidFill>
+                  </a14:hiddenFill>
+                </a:ext>
+              </a:extLst>
+            </p:spPr>
+          </p:pic>
+          <p:pic>
+            <p:nvPicPr>
+              <p:cNvPr id="105" name="Picture 12" descr="Image result for flower clipart">
+                <a:extLst>
+                  <a:ext uri="{FF2B5EF4-FFF2-40B4-BE49-F238E27FC236}">
+                    <a16:creationId xmlns:a16="http://schemas.microsoft.com/office/drawing/2014/main" id="{6D6A958D-ABEE-45A7-A7A8-83D95C16F093}"/>
+                  </a:ext>
+                </a:extLst>
+              </p:cNvPr>
+              <p:cNvPicPr>
+                <a:picLocks noChangeAspect="1" noChangeArrowheads="1"/>
+              </p:cNvPicPr>
+              <p:nvPr/>
+            </p:nvPicPr>
+            <p:blipFill>
+              <a:blip r:embed="rId21" cstate="print">
+                <a:extLst>
+                  <a:ext uri="{28A0092B-C50C-407E-A947-70E740481C1C}">
+                    <a14:useLocalDpi xmlns:a14="http://schemas.microsoft.com/office/drawing/2010/main" val="0"/>
+                  </a:ext>
+                </a:extLst>
+              </a:blip>
+              <a:srcRect/>
+              <a:stretch>
+                <a:fillRect/>
+              </a:stretch>
+            </p:blipFill>
+            <p:spPr bwMode="auto">
+              <a:xfrm rot="16973761">
+                <a:off x="36034342" y="17367892"/>
+                <a:ext cx="2309058" cy="2288240"/>
+              </a:xfrm>
+              <a:prstGeom prst="rect">
+                <a:avLst/>
+              </a:prstGeom>
+              <a:noFill/>
+              <a:extLst>
+                <a:ext uri="{909E8E84-426E-40DD-AFC4-6F175D3DCCD1}">
+                  <a14:hiddenFill xmlns:a14="http://schemas.microsoft.com/office/drawing/2010/main">
+                    <a:solidFill>
+                      <a:srgbClr val="FFFFFF"/>
+                    </a:solidFill>
+                  </a14:hiddenFill>
+                </a:ext>
+              </a:extLst>
+            </p:spPr>
+          </p:pic>
+          <p:pic>
+            <p:nvPicPr>
+              <p:cNvPr id="106" name="Picture 12" descr="Image result for flower clipart">
+                <a:extLst>
+                  <a:ext uri="{FF2B5EF4-FFF2-40B4-BE49-F238E27FC236}">
+                    <a16:creationId xmlns:a16="http://schemas.microsoft.com/office/drawing/2014/main" id="{A7726C34-6F17-48B5-AD1E-90AA32CD9FFA}"/>
+                  </a:ext>
+                </a:extLst>
+              </p:cNvPr>
+              <p:cNvPicPr>
+                <a:picLocks noChangeAspect="1" noChangeArrowheads="1"/>
+              </p:cNvPicPr>
+              <p:nvPr/>
+            </p:nvPicPr>
+            <p:blipFill>
+              <a:blip r:embed="rId20" cstate="print">
+                <a:extLst>
+                  <a:ext uri="{28A0092B-C50C-407E-A947-70E740481C1C}">
+                    <a14:useLocalDpi xmlns:a14="http://schemas.microsoft.com/office/drawing/2010/main" val="0"/>
+                  </a:ext>
+                </a:extLst>
+              </a:blip>
+              <a:srcRect/>
+              <a:stretch>
+                <a:fillRect/>
+              </a:stretch>
+            </p:blipFill>
+            <p:spPr bwMode="auto">
+              <a:xfrm rot="1320354">
+                <a:off x="34363585" y="19380253"/>
+                <a:ext cx="2309058" cy="2288240"/>
+              </a:xfrm>
+              <a:prstGeom prst="rect">
+                <a:avLst/>
+              </a:prstGeom>
+              <a:noFill/>
+              <a:extLst>
+                <a:ext uri="{909E8E84-426E-40DD-AFC4-6F175D3DCCD1}">
+                  <a14:hiddenFill xmlns:a14="http://schemas.microsoft.com/office/drawing/2010/main">
+                    <a:solidFill>
+                      <a:srgbClr val="FFFFFF"/>
+                    </a:solidFill>
+                  </a14:hiddenFill>
+                </a:ext>
+              </a:extLst>
+            </p:spPr>
+          </p:pic>
+          <p:pic>
+            <p:nvPicPr>
+              <p:cNvPr id="107" name="Picture 12" descr="Image result for flower clipart">
+                <a:extLst>
+                  <a:ext uri="{FF2B5EF4-FFF2-40B4-BE49-F238E27FC236}">
+                    <a16:creationId xmlns:a16="http://schemas.microsoft.com/office/drawing/2014/main" id="{0ACB90BA-887C-45E2-8939-B21DE8E06799}"/>
+                  </a:ext>
+                </a:extLst>
+              </p:cNvPr>
+              <p:cNvPicPr>
+                <a:picLocks noChangeAspect="1" noChangeArrowheads="1"/>
+              </p:cNvPicPr>
+              <p:nvPr/>
+            </p:nvPicPr>
+            <p:blipFill>
+              <a:blip r:embed="rId20" cstate="print">
+                <a:extLst>
+                  <a:ext uri="{28A0092B-C50C-407E-A947-70E740481C1C}">
+                    <a14:useLocalDpi xmlns:a14="http://schemas.microsoft.com/office/drawing/2010/main" val="0"/>
+                  </a:ext>
+                </a:extLst>
+              </a:blip>
+              <a:srcRect/>
+              <a:stretch>
+                <a:fillRect/>
+              </a:stretch>
+            </p:blipFill>
+            <p:spPr bwMode="auto">
+              <a:xfrm rot="388776">
+                <a:off x="34496403" y="17423373"/>
+                <a:ext cx="2309058" cy="2288240"/>
+              </a:xfrm>
+              <a:prstGeom prst="rect">
+                <a:avLst/>
+              </a:prstGeom>
+              <a:noFill/>
+              <a:extLst>
+                <a:ext uri="{909E8E84-426E-40DD-AFC4-6F175D3DCCD1}">
+                  <a14:hiddenFill xmlns:a14="http://schemas.microsoft.com/office/drawing/2010/main">
+                    <a:solidFill>
+                      <a:srgbClr val="FFFFFF"/>
+                    </a:solidFill>
+                  </a14:hiddenFill>
+                </a:ext>
+              </a:extLst>
+            </p:spPr>
+          </p:pic>
+          <p:pic>
+            <p:nvPicPr>
+              <p:cNvPr id="108" name="Picture 12" descr="Image result for flower clipart">
+                <a:extLst>
+                  <a:ext uri="{FF2B5EF4-FFF2-40B4-BE49-F238E27FC236}">
+                    <a16:creationId xmlns:a16="http://schemas.microsoft.com/office/drawing/2014/main" id="{CD667C9E-32B6-4FEC-BDAF-C445D50FB4EA}"/>
+                  </a:ext>
+                </a:extLst>
+              </p:cNvPr>
+              <p:cNvPicPr>
+                <a:picLocks noChangeAspect="1" noChangeArrowheads="1"/>
+              </p:cNvPicPr>
+              <p:nvPr/>
+            </p:nvPicPr>
+            <p:blipFill>
+              <a:blip r:embed="rId20" cstate="print">
+                <a:extLst>
+                  <a:ext uri="{28A0092B-C50C-407E-A947-70E740481C1C}">
+                    <a14:useLocalDpi xmlns:a14="http://schemas.microsoft.com/office/drawing/2010/main" val="0"/>
+                  </a:ext>
+                </a:extLst>
+              </a:blip>
+              <a:srcRect/>
+              <a:stretch>
+                <a:fillRect/>
+              </a:stretch>
+            </p:blipFill>
+            <p:spPr bwMode="auto">
+              <a:xfrm rot="21203234">
+                <a:off x="38218947" y="19927917"/>
+                <a:ext cx="2309058" cy="2288240"/>
+              </a:xfrm>
+              <a:prstGeom prst="rect">
+                <a:avLst/>
+              </a:prstGeom>
+              <a:noFill/>
+              <a:extLst>
+                <a:ext uri="{909E8E84-426E-40DD-AFC4-6F175D3DCCD1}">
+                  <a14:hiddenFill xmlns:a14="http://schemas.microsoft.com/office/drawing/2010/main">
+                    <a:solidFill>
+                      <a:srgbClr val="FFFFFF"/>
+                    </a:solidFill>
+                  </a14:hiddenFill>
+                </a:ext>
+              </a:extLst>
+            </p:spPr>
+          </p:pic>
+          <p:pic>
+            <p:nvPicPr>
+              <p:cNvPr id="109" name="Picture 2" descr="Image result for hummingbird silhouette">
+                <a:extLst>
+                  <a:ext uri="{FF2B5EF4-FFF2-40B4-BE49-F238E27FC236}">
+                    <a16:creationId xmlns:a16="http://schemas.microsoft.com/office/drawing/2014/main" id="{01D7DFDF-3135-4A1C-AD49-C71748472034}"/>
+                  </a:ext>
+                </a:extLst>
+              </p:cNvPr>
+              <p:cNvPicPr>
+                <a:picLocks noChangeAspect="1" noChangeArrowheads="1"/>
+              </p:cNvPicPr>
+              <p:nvPr/>
+            </p:nvPicPr>
+            <p:blipFill>
+              <a:blip r:embed="rId22" cstate="print">
+                <a:extLst>
+                  <a:ext uri="{28A0092B-C50C-407E-A947-70E740481C1C}">
+                    <a14:useLocalDpi xmlns:a14="http://schemas.microsoft.com/office/drawing/2010/main" val="0"/>
+                  </a:ext>
+                </a:extLst>
+              </a:blip>
+              <a:srcRect/>
+              <a:stretch>
+                <a:fillRect/>
+              </a:stretch>
+            </p:blipFill>
+            <p:spPr bwMode="auto">
+              <a:xfrm rot="2792186" flipH="1">
+                <a:off x="17857762" y="9314117"/>
+                <a:ext cx="3878302" cy="2245095"/>
+              </a:xfrm>
+              <a:prstGeom prst="rect">
+                <a:avLst/>
+              </a:prstGeom>
+              <a:noFill/>
+              <a:extLst>
+                <a:ext uri="{909E8E84-426E-40DD-AFC4-6F175D3DCCD1}">
+                  <a14:hiddenFill xmlns:a14="http://schemas.microsoft.com/office/drawing/2010/main">
+                    <a:solidFill>
+                      <a:srgbClr val="FFFFFF"/>
+                    </a:solidFill>
+                  </a14:hiddenFill>
+                </a:ext>
+              </a:extLst>
+            </p:spPr>
+          </p:pic>
+          <p:pic>
+            <p:nvPicPr>
+              <p:cNvPr id="110" name="Picture 2" descr="Image result for hummingbird silhouette">
+                <a:extLst>
+                  <a:ext uri="{FF2B5EF4-FFF2-40B4-BE49-F238E27FC236}">
+                    <a16:creationId xmlns:a16="http://schemas.microsoft.com/office/drawing/2014/main" id="{FF818322-B9B0-4D9B-95DC-C989F40BE7B7}"/>
+                  </a:ext>
+                </a:extLst>
+              </p:cNvPr>
+              <p:cNvPicPr>
+                <a:picLocks noChangeAspect="1" noChangeArrowheads="1"/>
+              </p:cNvPicPr>
+              <p:nvPr/>
+            </p:nvPicPr>
+            <p:blipFill>
+              <a:blip r:embed="rId22" cstate="print">
+                <a:extLst>
+                  <a:ext uri="{28A0092B-C50C-407E-A947-70E740481C1C}">
+                    <a14:useLocalDpi xmlns:a14="http://schemas.microsoft.com/office/drawing/2010/main" val="0"/>
+                  </a:ext>
+                </a:extLst>
+              </a:blip>
+              <a:srcRect/>
+              <a:stretch>
+                <a:fillRect/>
+              </a:stretch>
+            </p:blipFill>
+            <p:spPr bwMode="auto">
+              <a:xfrm rot="873617" flipH="1">
+                <a:off x="32435513" y="18247369"/>
+                <a:ext cx="3878302" cy="2245095"/>
+              </a:xfrm>
+              <a:prstGeom prst="rect">
+                <a:avLst/>
+              </a:prstGeom>
+              <a:noFill/>
+              <a:extLst>
+                <a:ext uri="{909E8E84-426E-40DD-AFC4-6F175D3DCCD1}">
+                  <a14:hiddenFill xmlns:a14="http://schemas.microsoft.com/office/drawing/2010/main">
+                    <a:solidFill>
+                      <a:srgbClr val="FFFFFF"/>
+                    </a:solidFill>
+                  </a14:hiddenFill>
+                </a:ext>
+              </a:extLst>
+            </p:spPr>
+          </p:pic>
+          <p:pic>
+            <p:nvPicPr>
+              <p:cNvPr id="111" name="Picture 2" descr="Image result for hummingbird silhouette">
+                <a:extLst>
+                  <a:ext uri="{FF2B5EF4-FFF2-40B4-BE49-F238E27FC236}">
+                    <a16:creationId xmlns:a16="http://schemas.microsoft.com/office/drawing/2014/main" id="{98E9CE3C-F50D-49C9-909B-8C92B0EEAD07}"/>
+                  </a:ext>
+                </a:extLst>
+              </p:cNvPr>
+              <p:cNvPicPr>
+                <a:picLocks noChangeAspect="1" noChangeArrowheads="1"/>
+              </p:cNvPicPr>
+              <p:nvPr/>
+            </p:nvPicPr>
+            <p:blipFill>
+              <a:blip r:embed="rId22" cstate="print">
+                <a:extLst>
+                  <a:ext uri="{28A0092B-C50C-407E-A947-70E740481C1C}">
+                    <a14:useLocalDpi xmlns:a14="http://schemas.microsoft.com/office/drawing/2010/main" val="0"/>
+                  </a:ext>
+                </a:extLst>
+              </a:blip>
+              <a:srcRect/>
+              <a:stretch>
+                <a:fillRect/>
+              </a:stretch>
+            </p:blipFill>
+            <p:spPr bwMode="auto">
+              <a:xfrm rot="1143832" flipH="1">
+                <a:off x="9081570" y="14624156"/>
+                <a:ext cx="3878302" cy="2245095"/>
+              </a:xfrm>
+              <a:prstGeom prst="rect">
+                <a:avLst/>
+              </a:prstGeom>
+              <a:noFill/>
+              <a:extLst>
+                <a:ext uri="{909E8E84-426E-40DD-AFC4-6F175D3DCCD1}">
+                  <a14:hiddenFill xmlns:a14="http://schemas.microsoft.com/office/drawing/2010/main">
+                    <a:solidFill>
+                      <a:srgbClr val="FFFFFF"/>
+                    </a:solidFill>
+                  </a14:hiddenFill>
+                </a:ext>
+              </a:extLst>
+            </p:spPr>
+          </p:pic>
+        </p:grpSp>
+        <p:pic>
+          <p:nvPicPr>
+            <p:cNvPr id="91" name="Picture 12" descr="Image result for flower clipart">
+              <a:extLst>
+                <a:ext uri="{FF2B5EF4-FFF2-40B4-BE49-F238E27FC236}">
+                  <a16:creationId xmlns:a16="http://schemas.microsoft.com/office/drawing/2014/main" id="{0745D2A9-CC09-42BF-9E7D-DF3589F278E8}"/>
+                </a:ext>
+              </a:extLst>
+            </p:cNvPr>
+            <p:cNvPicPr>
+              <a:picLocks noChangeAspect="1" noChangeArrowheads="1"/>
+            </p:cNvPicPr>
+            <p:nvPr/>
+          </p:nvPicPr>
+          <p:blipFill>
+            <a:blip r:embed="rId20" cstate="print">
+              <a:extLst>
+                <a:ext uri="{28A0092B-C50C-407E-A947-70E740481C1C}">
+                  <a14:useLocalDpi xmlns:a14="http://schemas.microsoft.com/office/drawing/2010/main" val="0"/>
+                </a:ext>
+              </a:extLst>
+            </a:blip>
+            <a:srcRect/>
+            <a:stretch>
+              <a:fillRect/>
+            </a:stretch>
+          </p:blipFill>
+          <p:spPr bwMode="auto">
+            <a:xfrm rot="1996164">
+              <a:off x="14281466" y="15207059"/>
+              <a:ext cx="2309058" cy="2288240"/>
+            </a:xfrm>
+            <a:prstGeom prst="rect">
+              <a:avLst/>
+            </a:prstGeom>
+            <a:noFill/>
+            <a:extLst>
+              <a:ext uri="{909E8E84-426E-40DD-AFC4-6F175D3DCCD1}">
+                <a14:hiddenFill xmlns:a14="http://schemas.microsoft.com/office/drawing/2010/main">
+                  <a:solidFill>
+                    <a:srgbClr val="FFFFFF"/>
+                  </a:solidFill>
+                </a14:hiddenFill>
+              </a:ext>
+            </a:extLst>
+          </p:spPr>
+        </p:pic>
+        <p:pic>
+          <p:nvPicPr>
+            <p:cNvPr id="92" name="Picture 12" descr="Image result for flower clipart">
+              <a:extLst>
+                <a:ext uri="{FF2B5EF4-FFF2-40B4-BE49-F238E27FC236}">
+                  <a16:creationId xmlns:a16="http://schemas.microsoft.com/office/drawing/2014/main" id="{F72761F0-4832-469C-BD14-31EE9F16CA1D}"/>
+                </a:ext>
+              </a:extLst>
+            </p:cNvPr>
+            <p:cNvPicPr>
+              <a:picLocks noChangeAspect="1" noChangeArrowheads="1"/>
+            </p:cNvPicPr>
+            <p:nvPr/>
+          </p:nvPicPr>
+          <p:blipFill>
+            <a:blip r:embed="rId20" cstate="print">
+              <a:extLst>
+                <a:ext uri="{28A0092B-C50C-407E-A947-70E740481C1C}">
+                  <a14:useLocalDpi xmlns:a14="http://schemas.microsoft.com/office/drawing/2010/main" val="0"/>
+                </a:ext>
+              </a:extLst>
+            </a:blip>
+            <a:srcRect/>
+            <a:stretch>
+              <a:fillRect/>
+            </a:stretch>
+          </p:blipFill>
+          <p:spPr bwMode="auto">
+            <a:xfrm rot="1996164">
+              <a:off x="10790576" y="15833426"/>
+              <a:ext cx="2309058" cy="2288240"/>
+            </a:xfrm>
+            <a:prstGeom prst="rect">
+              <a:avLst/>
+            </a:prstGeom>
+            <a:noFill/>
+            <a:extLst>
+              <a:ext uri="{909E8E84-426E-40DD-AFC4-6F175D3DCCD1}">
+                <a14:hiddenFill xmlns:a14="http://schemas.microsoft.com/office/drawing/2010/main">
+                  <a:solidFill>
+                    <a:srgbClr val="FFFFFF"/>
+                  </a:solidFill>
+                </a14:hiddenFill>
+              </a:ext>
+            </a:extLst>
+          </p:spPr>
+        </p:pic>
+        <p:pic>
+          <p:nvPicPr>
+            <p:cNvPr id="93" name="Picture 12" descr="Image result for flower clipart">
+              <a:extLst>
+                <a:ext uri="{FF2B5EF4-FFF2-40B4-BE49-F238E27FC236}">
+                  <a16:creationId xmlns:a16="http://schemas.microsoft.com/office/drawing/2014/main" id="{FCFBC954-1C60-4207-A844-31879D7BE7DC}"/>
+                </a:ext>
+              </a:extLst>
+            </p:cNvPr>
+            <p:cNvPicPr>
+              <a:picLocks noChangeAspect="1" noChangeArrowheads="1"/>
+            </p:cNvPicPr>
+            <p:nvPr/>
+          </p:nvPicPr>
+          <p:blipFill>
+            <a:blip r:embed="rId20" cstate="print">
+              <a:extLst>
+                <a:ext uri="{28A0092B-C50C-407E-A947-70E740481C1C}">
+                  <a14:useLocalDpi xmlns:a14="http://schemas.microsoft.com/office/drawing/2010/main" val="0"/>
+                </a:ext>
+              </a:extLst>
+            </a:blip>
+            <a:srcRect/>
+            <a:stretch>
+              <a:fillRect/>
+            </a:stretch>
+          </p:blipFill>
+          <p:spPr bwMode="auto">
+            <a:xfrm rot="369037">
+              <a:off x="33733102" y="21202404"/>
+              <a:ext cx="2309060" cy="2288239"/>
+            </a:xfrm>
+            <a:prstGeom prst="rect">
+              <a:avLst/>
+            </a:prstGeom>
+            <a:noFill/>
+            <a:extLst>
+              <a:ext uri="{909E8E84-426E-40DD-AFC4-6F175D3DCCD1}">
+                <a14:hiddenFill xmlns:a14="http://schemas.microsoft.com/office/drawing/2010/main">
+                  <a:solidFill>
+                    <a:srgbClr val="FFFFFF"/>
+                  </a:solidFill>
+                </a14:hiddenFill>
+              </a:ext>
+            </a:extLst>
+          </p:spPr>
+        </p:pic>
+        <p:pic>
+          <p:nvPicPr>
+            <p:cNvPr id="94" name="Picture 12" descr="Image result for flower clipart">
+              <a:extLst>
+                <a:ext uri="{FF2B5EF4-FFF2-40B4-BE49-F238E27FC236}">
+                  <a16:creationId xmlns:a16="http://schemas.microsoft.com/office/drawing/2014/main" id="{670CEBD9-C603-44E2-9E52-AC3740A34EE5}"/>
+                </a:ext>
+              </a:extLst>
+            </p:cNvPr>
+            <p:cNvPicPr>
+              <a:picLocks noChangeAspect="1" noChangeArrowheads="1"/>
+            </p:cNvPicPr>
+            <p:nvPr/>
+          </p:nvPicPr>
+          <p:blipFill>
+            <a:blip r:embed="rId20" cstate="print">
+              <a:extLst>
+                <a:ext uri="{28A0092B-C50C-407E-A947-70E740481C1C}">
+                  <a14:useLocalDpi xmlns:a14="http://schemas.microsoft.com/office/drawing/2010/main" val="0"/>
+                </a:ext>
+              </a:extLst>
+            </a:blip>
+            <a:srcRect/>
+            <a:stretch>
+              <a:fillRect/>
+            </a:stretch>
+          </p:blipFill>
+          <p:spPr bwMode="auto">
+            <a:xfrm rot="3849515">
+              <a:off x="38444300" y="21926436"/>
+              <a:ext cx="2302048" cy="2295209"/>
+            </a:xfrm>
+            <a:prstGeom prst="rect">
+              <a:avLst/>
+            </a:prstGeom>
+            <a:noFill/>
+            <a:extLst>
+              <a:ext uri="{909E8E84-426E-40DD-AFC4-6F175D3DCCD1}">
+                <a14:hiddenFill xmlns:a14="http://schemas.microsoft.com/office/drawing/2010/main">
+                  <a:solidFill>
+                    <a:srgbClr val="FFFFFF"/>
+                  </a:solidFill>
+                </a14:hiddenFill>
+              </a:ext>
+            </a:extLst>
+          </p:spPr>
+        </p:pic>
+        <p:pic>
+          <p:nvPicPr>
+            <p:cNvPr id="95" name="Picture 12" descr="Image result for flower clipart">
+              <a:extLst>
+                <a:ext uri="{FF2B5EF4-FFF2-40B4-BE49-F238E27FC236}">
+                  <a16:creationId xmlns:a16="http://schemas.microsoft.com/office/drawing/2014/main" id="{DA16D2A7-E3F4-469B-9711-9A9F9ACCEBB0}"/>
+                </a:ext>
+              </a:extLst>
+            </p:cNvPr>
+            <p:cNvPicPr>
+              <a:picLocks noChangeAspect="1" noChangeArrowheads="1"/>
+            </p:cNvPicPr>
+            <p:nvPr/>
+          </p:nvPicPr>
+          <p:blipFill>
+            <a:blip r:embed="rId20" cstate="print">
+              <a:extLst>
+                <a:ext uri="{28A0092B-C50C-407E-A947-70E740481C1C}">
+                  <a14:useLocalDpi xmlns:a14="http://schemas.microsoft.com/office/drawing/2010/main" val="0"/>
+                </a:ext>
+              </a:extLst>
+            </a:blip>
+            <a:srcRect/>
+            <a:stretch>
+              <a:fillRect/>
+            </a:stretch>
+          </p:blipFill>
+          <p:spPr bwMode="auto">
+            <a:xfrm rot="1996164">
+              <a:off x="8476999" y="17734481"/>
+              <a:ext cx="2309058" cy="2288240"/>
+            </a:xfrm>
+            <a:prstGeom prst="rect">
+              <a:avLst/>
+            </a:prstGeom>
+            <a:noFill/>
+            <a:extLst>
+              <a:ext uri="{909E8E84-426E-40DD-AFC4-6F175D3DCCD1}">
+                <a14:hiddenFill xmlns:a14="http://schemas.microsoft.com/office/drawing/2010/main">
+                  <a:solidFill>
+                    <a:srgbClr val="FFFFFF"/>
+                  </a:solidFill>
+                </a14:hiddenFill>
+              </a:ext>
+            </a:extLst>
+          </p:spPr>
+        </p:pic>
+        <p:pic>
+          <p:nvPicPr>
+            <p:cNvPr id="96" name="Picture 2" descr="Image result for hummingbird silhouette">
+              <a:extLst>
+                <a:ext uri="{FF2B5EF4-FFF2-40B4-BE49-F238E27FC236}">
+                  <a16:creationId xmlns:a16="http://schemas.microsoft.com/office/drawing/2014/main" id="{DA02A9ED-9296-454A-B20F-3A0E2CBDD7F1}"/>
+                </a:ext>
+              </a:extLst>
+            </p:cNvPr>
+            <p:cNvPicPr>
+              <a:picLocks noChangeAspect="1" noChangeArrowheads="1"/>
+            </p:cNvPicPr>
+            <p:nvPr/>
+          </p:nvPicPr>
+          <p:blipFill>
+            <a:blip r:embed="rId22" cstate="print">
+              <a:extLst>
+                <a:ext uri="{28A0092B-C50C-407E-A947-70E740481C1C}">
+                  <a14:useLocalDpi xmlns:a14="http://schemas.microsoft.com/office/drawing/2010/main" val="0"/>
+                </a:ext>
+              </a:extLst>
+            </a:blip>
+            <a:srcRect/>
+            <a:stretch>
+              <a:fillRect/>
+            </a:stretch>
+          </p:blipFill>
+          <p:spPr bwMode="auto">
+            <a:xfrm rot="21445809" flipH="1">
+              <a:off x="5908550" y="18483479"/>
+              <a:ext cx="3878302" cy="2245095"/>
+            </a:xfrm>
+            <a:prstGeom prst="rect">
+              <a:avLst/>
+            </a:prstGeom>
+            <a:noFill/>
+            <a:extLst>
+              <a:ext uri="{909E8E84-426E-40DD-AFC4-6F175D3DCCD1}">
+                <a14:hiddenFill xmlns:a14="http://schemas.microsoft.com/office/drawing/2010/main">
+                  <a:solidFill>
+                    <a:srgbClr val="FFFFFF"/>
+                  </a:solidFill>
+                </a14:hiddenFill>
+              </a:ext>
+            </a:extLst>
+          </p:spPr>
+        </p:pic>
+        <p:pic>
+          <p:nvPicPr>
+            <p:cNvPr id="97" name="Picture 2" descr="Image result for hummingbird silhouette">
+              <a:extLst>
+                <a:ext uri="{FF2B5EF4-FFF2-40B4-BE49-F238E27FC236}">
+                  <a16:creationId xmlns:a16="http://schemas.microsoft.com/office/drawing/2014/main" id="{73426551-7263-44B4-9324-9D5DAD207ADB}"/>
+                </a:ext>
+              </a:extLst>
+            </p:cNvPr>
+            <p:cNvPicPr>
+              <a:picLocks noChangeAspect="1" noChangeArrowheads="1"/>
+            </p:cNvPicPr>
+            <p:nvPr/>
+          </p:nvPicPr>
+          <p:blipFill>
+            <a:blip r:embed="rId22" cstate="print">
+              <a:extLst>
+                <a:ext uri="{28A0092B-C50C-407E-A947-70E740481C1C}">
+                  <a14:useLocalDpi xmlns:a14="http://schemas.microsoft.com/office/drawing/2010/main" val="0"/>
+                </a:ext>
+              </a:extLst>
+            </a:blip>
+            <a:srcRect/>
+            <a:stretch>
+              <a:fillRect/>
+            </a:stretch>
+          </p:blipFill>
+          <p:spPr bwMode="auto">
+            <a:xfrm rot="21445809">
+              <a:off x="15176250" y="15437213"/>
+              <a:ext cx="3795404" cy="2245095"/>
+            </a:xfrm>
+            <a:prstGeom prst="rect">
+              <a:avLst/>
+            </a:prstGeom>
+            <a:noFill/>
+            <a:extLst>
+              <a:ext uri="{909E8E84-426E-40DD-AFC4-6F175D3DCCD1}">
+                <a14:hiddenFill xmlns:a14="http://schemas.microsoft.com/office/drawing/2010/main">
+                  <a:solidFill>
+                    <a:srgbClr val="FFFFFF"/>
+                  </a:solidFill>
+                </a14:hiddenFill>
+              </a:ext>
+            </a:extLst>
+          </p:spPr>
+        </p:pic>
+        <p:sp>
+          <p:nvSpPr>
+            <p:cNvPr id="98" name="Oval 97">
+              <a:extLst>
+                <a:ext uri="{FF2B5EF4-FFF2-40B4-BE49-F238E27FC236}">
+                  <a16:creationId xmlns:a16="http://schemas.microsoft.com/office/drawing/2014/main" id="{CFF0A928-5FD6-4D39-B8A4-9D9AA0FA568E}"/>
+                </a:ext>
+              </a:extLst>
+            </p:cNvPr>
+            <p:cNvSpPr/>
+            <p:nvPr/>
+          </p:nvSpPr>
+          <p:spPr>
+            <a:xfrm>
+              <a:off x="5822739" y="12708659"/>
+              <a:ext cx="13614352" cy="13017713"/>
+            </a:xfrm>
+            <a:prstGeom prst="ellipse">
+              <a:avLst/>
+            </a:prstGeom>
+            <a:noFill/>
+            <a:ln/>
+          </p:spPr>
+          <p:style>
+            <a:lnRef idx="2">
+              <a:schemeClr val="accent4"/>
+            </a:lnRef>
+            <a:fillRef idx="1">
+              <a:schemeClr val="lt1"/>
+            </a:fillRef>
+            <a:effectRef idx="0">
+              <a:schemeClr val="accent4"/>
+            </a:effectRef>
+            <a:fontRef idx="minor">
+              <a:schemeClr val="dk1"/>
+            </a:fontRef>
+          </p:style>
+          <p:txBody>
+            <a:bodyPr rtlCol="0" anchor="ctr"/>
+            <a:lstStyle/>
+            <a:p>
+              <a:pPr algn="ctr"/>
+              <a:endParaRPr lang="en-US" sz="6000" dirty="0" err="1"/>
+            </a:p>
+          </p:txBody>
+        </p:sp>
+      </p:grpSp>
+      <p:sp>
+        <p:nvSpPr>
+          <p:cNvPr id="31" name="TextBox 30">
+            <a:extLst>
+              <a:ext uri="{FF2B5EF4-FFF2-40B4-BE49-F238E27FC236}">
+                <a16:creationId xmlns:a16="http://schemas.microsoft.com/office/drawing/2014/main" id="{ADAB2EDA-68E8-4203-B7CD-7730A5BFFE51}"/>
+              </a:ext>
+            </a:extLst>
+          </p:cNvPr>
+          <p:cNvSpPr txBox="1"/>
+          <p:nvPr/>
+        </p:nvSpPr>
+        <p:spPr>
+          <a:xfrm>
+            <a:off x="3317083" y="28856612"/>
+            <a:ext cx="1361450" cy="830997"/>
+          </a:xfrm>
+          <a:prstGeom prst="rect">
+            <a:avLst/>
+          </a:prstGeom>
+          <a:noFill/>
+        </p:spPr>
+        <p:txBody>
+          <a:bodyPr wrap="square" rtlCol="0">
+            <a:spAutoFit/>
+          </a:bodyPr>
+          <a:lstStyle/>
+          <a:p>
+            <a:pPr algn="ctr"/>
+            <a:r>
+              <a:rPr lang="en-US" sz="2400" dirty="0">
+                <a:solidFill>
+                  <a:schemeClr val="accent4">
+                    <a:lumMod val="60000"/>
+                    <a:lumOff val="40000"/>
+                  </a:schemeClr>
+                </a:solidFill>
+              </a:rPr>
+              <a:t>Species 1</a:t>
+            </a:r>
+          </a:p>
+        </p:txBody>
+      </p:sp>
+      <p:sp>
+        <p:nvSpPr>
+          <p:cNvPr id="112" name="TextBox 111">
+            <a:extLst>
+              <a:ext uri="{FF2B5EF4-FFF2-40B4-BE49-F238E27FC236}">
+                <a16:creationId xmlns:a16="http://schemas.microsoft.com/office/drawing/2014/main" id="{346739B4-4E87-4373-BDAD-48B2B60B8187}"/>
+              </a:ext>
+            </a:extLst>
+          </p:cNvPr>
+          <p:cNvSpPr txBox="1"/>
+          <p:nvPr/>
+        </p:nvSpPr>
+        <p:spPr>
+          <a:xfrm>
+            <a:off x="7378412" y="28473130"/>
+            <a:ext cx="1361450" cy="830997"/>
+          </a:xfrm>
+          <a:prstGeom prst="rect">
+            <a:avLst/>
+          </a:prstGeom>
+          <a:noFill/>
+        </p:spPr>
+        <p:txBody>
+          <a:bodyPr wrap="square" rtlCol="0">
+            <a:spAutoFit/>
+          </a:bodyPr>
+          <a:lstStyle/>
+          <a:p>
+            <a:pPr algn="ctr"/>
+            <a:r>
+              <a:rPr lang="en-US" sz="2400" dirty="0">
+                <a:solidFill>
+                  <a:schemeClr val="accent4">
+                    <a:lumMod val="60000"/>
+                    <a:lumOff val="40000"/>
+                  </a:schemeClr>
+                </a:solidFill>
+              </a:rPr>
+              <a:t>Species 2</a:t>
+            </a:r>
+          </a:p>
+        </p:txBody>
+      </p:sp>
+      <p:sp>
+        <p:nvSpPr>
+          <p:cNvPr id="113" name="TextBox 112">
+            <a:extLst>
+              <a:ext uri="{FF2B5EF4-FFF2-40B4-BE49-F238E27FC236}">
+                <a16:creationId xmlns:a16="http://schemas.microsoft.com/office/drawing/2014/main" id="{D7F99761-CE4B-4536-8113-366D90E9B731}"/>
+              </a:ext>
+            </a:extLst>
+          </p:cNvPr>
+          <p:cNvSpPr txBox="1"/>
+          <p:nvPr/>
+        </p:nvSpPr>
+        <p:spPr>
+          <a:xfrm>
+            <a:off x="11355735" y="29159743"/>
+            <a:ext cx="1361450" cy="830997"/>
+          </a:xfrm>
+          <a:prstGeom prst="rect">
+            <a:avLst/>
+          </a:prstGeom>
+          <a:noFill/>
+        </p:spPr>
+        <p:txBody>
+          <a:bodyPr wrap="square" rtlCol="0">
+            <a:spAutoFit/>
+          </a:bodyPr>
+          <a:lstStyle/>
+          <a:p>
+            <a:pPr algn="ctr"/>
+            <a:r>
+              <a:rPr lang="en-US" sz="2400" dirty="0">
+                <a:solidFill>
+                  <a:schemeClr val="accent4">
+                    <a:lumMod val="60000"/>
+                    <a:lumOff val="40000"/>
+                  </a:schemeClr>
+                </a:solidFill>
+              </a:rPr>
+              <a:t>Species 3</a:t>
+            </a:r>
+          </a:p>
+        </p:txBody>
+      </p:sp>
+      <p:sp>
+        <p:nvSpPr>
+          <p:cNvPr id="86" name="Rectangle 85">
+            <a:extLst>
+              <a:ext uri="{FF2B5EF4-FFF2-40B4-BE49-F238E27FC236}">
+                <a16:creationId xmlns:a16="http://schemas.microsoft.com/office/drawing/2014/main" id="{157C490A-59E8-4034-8972-8B52AE9F986C}"/>
+              </a:ext>
+            </a:extLst>
+          </p:cNvPr>
+          <p:cNvSpPr/>
+          <p:nvPr/>
+        </p:nvSpPr>
+        <p:spPr>
+          <a:xfrm>
+            <a:off x="18566857" y="21577695"/>
+            <a:ext cx="2644383" cy="5042389"/>
+          </a:xfrm>
+          <a:prstGeom prst="rect">
+            <a:avLst/>
+          </a:prstGeom>
+          <a:noFill/>
+          <a:ln w="63500">
+            <a:solidFill>
+              <a:schemeClr val="bg1">
+                <a:lumMod val="85000"/>
+              </a:schemeClr>
+            </a:solidFill>
+          </a:ln>
+        </p:spPr>
+        <p:style>
+          <a:lnRef idx="2">
+            <a:schemeClr val="accent1">
+              <a:shade val="50000"/>
+            </a:schemeClr>
+          </a:lnRef>
+          <a:fillRef idx="1">
+            <a:schemeClr val="accent1"/>
+          </a:fillRef>
+          <a:effectRef idx="0">
+            <a:schemeClr val="accent1"/>
+          </a:effectRef>
+          <a:fontRef idx="minor">
+            <a:schemeClr val="lt1"/>
+          </a:fontRef>
+        </p:style>
+        <p:txBody>
+          <a:bodyPr rtlCol="0" anchor="ctr"/>
+          <a:lstStyle/>
+          <a:p>
+            <a:pPr algn="ctr"/>
+            <a:endParaRPr lang="en-US" sz="6000" dirty="0" err="1"/>
+          </a:p>
+        </p:txBody>
+      </p:sp>
+      <p:sp>
+        <p:nvSpPr>
+          <p:cNvPr id="116" name="Rectangle 115">
+            <a:extLst>
+              <a:ext uri="{FF2B5EF4-FFF2-40B4-BE49-F238E27FC236}">
+                <a16:creationId xmlns:a16="http://schemas.microsoft.com/office/drawing/2014/main" id="{51ECA5BE-7135-41BC-874E-38AF99023D3B}"/>
+              </a:ext>
+            </a:extLst>
+          </p:cNvPr>
+          <p:cNvSpPr/>
+          <p:nvPr/>
+        </p:nvSpPr>
+        <p:spPr>
+          <a:xfrm>
+            <a:off x="21448908" y="21558830"/>
+            <a:ext cx="2644383" cy="5042389"/>
+          </a:xfrm>
+          <a:prstGeom prst="rect">
+            <a:avLst/>
+          </a:prstGeom>
+          <a:noFill/>
+          <a:ln w="63500">
+            <a:solidFill>
+              <a:schemeClr val="bg1">
+                <a:lumMod val="85000"/>
+              </a:schemeClr>
+            </a:solidFill>
+          </a:ln>
+        </p:spPr>
+        <p:style>
+          <a:lnRef idx="2">
+            <a:schemeClr val="accent1">
+              <a:shade val="50000"/>
+            </a:schemeClr>
+          </a:lnRef>
+          <a:fillRef idx="1">
+            <a:schemeClr val="accent1"/>
+          </a:fillRef>
+          <a:effectRef idx="0">
+            <a:schemeClr val="accent1"/>
+          </a:effectRef>
+          <a:fontRef idx="minor">
+            <a:schemeClr val="lt1"/>
+          </a:fontRef>
+        </p:style>
+        <p:txBody>
+          <a:bodyPr rtlCol="0" anchor="ctr"/>
+          <a:lstStyle/>
+          <a:p>
+            <a:pPr algn="ctr"/>
+            <a:endParaRPr lang="en-US" sz="6000" dirty="0" err="1"/>
+          </a:p>
+        </p:txBody>
+      </p:sp>
+      <p:sp>
+        <p:nvSpPr>
+          <p:cNvPr id="117" name="Rectangle 116">
+            <a:extLst>
+              <a:ext uri="{FF2B5EF4-FFF2-40B4-BE49-F238E27FC236}">
+                <a16:creationId xmlns:a16="http://schemas.microsoft.com/office/drawing/2014/main" id="{C1EB728B-EAD4-4AC8-A4FF-9D35FC2CF5EF}"/>
+              </a:ext>
+            </a:extLst>
+          </p:cNvPr>
+          <p:cNvSpPr/>
+          <p:nvPr/>
+        </p:nvSpPr>
+        <p:spPr>
+          <a:xfrm>
+            <a:off x="24319957" y="21577695"/>
+            <a:ext cx="2644383" cy="5042389"/>
+          </a:xfrm>
+          <a:prstGeom prst="rect">
+            <a:avLst/>
+          </a:prstGeom>
+          <a:noFill/>
+          <a:ln w="63500">
+            <a:solidFill>
+              <a:schemeClr val="bg1">
+                <a:lumMod val="85000"/>
+              </a:schemeClr>
+            </a:solidFill>
+          </a:ln>
+        </p:spPr>
+        <p:style>
+          <a:lnRef idx="2">
+            <a:schemeClr val="accent1">
+              <a:shade val="50000"/>
+            </a:schemeClr>
+          </a:lnRef>
+          <a:fillRef idx="1">
+            <a:schemeClr val="accent1"/>
+          </a:fillRef>
+          <a:effectRef idx="0">
+            <a:schemeClr val="accent1"/>
+          </a:effectRef>
+          <a:fontRef idx="minor">
+            <a:schemeClr val="lt1"/>
+          </a:fontRef>
+        </p:style>
+        <p:txBody>
+          <a:bodyPr rtlCol="0" anchor="ctr"/>
+          <a:lstStyle/>
+          <a:p>
+            <a:pPr algn="ctr"/>
+            <a:endParaRPr lang="en-US" sz="6000" dirty="0" err="1"/>
+          </a:p>
+        </p:txBody>
+      </p:sp>
     </p:spTree>
     <p:extLst>
       <p:ext uri="{BB962C8B-B14F-4D97-AF65-F5344CB8AC3E}">
@@ -10668,10 +11174,10 @@
       </p:grpSpPr>
       <p:grpSp>
         <p:nvGrpSpPr>
-          <p:cNvPr id="44" name="Group 43">
+          <p:cNvPr id="3" name="Group 2">
             <a:extLst>
               <a:ext uri="{FF2B5EF4-FFF2-40B4-BE49-F238E27FC236}">
-                <a16:creationId xmlns:a16="http://schemas.microsoft.com/office/drawing/2014/main" id="{E92EE597-ABD2-4489-A0C0-0BB7A5C0A91B}"/>
+                <a16:creationId xmlns:a16="http://schemas.microsoft.com/office/drawing/2014/main" id="{34B38BF3-752F-486E-8C09-C5E8F0973F13}"/>
               </a:ext>
             </a:extLst>
           </p:cNvPr>
@@ -10680,153 +11186,644 @@
         </p:nvGrpSpPr>
         <p:grpSpPr>
           <a:xfrm>
-            <a:off x="5821394" y="8994270"/>
-            <a:ext cx="36344149" cy="16639759"/>
-            <a:chOff x="5821394" y="8994270"/>
-            <a:chExt cx="36344149" cy="16639759"/>
+            <a:off x="5822739" y="8345114"/>
+            <a:ext cx="34822099" cy="17381258"/>
+            <a:chOff x="5822739" y="8345114"/>
+            <a:chExt cx="34822099" cy="17381258"/>
           </a:xfrm>
         </p:grpSpPr>
-        <p:pic>
-          <p:nvPicPr>
-            <p:cNvPr id="35" name="Picture 4" descr="Image result for cactus silhouette">
+        <p:grpSp>
+          <p:nvGrpSpPr>
+            <p:cNvPr id="44" name="Group 43">
               <a:extLst>
                 <a:ext uri="{FF2B5EF4-FFF2-40B4-BE49-F238E27FC236}">
-                  <a16:creationId xmlns:a16="http://schemas.microsoft.com/office/drawing/2014/main" id="{A4411D78-0D8F-4C09-A2E3-73EA8DAB05B5}"/>
+                  <a16:creationId xmlns:a16="http://schemas.microsoft.com/office/drawing/2014/main" id="{E92EE597-ABD2-4489-A0C0-0BB7A5C0A91B}"/>
                 </a:ext>
               </a:extLst>
             </p:cNvPr>
-            <p:cNvPicPr>
-              <a:picLocks noChangeAspect="1" noChangeArrowheads="1"/>
-            </p:cNvPicPr>
+            <p:cNvGrpSpPr/>
             <p:nvPr/>
-          </p:nvPicPr>
-          <p:blipFill rotWithShape="1">
-            <a:blip r:embed="rId2">
+          </p:nvGrpSpPr>
+          <p:grpSpPr>
+            <a:xfrm>
+              <a:off x="8598014" y="8345114"/>
+              <a:ext cx="32046824" cy="17136516"/>
+              <a:chOff x="8481181" y="8497514"/>
+              <a:chExt cx="32046824" cy="17136516"/>
+            </a:xfrm>
+          </p:grpSpPr>
+          <p:pic>
+            <p:nvPicPr>
+              <p:cNvPr id="26" name="Picture 4" descr="Image result for cactus silhouette">
+                <a:extLst>
+                  <a:ext uri="{FF2B5EF4-FFF2-40B4-BE49-F238E27FC236}">
+                    <a16:creationId xmlns:a16="http://schemas.microsoft.com/office/drawing/2014/main" id="{5D60CDA4-6C86-498C-9932-B8E8CA20796E}"/>
+                  </a:ext>
+                </a:extLst>
+              </p:cNvPr>
+              <p:cNvPicPr>
+                <a:picLocks noChangeAspect="1" noChangeArrowheads="1"/>
+              </p:cNvPicPr>
+              <p:nvPr/>
+            </p:nvPicPr>
+            <p:blipFill rotWithShape="1">
+              <a:blip r:embed="rId2">
+                <a:extLst>
+                  <a:ext uri="{28A0092B-C50C-407E-A947-70E740481C1C}">
+                    <a14:useLocalDpi xmlns:a14="http://schemas.microsoft.com/office/drawing/2010/main" val="0"/>
+                  </a:ext>
+                </a:extLst>
+              </a:blip>
+              <a:srcRect l="30084" r="26093"/>
+              <a:stretch/>
+            </p:blipFill>
+            <p:spPr bwMode="auto">
+              <a:xfrm flipH="1">
+                <a:off x="8481181" y="14472981"/>
+                <a:ext cx="7100107" cy="10782711"/>
+              </a:xfrm>
+              <a:prstGeom prst="rect">
+                <a:avLst/>
+              </a:prstGeom>
+              <a:noFill/>
               <a:extLst>
-                <a:ext uri="{28A0092B-C50C-407E-A947-70E740481C1C}">
-                  <a14:useLocalDpi xmlns:a14="http://schemas.microsoft.com/office/drawing/2010/main" val="0"/>
+                <a:ext uri="{909E8E84-426E-40DD-AFC4-6F175D3DCCD1}">
+                  <a14:hiddenFill xmlns:a14="http://schemas.microsoft.com/office/drawing/2010/main">
+                    <a:solidFill>
+                      <a:srgbClr val="FFFFFF"/>
+                    </a:solidFill>
+                  </a14:hiddenFill>
                 </a:ext>
               </a:extLst>
-            </a:blip>
-            <a:srcRect l="30084" r="26093"/>
-            <a:stretch/>
-          </p:blipFill>
-          <p:spPr bwMode="auto">
-            <a:xfrm>
-              <a:off x="35241326" y="18038680"/>
-              <a:ext cx="5078423" cy="7038747"/>
-            </a:xfrm>
-            <a:prstGeom prst="rect">
-              <a:avLst/>
-            </a:prstGeom>
-            <a:noFill/>
-            <a:extLst>
-              <a:ext uri="{909E8E84-426E-40DD-AFC4-6F175D3DCCD1}">
-                <a14:hiddenFill xmlns:a14="http://schemas.microsoft.com/office/drawing/2010/main">
-                  <a:solidFill>
-                    <a:srgbClr val="FFFFFF"/>
-                  </a:solidFill>
-                </a14:hiddenFill>
-              </a:ext>
-            </a:extLst>
-          </p:spPr>
-        </p:pic>
+            </p:spPr>
+          </p:pic>
+          <p:pic>
+            <p:nvPicPr>
+              <p:cNvPr id="35" name="Picture 4" descr="Image result for cactus silhouette">
+                <a:extLst>
+                  <a:ext uri="{FF2B5EF4-FFF2-40B4-BE49-F238E27FC236}">
+                    <a16:creationId xmlns:a16="http://schemas.microsoft.com/office/drawing/2014/main" id="{A4411D78-0D8F-4C09-A2E3-73EA8DAB05B5}"/>
+                  </a:ext>
+                </a:extLst>
+              </p:cNvPr>
+              <p:cNvPicPr>
+                <a:picLocks noChangeAspect="1" noChangeArrowheads="1"/>
+              </p:cNvPicPr>
+              <p:nvPr/>
+            </p:nvPicPr>
+            <p:blipFill rotWithShape="1">
+              <a:blip r:embed="rId2">
+                <a:extLst>
+                  <a:ext uri="{28A0092B-C50C-407E-A947-70E740481C1C}">
+                    <a14:useLocalDpi xmlns:a14="http://schemas.microsoft.com/office/drawing/2010/main" val="0"/>
+                  </a:ext>
+                </a:extLst>
+              </a:blip>
+              <a:srcRect l="30084" r="26093"/>
+              <a:stretch/>
+            </p:blipFill>
+            <p:spPr bwMode="auto">
+              <a:xfrm>
+                <a:off x="35241327" y="18476602"/>
+                <a:ext cx="4603688" cy="6600825"/>
+              </a:xfrm>
+              <a:prstGeom prst="rect">
+                <a:avLst/>
+              </a:prstGeom>
+              <a:noFill/>
+              <a:extLst>
+                <a:ext uri="{909E8E84-426E-40DD-AFC4-6F175D3DCCD1}">
+                  <a14:hiddenFill xmlns:a14="http://schemas.microsoft.com/office/drawing/2010/main">
+                    <a:solidFill>
+                      <a:srgbClr val="FFFFFF"/>
+                    </a:solidFill>
+                  </a14:hiddenFill>
+                </a:ext>
+              </a:extLst>
+            </p:spPr>
+          </p:pic>
+          <p:pic>
+            <p:nvPicPr>
+              <p:cNvPr id="27" name="Picture 4" descr="Image result for cactus silhouette">
+                <a:extLst>
+                  <a:ext uri="{FF2B5EF4-FFF2-40B4-BE49-F238E27FC236}">
+                    <a16:creationId xmlns:a16="http://schemas.microsoft.com/office/drawing/2014/main" id="{0A3EC5BF-FD4D-4D04-BFBD-9AEB5C8A6927}"/>
+                  </a:ext>
+                </a:extLst>
+              </p:cNvPr>
+              <p:cNvPicPr>
+                <a:picLocks noChangeAspect="1" noChangeArrowheads="1"/>
+              </p:cNvPicPr>
+              <p:nvPr/>
+            </p:nvPicPr>
+            <p:blipFill rotWithShape="1">
+              <a:blip r:embed="rId2">
+                <a:extLst>
+                  <a:ext uri="{28A0092B-C50C-407E-A947-70E740481C1C}">
+                    <a14:useLocalDpi xmlns:a14="http://schemas.microsoft.com/office/drawing/2010/main" val="0"/>
+                  </a:ext>
+                </a:extLst>
+              </a:blip>
+              <a:srcRect l="30084" r="26093"/>
+              <a:stretch/>
+            </p:blipFill>
+            <p:spPr bwMode="auto">
+              <a:xfrm>
+                <a:off x="20992291" y="8846722"/>
+                <a:ext cx="8030371" cy="16787308"/>
+              </a:xfrm>
+              <a:prstGeom prst="rect">
+                <a:avLst/>
+              </a:prstGeom>
+              <a:noFill/>
+              <a:extLst>
+                <a:ext uri="{909E8E84-426E-40DD-AFC4-6F175D3DCCD1}">
+                  <a14:hiddenFill xmlns:a14="http://schemas.microsoft.com/office/drawing/2010/main">
+                    <a:solidFill>
+                      <a:srgbClr val="FFFFFF"/>
+                    </a:solidFill>
+                  </a14:hiddenFill>
+                </a:ext>
+              </a:extLst>
+            </p:spPr>
+          </p:pic>
+          <p:pic>
+            <p:nvPicPr>
+              <p:cNvPr id="28" name="Picture 12" descr="Image result for flower clipart">
+                <a:extLst>
+                  <a:ext uri="{FF2B5EF4-FFF2-40B4-BE49-F238E27FC236}">
+                    <a16:creationId xmlns:a16="http://schemas.microsoft.com/office/drawing/2014/main" id="{DA0BDF84-FA6D-41C4-9259-2A87F4DB8330}"/>
+                  </a:ext>
+                </a:extLst>
+              </p:cNvPr>
+              <p:cNvPicPr>
+                <a:picLocks noChangeAspect="1" noChangeArrowheads="1"/>
+              </p:cNvPicPr>
+              <p:nvPr/>
+            </p:nvPicPr>
+            <p:blipFill>
+              <a:blip r:embed="rId3" cstate="print">
+                <a:extLst>
+                  <a:ext uri="{28A0092B-C50C-407E-A947-70E740481C1C}">
+                    <a14:useLocalDpi xmlns:a14="http://schemas.microsoft.com/office/drawing/2010/main" val="0"/>
+                  </a:ext>
+                </a:extLst>
+              </a:blip>
+              <a:srcRect/>
+              <a:stretch>
+                <a:fillRect/>
+              </a:stretch>
+            </p:blipFill>
+            <p:spPr bwMode="auto">
+              <a:xfrm rot="1996164">
+                <a:off x="11786305" y="13769512"/>
+                <a:ext cx="2309058" cy="2288240"/>
+              </a:xfrm>
+              <a:prstGeom prst="rect">
+                <a:avLst/>
+              </a:prstGeom>
+              <a:noFill/>
+              <a:extLst>
+                <a:ext uri="{909E8E84-426E-40DD-AFC4-6F175D3DCCD1}">
+                  <a14:hiddenFill xmlns:a14="http://schemas.microsoft.com/office/drawing/2010/main">
+                    <a:solidFill>
+                      <a:srgbClr val="FFFFFF"/>
+                    </a:solidFill>
+                  </a14:hiddenFill>
+                </a:ext>
+              </a:extLst>
+            </p:spPr>
+          </p:pic>
+          <p:pic>
+            <p:nvPicPr>
+              <p:cNvPr id="29" name="Picture 12" descr="Image result for flower clipart">
+                <a:extLst>
+                  <a:ext uri="{FF2B5EF4-FFF2-40B4-BE49-F238E27FC236}">
+                    <a16:creationId xmlns:a16="http://schemas.microsoft.com/office/drawing/2014/main" id="{1D781930-F120-4689-9F9E-CDD8CF70F6B4}"/>
+                  </a:ext>
+                </a:extLst>
+              </p:cNvPr>
+              <p:cNvPicPr>
+                <a:picLocks noChangeAspect="1" noChangeArrowheads="1"/>
+              </p:cNvPicPr>
+              <p:nvPr/>
+            </p:nvPicPr>
+            <p:blipFill>
+              <a:blip r:embed="rId3" cstate="print">
+                <a:extLst>
+                  <a:ext uri="{28A0092B-C50C-407E-A947-70E740481C1C}">
+                    <a14:useLocalDpi xmlns:a14="http://schemas.microsoft.com/office/drawing/2010/main" val="0"/>
+                  </a:ext>
+                </a:extLst>
+              </a:blip>
+              <a:srcRect/>
+              <a:stretch>
+                <a:fillRect/>
+              </a:stretch>
+            </p:blipFill>
+            <p:spPr bwMode="auto">
+              <a:xfrm rot="2688639">
+                <a:off x="36764403" y="18957840"/>
+                <a:ext cx="2309057" cy="2288239"/>
+              </a:xfrm>
+              <a:prstGeom prst="rect">
+                <a:avLst/>
+              </a:prstGeom>
+              <a:noFill/>
+              <a:extLst>
+                <a:ext uri="{909E8E84-426E-40DD-AFC4-6F175D3DCCD1}">
+                  <a14:hiddenFill xmlns:a14="http://schemas.microsoft.com/office/drawing/2010/main">
+                    <a:solidFill>
+                      <a:srgbClr val="FFFFFF"/>
+                    </a:solidFill>
+                  </a14:hiddenFill>
+                </a:ext>
+              </a:extLst>
+            </p:spPr>
+          </p:pic>
+          <p:pic>
+            <p:nvPicPr>
+              <p:cNvPr id="30" name="Picture 12" descr="Image result for flower clipart">
+                <a:extLst>
+                  <a:ext uri="{FF2B5EF4-FFF2-40B4-BE49-F238E27FC236}">
+                    <a16:creationId xmlns:a16="http://schemas.microsoft.com/office/drawing/2014/main" id="{5DD73330-1302-43B8-AE8B-2221A86BDD37}"/>
+                  </a:ext>
+                </a:extLst>
+              </p:cNvPr>
+              <p:cNvPicPr>
+                <a:picLocks noChangeAspect="1" noChangeArrowheads="1"/>
+              </p:cNvPicPr>
+              <p:nvPr/>
+            </p:nvPicPr>
+            <p:blipFill>
+              <a:blip r:embed="rId3" cstate="print">
+                <a:extLst>
+                  <a:ext uri="{28A0092B-C50C-407E-A947-70E740481C1C}">
+                    <a14:useLocalDpi xmlns:a14="http://schemas.microsoft.com/office/drawing/2010/main" val="0"/>
+                  </a:ext>
+                </a:extLst>
+              </a:blip>
+              <a:srcRect/>
+              <a:stretch>
+                <a:fillRect/>
+              </a:stretch>
+            </p:blipFill>
+            <p:spPr bwMode="auto">
+              <a:xfrm rot="1996164">
+                <a:off x="22106129" y="9292546"/>
+                <a:ext cx="2309058" cy="2288240"/>
+              </a:xfrm>
+              <a:prstGeom prst="rect">
+                <a:avLst/>
+              </a:prstGeom>
+              <a:noFill/>
+              <a:extLst>
+                <a:ext uri="{909E8E84-426E-40DD-AFC4-6F175D3DCCD1}">
+                  <a14:hiddenFill xmlns:a14="http://schemas.microsoft.com/office/drawing/2010/main">
+                    <a:solidFill>
+                      <a:srgbClr val="FFFFFF"/>
+                    </a:solidFill>
+                  </a14:hiddenFill>
+                </a:ext>
+              </a:extLst>
+            </p:spPr>
+          </p:pic>
+          <p:pic>
+            <p:nvPicPr>
+              <p:cNvPr id="31" name="Picture 12" descr="Image result for flower clipart">
+                <a:extLst>
+                  <a:ext uri="{FF2B5EF4-FFF2-40B4-BE49-F238E27FC236}">
+                    <a16:creationId xmlns:a16="http://schemas.microsoft.com/office/drawing/2014/main" id="{D239C208-C725-454C-8794-EE61FC413A2B}"/>
+                  </a:ext>
+                </a:extLst>
+              </p:cNvPr>
+              <p:cNvPicPr>
+                <a:picLocks noChangeAspect="1" noChangeArrowheads="1"/>
+              </p:cNvPicPr>
+              <p:nvPr/>
+            </p:nvPicPr>
+            <p:blipFill>
+              <a:blip r:embed="rId3" cstate="print">
+                <a:extLst>
+                  <a:ext uri="{28A0092B-C50C-407E-A947-70E740481C1C}">
+                    <a14:useLocalDpi xmlns:a14="http://schemas.microsoft.com/office/drawing/2010/main" val="0"/>
+                  </a:ext>
+                </a:extLst>
+              </a:blip>
+              <a:srcRect/>
+              <a:stretch>
+                <a:fillRect/>
+              </a:stretch>
+            </p:blipFill>
+            <p:spPr bwMode="auto">
+              <a:xfrm rot="16973761">
+                <a:off x="36034342" y="17367892"/>
+                <a:ext cx="2309058" cy="2288240"/>
+              </a:xfrm>
+              <a:prstGeom prst="rect">
+                <a:avLst/>
+              </a:prstGeom>
+              <a:noFill/>
+              <a:extLst>
+                <a:ext uri="{909E8E84-426E-40DD-AFC4-6F175D3DCCD1}">
+                  <a14:hiddenFill xmlns:a14="http://schemas.microsoft.com/office/drawing/2010/main">
+                    <a:solidFill>
+                      <a:srgbClr val="FFFFFF"/>
+                    </a:solidFill>
+                  </a14:hiddenFill>
+                </a:ext>
+              </a:extLst>
+            </p:spPr>
+          </p:pic>
+          <p:pic>
+            <p:nvPicPr>
+              <p:cNvPr id="32" name="Picture 12" descr="Image result for flower clipart">
+                <a:extLst>
+                  <a:ext uri="{FF2B5EF4-FFF2-40B4-BE49-F238E27FC236}">
+                    <a16:creationId xmlns:a16="http://schemas.microsoft.com/office/drawing/2014/main" id="{3C47C6DC-65D8-4C1E-80C0-7384D140317A}"/>
+                  </a:ext>
+                </a:extLst>
+              </p:cNvPr>
+              <p:cNvPicPr>
+                <a:picLocks noChangeAspect="1" noChangeArrowheads="1"/>
+              </p:cNvPicPr>
+              <p:nvPr/>
+            </p:nvPicPr>
+            <p:blipFill>
+              <a:blip r:embed="rId3" cstate="print">
+                <a:extLst>
+                  <a:ext uri="{28A0092B-C50C-407E-A947-70E740481C1C}">
+                    <a14:useLocalDpi xmlns:a14="http://schemas.microsoft.com/office/drawing/2010/main" val="0"/>
+                  </a:ext>
+                </a:extLst>
+              </a:blip>
+              <a:srcRect/>
+              <a:stretch>
+                <a:fillRect/>
+              </a:stretch>
+            </p:blipFill>
+            <p:spPr bwMode="auto">
+              <a:xfrm rot="1320354">
+                <a:off x="34363585" y="19380253"/>
+                <a:ext cx="2309058" cy="2288240"/>
+              </a:xfrm>
+              <a:prstGeom prst="rect">
+                <a:avLst/>
+              </a:prstGeom>
+              <a:noFill/>
+              <a:extLst>
+                <a:ext uri="{909E8E84-426E-40DD-AFC4-6F175D3DCCD1}">
+                  <a14:hiddenFill xmlns:a14="http://schemas.microsoft.com/office/drawing/2010/main">
+                    <a:solidFill>
+                      <a:srgbClr val="FFFFFF"/>
+                    </a:solidFill>
+                  </a14:hiddenFill>
+                </a:ext>
+              </a:extLst>
+            </p:spPr>
+          </p:pic>
+          <p:pic>
+            <p:nvPicPr>
+              <p:cNvPr id="33" name="Picture 12" descr="Image result for flower clipart">
+                <a:extLst>
+                  <a:ext uri="{FF2B5EF4-FFF2-40B4-BE49-F238E27FC236}">
+                    <a16:creationId xmlns:a16="http://schemas.microsoft.com/office/drawing/2014/main" id="{F5D8C8E0-FAF3-43D6-B1C6-24CF7C84C811}"/>
+                  </a:ext>
+                </a:extLst>
+              </p:cNvPr>
+              <p:cNvPicPr>
+                <a:picLocks noChangeAspect="1" noChangeArrowheads="1"/>
+              </p:cNvPicPr>
+              <p:nvPr/>
+            </p:nvPicPr>
+            <p:blipFill>
+              <a:blip r:embed="rId3" cstate="print">
+                <a:extLst>
+                  <a:ext uri="{28A0092B-C50C-407E-A947-70E740481C1C}">
+                    <a14:useLocalDpi xmlns:a14="http://schemas.microsoft.com/office/drawing/2010/main" val="0"/>
+                  </a:ext>
+                </a:extLst>
+              </a:blip>
+              <a:srcRect/>
+              <a:stretch>
+                <a:fillRect/>
+              </a:stretch>
+            </p:blipFill>
+            <p:spPr bwMode="auto">
+              <a:xfrm rot="388776">
+                <a:off x="34496403" y="17423373"/>
+                <a:ext cx="2309058" cy="2288240"/>
+              </a:xfrm>
+              <a:prstGeom prst="rect">
+                <a:avLst/>
+              </a:prstGeom>
+              <a:noFill/>
+              <a:extLst>
+                <a:ext uri="{909E8E84-426E-40DD-AFC4-6F175D3DCCD1}">
+                  <a14:hiddenFill xmlns:a14="http://schemas.microsoft.com/office/drawing/2010/main">
+                    <a:solidFill>
+                      <a:srgbClr val="FFFFFF"/>
+                    </a:solidFill>
+                  </a14:hiddenFill>
+                </a:ext>
+              </a:extLst>
+            </p:spPr>
+          </p:pic>
+          <p:pic>
+            <p:nvPicPr>
+              <p:cNvPr id="36" name="Picture 12" descr="Image result for flower clipart">
+                <a:extLst>
+                  <a:ext uri="{FF2B5EF4-FFF2-40B4-BE49-F238E27FC236}">
+                    <a16:creationId xmlns:a16="http://schemas.microsoft.com/office/drawing/2014/main" id="{1D29CCFF-6E85-41D5-8669-37895803D014}"/>
+                  </a:ext>
+                </a:extLst>
+              </p:cNvPr>
+              <p:cNvPicPr>
+                <a:picLocks noChangeAspect="1" noChangeArrowheads="1"/>
+              </p:cNvPicPr>
+              <p:nvPr/>
+            </p:nvPicPr>
+            <p:blipFill>
+              <a:blip r:embed="rId3" cstate="print">
+                <a:extLst>
+                  <a:ext uri="{28A0092B-C50C-407E-A947-70E740481C1C}">
+                    <a14:useLocalDpi xmlns:a14="http://schemas.microsoft.com/office/drawing/2010/main" val="0"/>
+                  </a:ext>
+                </a:extLst>
+              </a:blip>
+              <a:srcRect/>
+              <a:stretch>
+                <a:fillRect/>
+              </a:stretch>
+            </p:blipFill>
+            <p:spPr bwMode="auto">
+              <a:xfrm rot="21203234">
+                <a:off x="38218947" y="19927917"/>
+                <a:ext cx="2309058" cy="2288240"/>
+              </a:xfrm>
+              <a:prstGeom prst="rect">
+                <a:avLst/>
+              </a:prstGeom>
+              <a:noFill/>
+              <a:extLst>
+                <a:ext uri="{909E8E84-426E-40DD-AFC4-6F175D3DCCD1}">
+                  <a14:hiddenFill xmlns:a14="http://schemas.microsoft.com/office/drawing/2010/main">
+                    <a:solidFill>
+                      <a:srgbClr val="FFFFFF"/>
+                    </a:solidFill>
+                  </a14:hiddenFill>
+                </a:ext>
+              </a:extLst>
+            </p:spPr>
+          </p:pic>
+          <p:pic>
+            <p:nvPicPr>
+              <p:cNvPr id="37" name="Picture 2" descr="Image result for hummingbird silhouette">
+                <a:extLst>
+                  <a:ext uri="{FF2B5EF4-FFF2-40B4-BE49-F238E27FC236}">
+                    <a16:creationId xmlns:a16="http://schemas.microsoft.com/office/drawing/2014/main" id="{96830D91-B6DD-4AF9-9C8E-D421ECF08F92}"/>
+                  </a:ext>
+                </a:extLst>
+              </p:cNvPr>
+              <p:cNvPicPr>
+                <a:picLocks noChangeAspect="1" noChangeArrowheads="1"/>
+              </p:cNvPicPr>
+              <p:nvPr/>
+            </p:nvPicPr>
+            <p:blipFill>
+              <a:blip r:embed="rId4" cstate="print">
+                <a:extLst>
+                  <a:ext uri="{28A0092B-C50C-407E-A947-70E740481C1C}">
+                    <a14:useLocalDpi xmlns:a14="http://schemas.microsoft.com/office/drawing/2010/main" val="0"/>
+                  </a:ext>
+                </a:extLst>
+              </a:blip>
+              <a:srcRect/>
+              <a:stretch>
+                <a:fillRect/>
+              </a:stretch>
+            </p:blipFill>
+            <p:spPr bwMode="auto">
+              <a:xfrm rot="2792186" flipH="1">
+                <a:off x="17857762" y="9314117"/>
+                <a:ext cx="3878302" cy="2245095"/>
+              </a:xfrm>
+              <a:prstGeom prst="rect">
+                <a:avLst/>
+              </a:prstGeom>
+              <a:noFill/>
+              <a:extLst>
+                <a:ext uri="{909E8E84-426E-40DD-AFC4-6F175D3DCCD1}">
+                  <a14:hiddenFill xmlns:a14="http://schemas.microsoft.com/office/drawing/2010/main">
+                    <a:solidFill>
+                      <a:srgbClr val="FFFFFF"/>
+                    </a:solidFill>
+                  </a14:hiddenFill>
+                </a:ext>
+              </a:extLst>
+            </p:spPr>
+          </p:pic>
+          <p:pic>
+            <p:nvPicPr>
+              <p:cNvPr id="41" name="Picture 2" descr="Image result for hummingbird silhouette">
+                <a:extLst>
+                  <a:ext uri="{FF2B5EF4-FFF2-40B4-BE49-F238E27FC236}">
+                    <a16:creationId xmlns:a16="http://schemas.microsoft.com/office/drawing/2014/main" id="{60ACF3CA-295F-445B-BE52-BE89EF835B63}"/>
+                  </a:ext>
+                </a:extLst>
+              </p:cNvPr>
+              <p:cNvPicPr>
+                <a:picLocks noChangeAspect="1" noChangeArrowheads="1"/>
+              </p:cNvPicPr>
+              <p:nvPr/>
+            </p:nvPicPr>
+            <p:blipFill>
+              <a:blip r:embed="rId4" cstate="print">
+                <a:extLst>
+                  <a:ext uri="{28A0092B-C50C-407E-A947-70E740481C1C}">
+                    <a14:useLocalDpi xmlns:a14="http://schemas.microsoft.com/office/drawing/2010/main" val="0"/>
+                  </a:ext>
+                </a:extLst>
+              </a:blip>
+              <a:srcRect/>
+              <a:stretch>
+                <a:fillRect/>
+              </a:stretch>
+            </p:blipFill>
+            <p:spPr bwMode="auto">
+              <a:xfrm rot="873617" flipH="1">
+                <a:off x="32435513" y="18247369"/>
+                <a:ext cx="3878302" cy="2245095"/>
+              </a:xfrm>
+              <a:prstGeom prst="rect">
+                <a:avLst/>
+              </a:prstGeom>
+              <a:noFill/>
+              <a:extLst>
+                <a:ext uri="{909E8E84-426E-40DD-AFC4-6F175D3DCCD1}">
+                  <a14:hiddenFill xmlns:a14="http://schemas.microsoft.com/office/drawing/2010/main">
+                    <a:solidFill>
+                      <a:srgbClr val="FFFFFF"/>
+                    </a:solidFill>
+                  </a14:hiddenFill>
+                </a:ext>
+              </a:extLst>
+            </p:spPr>
+          </p:pic>
+          <p:pic>
+            <p:nvPicPr>
+              <p:cNvPr id="43" name="Picture 2" descr="Image result for hummingbird silhouette">
+                <a:extLst>
+                  <a:ext uri="{FF2B5EF4-FFF2-40B4-BE49-F238E27FC236}">
+                    <a16:creationId xmlns:a16="http://schemas.microsoft.com/office/drawing/2014/main" id="{90B9C344-A89D-4B16-96C2-91F1236B1B8D}"/>
+                  </a:ext>
+                </a:extLst>
+              </p:cNvPr>
+              <p:cNvPicPr>
+                <a:picLocks noChangeAspect="1" noChangeArrowheads="1"/>
+              </p:cNvPicPr>
+              <p:nvPr/>
+            </p:nvPicPr>
+            <p:blipFill>
+              <a:blip r:embed="rId4" cstate="print">
+                <a:extLst>
+                  <a:ext uri="{28A0092B-C50C-407E-A947-70E740481C1C}">
+                    <a14:useLocalDpi xmlns:a14="http://schemas.microsoft.com/office/drawing/2010/main" val="0"/>
+                  </a:ext>
+                </a:extLst>
+              </a:blip>
+              <a:srcRect/>
+              <a:stretch>
+                <a:fillRect/>
+              </a:stretch>
+            </p:blipFill>
+            <p:spPr bwMode="auto">
+              <a:xfrm rot="1143832" flipH="1">
+                <a:off x="9081570" y="14624156"/>
+                <a:ext cx="3878302" cy="2245095"/>
+              </a:xfrm>
+              <a:prstGeom prst="rect">
+                <a:avLst/>
+              </a:prstGeom>
+              <a:noFill/>
+              <a:extLst>
+                <a:ext uri="{909E8E84-426E-40DD-AFC4-6F175D3DCCD1}">
+                  <a14:hiddenFill xmlns:a14="http://schemas.microsoft.com/office/drawing/2010/main">
+                    <a:solidFill>
+                      <a:srgbClr val="FFFFFF"/>
+                    </a:solidFill>
+                  </a14:hiddenFill>
+                </a:ext>
+              </a:extLst>
+            </p:spPr>
+          </p:pic>
+        </p:grpSp>
         <p:pic>
           <p:nvPicPr>
-            <p:cNvPr id="26" name="Picture 4" descr="Image result for cactus silhouette">
+            <p:cNvPr id="21" name="Picture 12" descr="Image result for flower clipart">
               <a:extLst>
                 <a:ext uri="{FF2B5EF4-FFF2-40B4-BE49-F238E27FC236}">
-                  <a16:creationId xmlns:a16="http://schemas.microsoft.com/office/drawing/2014/main" id="{5D60CDA4-6C86-498C-9932-B8E8CA20796E}"/>
-                </a:ext>
-              </a:extLst>
-            </p:cNvPr>
-            <p:cNvPicPr>
-              <a:picLocks noChangeAspect="1" noChangeArrowheads="1"/>
-            </p:cNvPicPr>
-            <p:nvPr/>
-          </p:nvPicPr>
-          <p:blipFill rotWithShape="1">
-            <a:blip r:embed="rId2">
-              <a:extLst>
-                <a:ext uri="{28A0092B-C50C-407E-A947-70E740481C1C}">
-                  <a14:useLocalDpi xmlns:a14="http://schemas.microsoft.com/office/drawing/2010/main" val="0"/>
-                </a:ext>
-              </a:extLst>
-            </a:blip>
-            <a:srcRect l="30084" r="26093"/>
-            <a:stretch/>
-          </p:blipFill>
-          <p:spPr bwMode="auto">
-            <a:xfrm flipH="1">
-              <a:off x="8481182" y="17236466"/>
-              <a:ext cx="5280431" cy="8019226"/>
-            </a:xfrm>
-            <a:prstGeom prst="rect">
-              <a:avLst/>
-            </a:prstGeom>
-            <a:noFill/>
-            <a:extLst>
-              <a:ext uri="{909E8E84-426E-40DD-AFC4-6F175D3DCCD1}">
-                <a14:hiddenFill xmlns:a14="http://schemas.microsoft.com/office/drawing/2010/main">
-                  <a:solidFill>
-                    <a:srgbClr val="FFFFFF"/>
-                  </a:solidFill>
-                </a14:hiddenFill>
-              </a:ext>
-            </a:extLst>
-          </p:spPr>
-        </p:pic>
-        <p:pic>
-          <p:nvPicPr>
-            <p:cNvPr id="27" name="Picture 4" descr="Image result for cactus silhouette">
-              <a:extLst>
-                <a:ext uri="{FF2B5EF4-FFF2-40B4-BE49-F238E27FC236}">
-                  <a16:creationId xmlns:a16="http://schemas.microsoft.com/office/drawing/2014/main" id="{0A3EC5BF-FD4D-4D04-BFBD-9AEB5C8A6927}"/>
-                </a:ext>
-              </a:extLst>
-            </p:cNvPr>
-            <p:cNvPicPr>
-              <a:picLocks noChangeAspect="1" noChangeArrowheads="1"/>
-            </p:cNvPicPr>
-            <p:nvPr/>
-          </p:nvPicPr>
-          <p:blipFill rotWithShape="1">
-            <a:blip r:embed="rId2">
-              <a:extLst>
-                <a:ext uri="{28A0092B-C50C-407E-A947-70E740481C1C}">
-                  <a14:useLocalDpi xmlns:a14="http://schemas.microsoft.com/office/drawing/2010/main" val="0"/>
-                </a:ext>
-              </a:extLst>
-            </a:blip>
-            <a:srcRect l="30084" r="26093"/>
-            <a:stretch/>
-          </p:blipFill>
-          <p:spPr bwMode="auto">
-            <a:xfrm>
-              <a:off x="20992291" y="10791412"/>
-              <a:ext cx="7100109" cy="14842617"/>
-            </a:xfrm>
-            <a:prstGeom prst="rect">
-              <a:avLst/>
-            </a:prstGeom>
-            <a:noFill/>
-            <a:extLst>
-              <a:ext uri="{909E8E84-426E-40DD-AFC4-6F175D3DCCD1}">
-                <a14:hiddenFill xmlns:a14="http://schemas.microsoft.com/office/drawing/2010/main">
-                  <a:solidFill>
-                    <a:srgbClr val="FFFFFF"/>
-                  </a:solidFill>
-                </a14:hiddenFill>
-              </a:ext>
-            </a:extLst>
-          </p:spPr>
-        </p:pic>
-        <p:pic>
-          <p:nvPicPr>
-            <p:cNvPr id="28" name="Picture 12" descr="Image result for flower clipart">
-              <a:extLst>
-                <a:ext uri="{FF2B5EF4-FFF2-40B4-BE49-F238E27FC236}">
-                  <a16:creationId xmlns:a16="http://schemas.microsoft.com/office/drawing/2014/main" id="{DA0BDF84-FA6D-41C4-9259-2A87F4DB8330}"/>
+                  <a16:creationId xmlns:a16="http://schemas.microsoft.com/office/drawing/2014/main" id="{D0BB951A-0D55-427E-8080-3FA624E75316}"/>
                 </a:ext>
               </a:extLst>
             </p:cNvPr>
@@ -10850,7 +11847,7 @@
           </p:blipFill>
           <p:spPr bwMode="auto">
             <a:xfrm rot="1996164">
-              <a:off x="10864393" y="16748024"/>
+              <a:off x="14281466" y="15207059"/>
               <a:ext cx="2309058" cy="2288240"/>
             </a:xfrm>
             <a:prstGeom prst="rect">
@@ -10870,57 +11867,10 @@
         </p:pic>
         <p:pic>
           <p:nvPicPr>
-            <p:cNvPr id="29" name="Picture 12" descr="Image result for flower clipart">
+            <p:cNvPr id="22" name="Picture 12" descr="Image result for flower clipart">
               <a:extLst>
                 <a:ext uri="{FF2B5EF4-FFF2-40B4-BE49-F238E27FC236}">
-                  <a16:creationId xmlns:a16="http://schemas.microsoft.com/office/drawing/2014/main" id="{1D781930-F120-4689-9F9E-CDD8CF70F6B4}"/>
-                </a:ext>
-              </a:extLst>
-            </p:cNvPr>
-            <p:cNvPicPr>
-              <a:picLocks noChangeAspect="1" noChangeArrowheads="1"/>
-            </p:cNvPicPr>
-            <p:nvPr/>
-          </p:nvPicPr>
-          <p:blipFill>
-            <a:blip r:embed="rId3" cstate="print">
-              <a:extLst>
-                <a:ext uri="{28A0092B-C50C-407E-A947-70E740481C1C}">
-                  <a14:useLocalDpi xmlns:a14="http://schemas.microsoft.com/office/drawing/2010/main" val="0"/>
-                </a:ext>
-              </a:extLst>
-            </a:blip>
-            <a:srcRect/>
-            <a:stretch>
-              <a:fillRect/>
-            </a:stretch>
-          </p:blipFill>
-          <p:spPr bwMode="auto">
-            <a:xfrm rot="2688639">
-              <a:off x="36764403" y="18957840"/>
-              <a:ext cx="2309057" cy="2288239"/>
-            </a:xfrm>
-            <a:prstGeom prst="rect">
-              <a:avLst/>
-            </a:prstGeom>
-            <a:noFill/>
-            <a:extLst>
-              <a:ext uri="{909E8E84-426E-40DD-AFC4-6F175D3DCCD1}">
-                <a14:hiddenFill xmlns:a14="http://schemas.microsoft.com/office/drawing/2010/main">
-                  <a:solidFill>
-                    <a:srgbClr val="FFFFFF"/>
-                  </a:solidFill>
-                </a14:hiddenFill>
-              </a:ext>
-            </a:extLst>
-          </p:spPr>
-        </p:pic>
-        <p:pic>
-          <p:nvPicPr>
-            <p:cNvPr id="30" name="Picture 12" descr="Image result for flower clipart">
-              <a:extLst>
-                <a:ext uri="{FF2B5EF4-FFF2-40B4-BE49-F238E27FC236}">
-                  <a16:creationId xmlns:a16="http://schemas.microsoft.com/office/drawing/2014/main" id="{5DD73330-1302-43B8-AE8B-2221A86BDD37}"/>
+                  <a16:creationId xmlns:a16="http://schemas.microsoft.com/office/drawing/2014/main" id="{595C93B9-F0BD-43C7-8627-8D80B76E0B25}"/>
                 </a:ext>
               </a:extLst>
             </p:cNvPr>
@@ -10944,7 +11894,7 @@
           </p:blipFill>
           <p:spPr bwMode="auto">
             <a:xfrm rot="1996164">
-              <a:off x="21430701" y="10425562"/>
+              <a:off x="10790576" y="15833426"/>
               <a:ext cx="2309058" cy="2288240"/>
             </a:xfrm>
             <a:prstGeom prst="rect">
@@ -10964,10 +11914,10 @@
         </p:pic>
         <p:pic>
           <p:nvPicPr>
-            <p:cNvPr id="31" name="Picture 12" descr="Image result for flower clipart">
+            <p:cNvPr id="24" name="Picture 12" descr="Image result for flower clipart">
               <a:extLst>
                 <a:ext uri="{FF2B5EF4-FFF2-40B4-BE49-F238E27FC236}">
-                  <a16:creationId xmlns:a16="http://schemas.microsoft.com/office/drawing/2014/main" id="{D239C208-C725-454C-8794-EE61FC413A2B}"/>
+                  <a16:creationId xmlns:a16="http://schemas.microsoft.com/office/drawing/2014/main" id="{1E38F79D-06CE-41A5-81FA-DAD1348703DF}"/>
                 </a:ext>
               </a:extLst>
             </p:cNvPr>
@@ -10990,8 +11940,8 @@
             </a:stretch>
           </p:blipFill>
           <p:spPr bwMode="auto">
-            <a:xfrm rot="16973761">
-              <a:off x="36034342" y="17367892"/>
+            <a:xfrm rot="1996164">
+              <a:off x="34363584" y="21202405"/>
               <a:ext cx="2309058" cy="2288240"/>
             </a:xfrm>
             <a:prstGeom prst="rect">
@@ -11011,10 +11961,10 @@
         </p:pic>
         <p:pic>
           <p:nvPicPr>
-            <p:cNvPr id="32" name="Picture 12" descr="Image result for flower clipart">
+            <p:cNvPr id="25" name="Picture 12" descr="Image result for flower clipart">
               <a:extLst>
                 <a:ext uri="{FF2B5EF4-FFF2-40B4-BE49-F238E27FC236}">
-                  <a16:creationId xmlns:a16="http://schemas.microsoft.com/office/drawing/2014/main" id="{3C47C6DC-65D8-4C1E-80C0-7384D140317A}"/>
+                  <a16:creationId xmlns:a16="http://schemas.microsoft.com/office/drawing/2014/main" id="{BFBF6984-1CCC-4478-A75F-DD1CDBDBDD98}"/>
                 </a:ext>
               </a:extLst>
             </p:cNvPr>
@@ -11037,8 +11987,8 @@
             </a:stretch>
           </p:blipFill>
           <p:spPr bwMode="auto">
-            <a:xfrm rot="1320354">
-              <a:off x="34363585" y="19380253"/>
+            <a:xfrm rot="1996164">
+              <a:off x="37573881" y="21733493"/>
               <a:ext cx="2309058" cy="2288240"/>
             </a:xfrm>
             <a:prstGeom prst="rect">
@@ -11058,10 +12008,10 @@
         </p:pic>
         <p:pic>
           <p:nvPicPr>
-            <p:cNvPr id="33" name="Picture 12" descr="Image result for flower clipart">
+            <p:cNvPr id="45" name="Picture 12" descr="Image result for flower clipart">
               <a:extLst>
                 <a:ext uri="{FF2B5EF4-FFF2-40B4-BE49-F238E27FC236}">
-                  <a16:creationId xmlns:a16="http://schemas.microsoft.com/office/drawing/2014/main" id="{F5D8C8E0-FAF3-43D6-B1C6-24CF7C84C811}"/>
+                  <a16:creationId xmlns:a16="http://schemas.microsoft.com/office/drawing/2014/main" id="{A2A6367A-6E0F-40EC-96BD-0A440612915A}"/>
                 </a:ext>
               </a:extLst>
             </p:cNvPr>
@@ -11084,8 +12034,8 @@
             </a:stretch>
           </p:blipFill>
           <p:spPr bwMode="auto">
-            <a:xfrm rot="388776">
-              <a:off x="34496403" y="17423373"/>
+            <a:xfrm rot="1996164">
+              <a:off x="8476999" y="17734481"/>
               <a:ext cx="2309058" cy="2288240"/>
             </a:xfrm>
             <a:prstGeom prst="rect">
@@ -11105,104 +12055,10 @@
         </p:pic>
         <p:pic>
           <p:nvPicPr>
-            <p:cNvPr id="34" name="Picture 12" descr="Image result for flower clipart">
+            <p:cNvPr id="46" name="Picture 2" descr="Image result for hummingbird silhouette">
               <a:extLst>
                 <a:ext uri="{FF2B5EF4-FFF2-40B4-BE49-F238E27FC236}">
-                  <a16:creationId xmlns:a16="http://schemas.microsoft.com/office/drawing/2014/main" id="{53F93AFA-63FC-42B4-A338-8D7CBC183B57}"/>
-                </a:ext>
-              </a:extLst>
-            </p:cNvPr>
-            <p:cNvPicPr>
-              <a:picLocks noChangeAspect="1" noChangeArrowheads="1"/>
-            </p:cNvPicPr>
-            <p:nvPr/>
-          </p:nvPicPr>
-          <p:blipFill>
-            <a:blip r:embed="rId3" cstate="print">
-              <a:extLst>
-                <a:ext uri="{28A0092B-C50C-407E-A947-70E740481C1C}">
-                  <a14:useLocalDpi xmlns:a14="http://schemas.microsoft.com/office/drawing/2010/main" val="0"/>
-                </a:ext>
-              </a:extLst>
-            </a:blip>
-            <a:srcRect/>
-            <a:stretch>
-              <a:fillRect/>
-            </a:stretch>
-          </p:blipFill>
-          <p:spPr bwMode="auto">
-            <a:xfrm rot="2824274">
-              <a:off x="25344932" y="15478654"/>
-              <a:ext cx="2309058" cy="2288240"/>
-            </a:xfrm>
-            <a:prstGeom prst="rect">
-              <a:avLst/>
-            </a:prstGeom>
-            <a:noFill/>
-            <a:extLst>
-              <a:ext uri="{909E8E84-426E-40DD-AFC4-6F175D3DCCD1}">
-                <a14:hiddenFill xmlns:a14="http://schemas.microsoft.com/office/drawing/2010/main">
-                  <a:solidFill>
-                    <a:srgbClr val="FFFFFF"/>
-                  </a:solidFill>
-                </a14:hiddenFill>
-              </a:ext>
-            </a:extLst>
-          </p:spPr>
-        </p:pic>
-        <p:pic>
-          <p:nvPicPr>
-            <p:cNvPr id="36" name="Picture 12" descr="Image result for flower clipart">
-              <a:extLst>
-                <a:ext uri="{FF2B5EF4-FFF2-40B4-BE49-F238E27FC236}">
-                  <a16:creationId xmlns:a16="http://schemas.microsoft.com/office/drawing/2014/main" id="{1D29CCFF-6E85-41D5-8669-37895803D014}"/>
-                </a:ext>
-              </a:extLst>
-            </p:cNvPr>
-            <p:cNvPicPr>
-              <a:picLocks noChangeAspect="1" noChangeArrowheads="1"/>
-            </p:cNvPicPr>
-            <p:nvPr/>
-          </p:nvPicPr>
-          <p:blipFill>
-            <a:blip r:embed="rId3" cstate="print">
-              <a:extLst>
-                <a:ext uri="{28A0092B-C50C-407E-A947-70E740481C1C}">
-                  <a14:useLocalDpi xmlns:a14="http://schemas.microsoft.com/office/drawing/2010/main" val="0"/>
-                </a:ext>
-              </a:extLst>
-            </a:blip>
-            <a:srcRect/>
-            <a:stretch>
-              <a:fillRect/>
-            </a:stretch>
-          </p:blipFill>
-          <p:spPr bwMode="auto">
-            <a:xfrm rot="21203234">
-              <a:off x="38218947" y="19927917"/>
-              <a:ext cx="2309058" cy="2288240"/>
-            </a:xfrm>
-            <a:prstGeom prst="rect">
-              <a:avLst/>
-            </a:prstGeom>
-            <a:noFill/>
-            <a:extLst>
-              <a:ext uri="{909E8E84-426E-40DD-AFC4-6F175D3DCCD1}">
-                <a14:hiddenFill xmlns:a14="http://schemas.microsoft.com/office/drawing/2010/main">
-                  <a:solidFill>
-                    <a:srgbClr val="FFFFFF"/>
-                  </a:solidFill>
-                </a14:hiddenFill>
-              </a:ext>
-            </a:extLst>
-          </p:spPr>
-        </p:pic>
-        <p:pic>
-          <p:nvPicPr>
-            <p:cNvPr id="37" name="Picture 2" descr="Image result for hummingbird silhouette">
-              <a:extLst>
-                <a:ext uri="{FF2B5EF4-FFF2-40B4-BE49-F238E27FC236}">
-                  <a16:creationId xmlns:a16="http://schemas.microsoft.com/office/drawing/2014/main" id="{96830D91-B6DD-4AF9-9C8E-D421ECF08F92}"/>
+                  <a16:creationId xmlns:a16="http://schemas.microsoft.com/office/drawing/2014/main" id="{5A1860AD-0DA8-4AE1-B6AE-17A7D81D1278}"/>
                 </a:ext>
               </a:extLst>
             </p:cNvPr>
@@ -11225,8 +12081,8 @@
             </a:stretch>
           </p:blipFill>
           <p:spPr bwMode="auto">
-            <a:xfrm rot="2792186" flipH="1">
-              <a:off x="17656426" y="9903826"/>
+            <a:xfrm rot="21445809" flipH="1">
+              <a:off x="5908550" y="18483479"/>
               <a:ext cx="3878302" cy="2245095"/>
             </a:xfrm>
             <a:prstGeom prst="rect">
@@ -11246,57 +12102,10 @@
         </p:pic>
         <p:pic>
           <p:nvPicPr>
-            <p:cNvPr id="38" name="Picture 2" descr="Image result for hummingbird silhouette">
+            <p:cNvPr id="47" name="Picture 2" descr="Image result for hummingbird silhouette">
               <a:extLst>
                 <a:ext uri="{FF2B5EF4-FFF2-40B4-BE49-F238E27FC236}">
-                  <a16:creationId xmlns:a16="http://schemas.microsoft.com/office/drawing/2014/main" id="{3B548C25-412A-4214-B76E-C70958DB94D5}"/>
-                </a:ext>
-              </a:extLst>
-            </p:cNvPr>
-            <p:cNvPicPr>
-              <a:picLocks noChangeAspect="1" noChangeArrowheads="1"/>
-            </p:cNvPicPr>
-            <p:nvPr/>
-          </p:nvPicPr>
-          <p:blipFill>
-            <a:blip r:embed="rId5" cstate="print">
-              <a:extLst>
-                <a:ext uri="{28A0092B-C50C-407E-A947-70E740481C1C}">
-                  <a14:useLocalDpi xmlns:a14="http://schemas.microsoft.com/office/drawing/2010/main" val="0"/>
-                </a:ext>
-              </a:extLst>
-            </a:blip>
-            <a:srcRect/>
-            <a:stretch>
-              <a:fillRect/>
-            </a:stretch>
-          </p:blipFill>
-          <p:spPr bwMode="auto">
-            <a:xfrm>
-              <a:off x="23126746" y="8994270"/>
-              <a:ext cx="3776007" cy="2245095"/>
-            </a:xfrm>
-            <a:prstGeom prst="rect">
-              <a:avLst/>
-            </a:prstGeom>
-            <a:noFill/>
-            <a:extLst>
-              <a:ext uri="{909E8E84-426E-40DD-AFC4-6F175D3DCCD1}">
-                <a14:hiddenFill xmlns:a14="http://schemas.microsoft.com/office/drawing/2010/main">
-                  <a:solidFill>
-                    <a:srgbClr val="FFFFFF"/>
-                  </a:solidFill>
-                </a14:hiddenFill>
-              </a:ext>
-            </a:extLst>
-          </p:spPr>
-        </p:pic>
-        <p:pic>
-          <p:nvPicPr>
-            <p:cNvPr id="39" name="Picture 2" descr="Image result for hummingbird silhouette">
-              <a:extLst>
-                <a:ext uri="{FF2B5EF4-FFF2-40B4-BE49-F238E27FC236}">
-                  <a16:creationId xmlns:a16="http://schemas.microsoft.com/office/drawing/2014/main" id="{2AD58D56-E00A-4B46-9CA4-2B3E29A61646}"/>
+                  <a16:creationId xmlns:a16="http://schemas.microsoft.com/office/drawing/2014/main" id="{FDB76547-BFEC-4904-BB55-4330AF5FDFF3}"/>
                 </a:ext>
               </a:extLst>
             </p:cNvPr>
@@ -11319,9 +12128,9 @@
             </a:stretch>
           </p:blipFill>
           <p:spPr bwMode="auto">
-            <a:xfrm rot="20942693" flipH="1">
-              <a:off x="24912455" y="12753084"/>
-              <a:ext cx="3878302" cy="2245095"/>
+            <a:xfrm rot="21445809">
+              <a:off x="15176250" y="15437213"/>
+              <a:ext cx="3795404" cy="2245095"/>
             </a:xfrm>
             <a:prstGeom prst="rect">
               <a:avLst/>
@@ -11338,194 +12147,52 @@
             </a:extLst>
           </p:spPr>
         </p:pic>
-        <p:pic>
-          <p:nvPicPr>
-            <p:cNvPr id="40" name="Picture 2" descr="Image result for hummingbird silhouette">
+        <p:sp>
+          <p:nvSpPr>
+            <p:cNvPr id="2" name="Oval 1">
               <a:extLst>
                 <a:ext uri="{FF2B5EF4-FFF2-40B4-BE49-F238E27FC236}">
-                  <a16:creationId xmlns:a16="http://schemas.microsoft.com/office/drawing/2014/main" id="{6F0559C3-1082-44F5-B147-480D8C070843}"/>
+                  <a16:creationId xmlns:a16="http://schemas.microsoft.com/office/drawing/2014/main" id="{977B66B1-5963-4714-938C-4AB989B9BAF0}"/>
                 </a:ext>
               </a:extLst>
             </p:cNvPr>
-            <p:cNvPicPr>
-              <a:picLocks noChangeAspect="1" noChangeArrowheads="1"/>
-            </p:cNvPicPr>
+            <p:cNvSpPr/>
             <p:nvPr/>
-          </p:nvPicPr>
-          <p:blipFill>
-            <a:blip r:embed="rId4" cstate="print">
-              <a:extLst>
-                <a:ext uri="{28A0092B-C50C-407E-A947-70E740481C1C}">
-                  <a14:useLocalDpi xmlns:a14="http://schemas.microsoft.com/office/drawing/2010/main" val="0"/>
-                </a:ext>
-              </a:extLst>
-            </a:blip>
-            <a:srcRect/>
-            <a:stretch>
-              <a:fillRect/>
-            </a:stretch>
-          </p:blipFill>
-          <p:spPr bwMode="auto">
-            <a:xfrm rot="20985050">
-              <a:off x="38107277" y="17387396"/>
-              <a:ext cx="4058266" cy="2245095"/>
+          </p:nvSpPr>
+          <p:spPr>
+            <a:xfrm>
+              <a:off x="5822739" y="12708659"/>
+              <a:ext cx="13614352" cy="13017713"/>
             </a:xfrm>
-            <a:prstGeom prst="rect">
+            <a:prstGeom prst="ellipse">
               <a:avLst/>
             </a:prstGeom>
             <a:noFill/>
-            <a:extLst>
-              <a:ext uri="{909E8E84-426E-40DD-AFC4-6F175D3DCCD1}">
-                <a14:hiddenFill xmlns:a14="http://schemas.microsoft.com/office/drawing/2010/main">
-                  <a:solidFill>
-                    <a:srgbClr val="FFFFFF"/>
-                  </a:solidFill>
-                </a14:hiddenFill>
-              </a:ext>
-            </a:extLst>
+            <a:ln/>
           </p:spPr>
-        </p:pic>
-        <p:pic>
-          <p:nvPicPr>
-            <p:cNvPr id="41" name="Picture 2" descr="Image result for hummingbird silhouette">
-              <a:extLst>
-                <a:ext uri="{FF2B5EF4-FFF2-40B4-BE49-F238E27FC236}">
-                  <a16:creationId xmlns:a16="http://schemas.microsoft.com/office/drawing/2014/main" id="{60ACF3CA-295F-445B-BE52-BE89EF835B63}"/>
-                </a:ext>
-              </a:extLst>
-            </p:cNvPr>
-            <p:cNvPicPr>
-              <a:picLocks noChangeAspect="1" noChangeArrowheads="1"/>
-            </p:cNvPicPr>
-            <p:nvPr/>
-          </p:nvPicPr>
-          <p:blipFill>
-            <a:blip r:embed="rId4" cstate="print">
-              <a:extLst>
-                <a:ext uri="{28A0092B-C50C-407E-A947-70E740481C1C}">
-                  <a14:useLocalDpi xmlns:a14="http://schemas.microsoft.com/office/drawing/2010/main" val="0"/>
-                </a:ext>
-              </a:extLst>
-            </a:blip>
-            <a:srcRect/>
-            <a:stretch>
-              <a:fillRect/>
-            </a:stretch>
-          </p:blipFill>
-          <p:spPr bwMode="auto">
-            <a:xfrm rot="873617" flipH="1">
-              <a:off x="32435513" y="18247369"/>
-              <a:ext cx="3878302" cy="2245095"/>
-            </a:xfrm>
-            <a:prstGeom prst="rect">
-              <a:avLst/>
-            </a:prstGeom>
-            <a:noFill/>
-            <a:extLst>
-              <a:ext uri="{909E8E84-426E-40DD-AFC4-6F175D3DCCD1}">
-                <a14:hiddenFill xmlns:a14="http://schemas.microsoft.com/office/drawing/2010/main">
-                  <a:solidFill>
-                    <a:srgbClr val="FFFFFF"/>
-                  </a:solidFill>
-                </a14:hiddenFill>
-              </a:ext>
-            </a:extLst>
-          </p:spPr>
-        </p:pic>
-        <p:pic>
-          <p:nvPicPr>
-            <p:cNvPr id="42" name="Picture 2" descr="Image result for hummingbird silhouette">
-              <a:extLst>
-                <a:ext uri="{FF2B5EF4-FFF2-40B4-BE49-F238E27FC236}">
-                  <a16:creationId xmlns:a16="http://schemas.microsoft.com/office/drawing/2014/main" id="{A2D4DEA6-5B06-4506-B02E-6D9A8DB0AFE5}"/>
-                </a:ext>
-              </a:extLst>
-            </p:cNvPr>
-            <p:cNvPicPr>
-              <a:picLocks noChangeAspect="1" noChangeArrowheads="1"/>
-            </p:cNvPicPr>
-            <p:nvPr/>
-          </p:nvPicPr>
-          <p:blipFill>
-            <a:blip r:embed="rId6" cstate="print">
-              <a:extLst>
-                <a:ext uri="{28A0092B-C50C-407E-A947-70E740481C1C}">
-                  <a14:useLocalDpi xmlns:a14="http://schemas.microsoft.com/office/drawing/2010/main" val="0"/>
-                </a:ext>
-              </a:extLst>
-            </a:blip>
-            <a:srcRect/>
-            <a:stretch>
-              <a:fillRect/>
-            </a:stretch>
-          </p:blipFill>
-          <p:spPr bwMode="auto">
-            <a:xfrm rot="19119069">
-              <a:off x="34905347" y="14574152"/>
-              <a:ext cx="3738524" cy="2245095"/>
-            </a:xfrm>
-            <a:prstGeom prst="rect">
-              <a:avLst/>
-            </a:prstGeom>
-            <a:noFill/>
-            <a:extLst>
-              <a:ext uri="{909E8E84-426E-40DD-AFC4-6F175D3DCCD1}">
-                <a14:hiddenFill xmlns:a14="http://schemas.microsoft.com/office/drawing/2010/main">
-                  <a:solidFill>
-                    <a:srgbClr val="FFFFFF"/>
-                  </a:solidFill>
-                </a14:hiddenFill>
-              </a:ext>
-            </a:extLst>
-          </p:spPr>
-        </p:pic>
-        <p:pic>
-          <p:nvPicPr>
-            <p:cNvPr id="43" name="Picture 2" descr="Image result for hummingbird silhouette">
-              <a:extLst>
-                <a:ext uri="{FF2B5EF4-FFF2-40B4-BE49-F238E27FC236}">
-                  <a16:creationId xmlns:a16="http://schemas.microsoft.com/office/drawing/2014/main" id="{90B9C344-A89D-4B16-96C2-91F1236B1B8D}"/>
-                </a:ext>
-              </a:extLst>
-            </p:cNvPr>
-            <p:cNvPicPr>
-              <a:picLocks noChangeAspect="1" noChangeArrowheads="1"/>
-            </p:cNvPicPr>
-            <p:nvPr/>
-          </p:nvPicPr>
-          <p:blipFill>
-            <a:blip r:embed="rId4" cstate="print">
-              <a:extLst>
-                <a:ext uri="{28A0092B-C50C-407E-A947-70E740481C1C}">
-                  <a14:useLocalDpi xmlns:a14="http://schemas.microsoft.com/office/drawing/2010/main" val="0"/>
-                </a:ext>
-              </a:extLst>
-            </a:blip>
-            <a:srcRect/>
-            <a:stretch>
-              <a:fillRect/>
-            </a:stretch>
-          </p:blipFill>
-          <p:spPr bwMode="auto">
-            <a:xfrm rot="1143832" flipH="1">
-              <a:off x="5821394" y="17758037"/>
-              <a:ext cx="3878302" cy="2245095"/>
-            </a:xfrm>
-            <a:prstGeom prst="rect">
-              <a:avLst/>
-            </a:prstGeom>
-            <a:noFill/>
-            <a:extLst>
-              <a:ext uri="{909E8E84-426E-40DD-AFC4-6F175D3DCCD1}">
-                <a14:hiddenFill xmlns:a14="http://schemas.microsoft.com/office/drawing/2010/main">
-                  <a:solidFill>
-                    <a:srgbClr val="FFFFFF"/>
-                  </a:solidFill>
-                </a14:hiddenFill>
-              </a:ext>
-            </a:extLst>
-          </p:spPr>
-        </p:pic>
+          <p:style>
+            <a:lnRef idx="2">
+              <a:schemeClr val="accent4"/>
+            </a:lnRef>
+            <a:fillRef idx="1">
+              <a:schemeClr val="lt1"/>
+            </a:fillRef>
+            <a:effectRef idx="0">
+              <a:schemeClr val="accent4"/>
+            </a:effectRef>
+            <a:fontRef idx="minor">
+              <a:schemeClr val="dk1"/>
+            </a:fontRef>
+          </p:style>
+          <p:txBody>
+            <a:bodyPr rtlCol="0" anchor="ctr"/>
+            <a:lstStyle/>
+            <a:p>
+              <a:pPr algn="ctr"/>
+              <a:endParaRPr lang="en-US" sz="6000" dirty="0" err="1"/>
+            </a:p>
+          </p:txBody>
+        </p:sp>
       </p:grpSp>
     </p:spTree>
     <p:extLst>
